--- a/TARS Instructions (WIP).pptx
+++ b/TARS Instructions (WIP).pptx
@@ -5,18 +5,22 @@
     <p:sldMasterId id="2147483648" r:id="rId1"/>
   </p:sldMasterIdLst>
   <p:notesMasterIdLst>
-    <p:notesMasterId r:id="rId11"/>
+    <p:notesMasterId r:id="rId15"/>
   </p:notesMasterIdLst>
   <p:sldIdLst>
     <p:sldId id="256" r:id="rId2"/>
     <p:sldId id="258" r:id="rId3"/>
     <p:sldId id="259" r:id="rId4"/>
     <p:sldId id="260" r:id="rId5"/>
-    <p:sldId id="261" r:id="rId6"/>
-    <p:sldId id="262" r:id="rId7"/>
-    <p:sldId id="263" r:id="rId8"/>
-    <p:sldId id="264" r:id="rId9"/>
-    <p:sldId id="265" r:id="rId10"/>
+    <p:sldId id="266" r:id="rId6"/>
+    <p:sldId id="267" r:id="rId7"/>
+    <p:sldId id="268" r:id="rId8"/>
+    <p:sldId id="269" r:id="rId9"/>
+    <p:sldId id="270" r:id="rId10"/>
+    <p:sldId id="271" r:id="rId11"/>
+    <p:sldId id="263" r:id="rId12"/>
+    <p:sldId id="264" r:id="rId13"/>
+    <p:sldId id="265" r:id="rId14"/>
   </p:sldIdLst>
   <p:sldSz cx="12192000" cy="6858000"/>
   <p:notesSz cx="6858000" cy="9144000"/>
@@ -205,7 +209,7 @@
           <a:p>
             <a:fld id="{FDD43F1A-02C4-4597-A32B-583B16C6D736}" type="datetimeFigureOut">
               <a:rPr lang="en-US" smtClean="0"/>
-              <a:t>12/12/2024</a:t>
+              <a:t>12/31/2024</a:t>
             </a:fld>
             <a:endParaRPr lang="en-US"/>
           </a:p>
@@ -556,6 +560,222 @@
 </p:notes>
 </file>
 
+<file path=ppt/notesSlides/notesSlide10.xml><?xml version="1.0" encoding="utf-8"?>
+<p:notes xmlns:a="http://schemas.openxmlformats.org/drawingml/2006/main" xmlns:r="http://schemas.openxmlformats.org/officeDocument/2006/relationships" xmlns:p="http://schemas.openxmlformats.org/presentationml/2006/main">
+  <p:cSld>
+    <p:spTree>
+      <p:nvGrpSpPr>
+        <p:cNvPr id="1" name="">
+          <a:extLst>
+            <a:ext uri="{FF2B5EF4-FFF2-40B4-BE49-F238E27FC236}">
+              <a16:creationId xmlns:a16="http://schemas.microsoft.com/office/drawing/2014/main" id="{83B0FD85-D835-411A-3B7D-72A1BDE1CA1E}"/>
+            </a:ext>
+          </a:extLst>
+        </p:cNvPr>
+        <p:cNvGrpSpPr/>
+        <p:nvPr/>
+      </p:nvGrpSpPr>
+      <p:grpSpPr>
+        <a:xfrm>
+          <a:off x="0" y="0"/>
+          <a:ext cx="0" cy="0"/>
+          <a:chOff x="0" y="0"/>
+          <a:chExt cx="0" cy="0"/>
+        </a:xfrm>
+      </p:grpSpPr>
+      <p:sp>
+        <p:nvSpPr>
+          <p:cNvPr id="2" name="Slide Image Placeholder 1">
+            <a:extLst>
+              <a:ext uri="{FF2B5EF4-FFF2-40B4-BE49-F238E27FC236}">
+                <a16:creationId xmlns:a16="http://schemas.microsoft.com/office/drawing/2014/main" id="{A3E96422-3C3F-A1BF-5DA9-82289BD84673}"/>
+              </a:ext>
+            </a:extLst>
+          </p:cNvPr>
+          <p:cNvSpPr>
+            <a:spLocks noGrp="1" noRot="1" noChangeAspect="1"/>
+          </p:cNvSpPr>
+          <p:nvPr>
+            <p:ph type="sldImg"/>
+          </p:nvPr>
+        </p:nvSpPr>
+        <p:spPr/>
+      </p:sp>
+      <p:sp>
+        <p:nvSpPr>
+          <p:cNvPr id="3" name="Notes Placeholder 2">
+            <a:extLst>
+              <a:ext uri="{FF2B5EF4-FFF2-40B4-BE49-F238E27FC236}">
+                <a16:creationId xmlns:a16="http://schemas.microsoft.com/office/drawing/2014/main" id="{1B148254-0A6F-5A7B-FB32-19B5FBF1BF73}"/>
+              </a:ext>
+            </a:extLst>
+          </p:cNvPr>
+          <p:cNvSpPr>
+            <a:spLocks noGrp="1"/>
+          </p:cNvSpPr>
+          <p:nvPr>
+            <p:ph type="body" idx="1"/>
+          </p:nvPr>
+        </p:nvSpPr>
+        <p:spPr/>
+        <p:txBody>
+          <a:bodyPr/>
+          <a:lstStyle/>
+          <a:p>
+            <a:endParaRPr lang="en-US" dirty="0"/>
+          </a:p>
+        </p:txBody>
+      </p:sp>
+      <p:sp>
+        <p:nvSpPr>
+          <p:cNvPr id="4" name="Slide Number Placeholder 3">
+            <a:extLst>
+              <a:ext uri="{FF2B5EF4-FFF2-40B4-BE49-F238E27FC236}">
+                <a16:creationId xmlns:a16="http://schemas.microsoft.com/office/drawing/2014/main" id="{446F7514-1137-6390-9996-36A30674738C}"/>
+              </a:ext>
+            </a:extLst>
+          </p:cNvPr>
+          <p:cNvSpPr>
+            <a:spLocks noGrp="1"/>
+          </p:cNvSpPr>
+          <p:nvPr>
+            <p:ph type="sldNum" sz="quarter" idx="5"/>
+          </p:nvPr>
+        </p:nvSpPr>
+        <p:spPr/>
+        <p:txBody>
+          <a:bodyPr/>
+          <a:lstStyle/>
+          <a:p>
+            <a:fld id="{4F9FBC38-293A-4128-8897-DC4F2AE6DC9E}" type="slidenum">
+              <a:rPr lang="en-US" smtClean="0"/>
+              <a:t>12</a:t>
+            </a:fld>
+            <a:endParaRPr lang="en-US"/>
+          </a:p>
+        </p:txBody>
+      </p:sp>
+    </p:spTree>
+    <p:extLst>
+      <p:ext uri="{BB962C8B-B14F-4D97-AF65-F5344CB8AC3E}">
+        <p14:creationId xmlns:p14="http://schemas.microsoft.com/office/powerpoint/2010/main" val="1935266801"/>
+      </p:ext>
+    </p:extLst>
+  </p:cSld>
+  <p:clrMapOvr>
+    <a:masterClrMapping/>
+  </p:clrMapOvr>
+</p:notes>
+</file>
+
+<file path=ppt/notesSlides/notesSlide11.xml><?xml version="1.0" encoding="utf-8"?>
+<p:notes xmlns:a="http://schemas.openxmlformats.org/drawingml/2006/main" xmlns:r="http://schemas.openxmlformats.org/officeDocument/2006/relationships" xmlns:p="http://schemas.openxmlformats.org/presentationml/2006/main">
+  <p:cSld>
+    <p:spTree>
+      <p:nvGrpSpPr>
+        <p:cNvPr id="1" name="">
+          <a:extLst>
+            <a:ext uri="{FF2B5EF4-FFF2-40B4-BE49-F238E27FC236}">
+              <a16:creationId xmlns:a16="http://schemas.microsoft.com/office/drawing/2014/main" id="{8D7EFA0B-FD0A-0A76-27A4-BA6C8DA9D12F}"/>
+            </a:ext>
+          </a:extLst>
+        </p:cNvPr>
+        <p:cNvGrpSpPr/>
+        <p:nvPr/>
+      </p:nvGrpSpPr>
+      <p:grpSpPr>
+        <a:xfrm>
+          <a:off x="0" y="0"/>
+          <a:ext cx="0" cy="0"/>
+          <a:chOff x="0" y="0"/>
+          <a:chExt cx="0" cy="0"/>
+        </a:xfrm>
+      </p:grpSpPr>
+      <p:sp>
+        <p:nvSpPr>
+          <p:cNvPr id="2" name="Slide Image Placeholder 1">
+            <a:extLst>
+              <a:ext uri="{FF2B5EF4-FFF2-40B4-BE49-F238E27FC236}">
+                <a16:creationId xmlns:a16="http://schemas.microsoft.com/office/drawing/2014/main" id="{50C5CE79-EEB4-B150-F610-3101910D6D57}"/>
+              </a:ext>
+            </a:extLst>
+          </p:cNvPr>
+          <p:cNvSpPr>
+            <a:spLocks noGrp="1" noRot="1" noChangeAspect="1"/>
+          </p:cNvSpPr>
+          <p:nvPr>
+            <p:ph type="sldImg"/>
+          </p:nvPr>
+        </p:nvSpPr>
+        <p:spPr/>
+      </p:sp>
+      <p:sp>
+        <p:nvSpPr>
+          <p:cNvPr id="3" name="Notes Placeholder 2">
+            <a:extLst>
+              <a:ext uri="{FF2B5EF4-FFF2-40B4-BE49-F238E27FC236}">
+                <a16:creationId xmlns:a16="http://schemas.microsoft.com/office/drawing/2014/main" id="{71DD063B-E2E4-886F-DF0D-65F5320595E1}"/>
+              </a:ext>
+            </a:extLst>
+          </p:cNvPr>
+          <p:cNvSpPr>
+            <a:spLocks noGrp="1"/>
+          </p:cNvSpPr>
+          <p:nvPr>
+            <p:ph type="body" idx="1"/>
+          </p:nvPr>
+        </p:nvSpPr>
+        <p:spPr/>
+        <p:txBody>
+          <a:bodyPr/>
+          <a:lstStyle/>
+          <a:p>
+            <a:endParaRPr lang="en-US" dirty="0"/>
+          </a:p>
+        </p:txBody>
+      </p:sp>
+      <p:sp>
+        <p:nvSpPr>
+          <p:cNvPr id="4" name="Slide Number Placeholder 3">
+            <a:extLst>
+              <a:ext uri="{FF2B5EF4-FFF2-40B4-BE49-F238E27FC236}">
+                <a16:creationId xmlns:a16="http://schemas.microsoft.com/office/drawing/2014/main" id="{864E8035-274E-0073-F950-DCA84185FBF5}"/>
+              </a:ext>
+            </a:extLst>
+          </p:cNvPr>
+          <p:cNvSpPr>
+            <a:spLocks noGrp="1"/>
+          </p:cNvSpPr>
+          <p:nvPr>
+            <p:ph type="sldNum" sz="quarter" idx="5"/>
+          </p:nvPr>
+        </p:nvSpPr>
+        <p:spPr/>
+        <p:txBody>
+          <a:bodyPr/>
+          <a:lstStyle/>
+          <a:p>
+            <a:fld id="{4F9FBC38-293A-4128-8897-DC4F2AE6DC9E}" type="slidenum">
+              <a:rPr lang="en-US" smtClean="0"/>
+              <a:t>13</a:t>
+            </a:fld>
+            <a:endParaRPr lang="en-US"/>
+          </a:p>
+        </p:txBody>
+      </p:sp>
+    </p:spTree>
+    <p:extLst>
+      <p:ext uri="{BB962C8B-B14F-4D97-AF65-F5344CB8AC3E}">
+        <p14:creationId xmlns:p14="http://schemas.microsoft.com/office/powerpoint/2010/main" val="2658814446"/>
+      </p:ext>
+    </p:extLst>
+  </p:cSld>
+  <p:clrMapOvr>
+    <a:masterClrMapping/>
+  </p:clrMapOvr>
+</p:notes>
+</file>
+
 <file path=ppt/notesSlides/notesSlide2.xml><?xml version="1.0" encoding="utf-8"?>
 <p:notes xmlns:a="http://schemas.openxmlformats.org/drawingml/2006/main" xmlns:r="http://schemas.openxmlformats.org/officeDocument/2006/relationships" xmlns:p="http://schemas.openxmlformats.org/presentationml/2006/main">
   <p:cSld>
@@ -672,7 +892,7 @@
         <p:cNvPr id="1" name="">
           <a:extLst>
             <a:ext uri="{FF2B5EF4-FFF2-40B4-BE49-F238E27FC236}">
-              <a16:creationId xmlns:a16="http://schemas.microsoft.com/office/drawing/2014/main" id="{005857BA-439C-812B-48C0-F82F86DE3F24}"/>
+              <a16:creationId xmlns:a16="http://schemas.microsoft.com/office/drawing/2014/main" id="{BF5E73A2-C7E5-B29D-6341-E8EFAB106CCC}"/>
             </a:ext>
           </a:extLst>
         </p:cNvPr>
@@ -692,7 +912,7 @@
           <p:cNvPr id="2" name="Slide Image Placeholder 1">
             <a:extLst>
               <a:ext uri="{FF2B5EF4-FFF2-40B4-BE49-F238E27FC236}">
-                <a16:creationId xmlns:a16="http://schemas.microsoft.com/office/drawing/2014/main" id="{C3A92DBD-3ACD-2EDF-AD92-67C07C27FD48}"/>
+                <a16:creationId xmlns:a16="http://schemas.microsoft.com/office/drawing/2014/main" id="{CDBEA494-A029-75D8-E4FF-5EA561FBE44F}"/>
               </a:ext>
             </a:extLst>
           </p:cNvPr>
@@ -710,7 +930,7 @@
           <p:cNvPr id="3" name="Notes Placeholder 2">
             <a:extLst>
               <a:ext uri="{FF2B5EF4-FFF2-40B4-BE49-F238E27FC236}">
-                <a16:creationId xmlns:a16="http://schemas.microsoft.com/office/drawing/2014/main" id="{A2545B78-A464-9261-8906-AE5B7AA3926C}"/>
+                <a16:creationId xmlns:a16="http://schemas.microsoft.com/office/drawing/2014/main" id="{9495D17F-AB37-DBF5-76D5-9357356CCEAD}"/>
               </a:ext>
             </a:extLst>
           </p:cNvPr>
@@ -735,7 +955,7 @@
           <p:cNvPr id="4" name="Slide Number Placeholder 3">
             <a:extLst>
               <a:ext uri="{FF2B5EF4-FFF2-40B4-BE49-F238E27FC236}">
-                <a16:creationId xmlns:a16="http://schemas.microsoft.com/office/drawing/2014/main" id="{E9B0FDBE-9A12-2E86-8B1E-D9B188CB6EC5}"/>
+                <a16:creationId xmlns:a16="http://schemas.microsoft.com/office/drawing/2014/main" id="{24E40302-9921-4F31-5B57-658C3BC782C2}"/>
               </a:ext>
             </a:extLst>
           </p:cNvPr>
@@ -762,7 +982,7 @@
     </p:spTree>
     <p:extLst>
       <p:ext uri="{BB962C8B-B14F-4D97-AF65-F5344CB8AC3E}">
-        <p14:creationId xmlns:p14="http://schemas.microsoft.com/office/powerpoint/2010/main" val="963466683"/>
+        <p14:creationId xmlns:p14="http://schemas.microsoft.com/office/powerpoint/2010/main" val="2503069007"/>
       </p:ext>
     </p:extLst>
   </p:cSld>
@@ -780,7 +1000,7 @@
         <p:cNvPr id="1" name="">
           <a:extLst>
             <a:ext uri="{FF2B5EF4-FFF2-40B4-BE49-F238E27FC236}">
-              <a16:creationId xmlns:a16="http://schemas.microsoft.com/office/drawing/2014/main" id="{2DA8B6CE-40CF-2B89-482C-53C01D221A8D}"/>
+              <a16:creationId xmlns:a16="http://schemas.microsoft.com/office/drawing/2014/main" id="{1DF4ED4A-FE6C-D028-F63E-6D99EB335ECB}"/>
             </a:ext>
           </a:extLst>
         </p:cNvPr>
@@ -800,7 +1020,7 @@
           <p:cNvPr id="2" name="Slide Image Placeholder 1">
             <a:extLst>
               <a:ext uri="{FF2B5EF4-FFF2-40B4-BE49-F238E27FC236}">
-                <a16:creationId xmlns:a16="http://schemas.microsoft.com/office/drawing/2014/main" id="{F3950B5C-FC4B-6149-D479-13FE3D6C62EC}"/>
+                <a16:creationId xmlns:a16="http://schemas.microsoft.com/office/drawing/2014/main" id="{585F54AA-FB65-A55D-0F7C-AFB3ABE0AE84}"/>
               </a:ext>
             </a:extLst>
           </p:cNvPr>
@@ -818,7 +1038,7 @@
           <p:cNvPr id="3" name="Notes Placeholder 2">
             <a:extLst>
               <a:ext uri="{FF2B5EF4-FFF2-40B4-BE49-F238E27FC236}">
-                <a16:creationId xmlns:a16="http://schemas.microsoft.com/office/drawing/2014/main" id="{3B5AF348-8075-A9F8-2012-07D73ADBC032}"/>
+                <a16:creationId xmlns:a16="http://schemas.microsoft.com/office/drawing/2014/main" id="{D8A03BDF-4A6D-4F1B-3DD3-13DE1F333DBF}"/>
               </a:ext>
             </a:extLst>
           </p:cNvPr>
@@ -843,7 +1063,7 @@
           <p:cNvPr id="4" name="Slide Number Placeholder 3">
             <a:extLst>
               <a:ext uri="{FF2B5EF4-FFF2-40B4-BE49-F238E27FC236}">
-                <a16:creationId xmlns:a16="http://schemas.microsoft.com/office/drawing/2014/main" id="{273B48D5-CE52-D3D3-E9F0-9C61D8E1E949}"/>
+                <a16:creationId xmlns:a16="http://schemas.microsoft.com/office/drawing/2014/main" id="{3C30D2CD-7B0F-E772-0264-2B223F26F9F8}"/>
               </a:ext>
             </a:extLst>
           </p:cNvPr>
@@ -870,7 +1090,7 @@
     </p:spTree>
     <p:extLst>
       <p:ext uri="{BB962C8B-B14F-4D97-AF65-F5344CB8AC3E}">
-        <p14:creationId xmlns:p14="http://schemas.microsoft.com/office/powerpoint/2010/main" val="3400432128"/>
+        <p14:creationId xmlns:p14="http://schemas.microsoft.com/office/powerpoint/2010/main" val="2097418356"/>
       </p:ext>
     </p:extLst>
   </p:cSld>
@@ -881,6 +1101,414 @@
 </file>
 
 <file path=ppt/notesSlides/notesSlide5.xml><?xml version="1.0" encoding="utf-8"?>
+<p:notes xmlns:a="http://schemas.openxmlformats.org/drawingml/2006/main" xmlns:r="http://schemas.openxmlformats.org/officeDocument/2006/relationships" xmlns:p="http://schemas.openxmlformats.org/presentationml/2006/main">
+  <p:cSld>
+    <p:spTree>
+      <p:nvGrpSpPr>
+        <p:cNvPr id="1" name="">
+          <a:extLst>
+            <a:ext uri="{FF2B5EF4-FFF2-40B4-BE49-F238E27FC236}">
+              <a16:creationId xmlns:a16="http://schemas.microsoft.com/office/drawing/2014/main" id="{0D76C3D4-A3B9-74F9-7DA8-9C3FA4DF85A9}"/>
+            </a:ext>
+          </a:extLst>
+        </p:cNvPr>
+        <p:cNvGrpSpPr/>
+        <p:nvPr/>
+      </p:nvGrpSpPr>
+      <p:grpSpPr>
+        <a:xfrm>
+          <a:off x="0" y="0"/>
+          <a:ext cx="0" cy="0"/>
+          <a:chOff x="0" y="0"/>
+          <a:chExt cx="0" cy="0"/>
+        </a:xfrm>
+      </p:grpSpPr>
+      <p:sp>
+        <p:nvSpPr>
+          <p:cNvPr id="2" name="Slide Image Placeholder 1">
+            <a:extLst>
+              <a:ext uri="{FF2B5EF4-FFF2-40B4-BE49-F238E27FC236}">
+                <a16:creationId xmlns:a16="http://schemas.microsoft.com/office/drawing/2014/main" id="{4EC22213-9D50-CE61-C303-9105E157059D}"/>
+              </a:ext>
+            </a:extLst>
+          </p:cNvPr>
+          <p:cNvSpPr>
+            <a:spLocks noGrp="1" noRot="1" noChangeAspect="1"/>
+          </p:cNvSpPr>
+          <p:nvPr>
+            <p:ph type="sldImg"/>
+          </p:nvPr>
+        </p:nvSpPr>
+        <p:spPr/>
+      </p:sp>
+      <p:sp>
+        <p:nvSpPr>
+          <p:cNvPr id="3" name="Notes Placeholder 2">
+            <a:extLst>
+              <a:ext uri="{FF2B5EF4-FFF2-40B4-BE49-F238E27FC236}">
+                <a16:creationId xmlns:a16="http://schemas.microsoft.com/office/drawing/2014/main" id="{3B748728-FC26-4164-3F5C-3CBEFCC0C414}"/>
+              </a:ext>
+            </a:extLst>
+          </p:cNvPr>
+          <p:cNvSpPr>
+            <a:spLocks noGrp="1"/>
+          </p:cNvSpPr>
+          <p:nvPr>
+            <p:ph type="body" idx="1"/>
+          </p:nvPr>
+        </p:nvSpPr>
+        <p:spPr/>
+        <p:txBody>
+          <a:bodyPr/>
+          <a:lstStyle/>
+          <a:p>
+            <a:endParaRPr lang="en-US" dirty="0"/>
+          </a:p>
+        </p:txBody>
+      </p:sp>
+      <p:sp>
+        <p:nvSpPr>
+          <p:cNvPr id="4" name="Slide Number Placeholder 3">
+            <a:extLst>
+              <a:ext uri="{FF2B5EF4-FFF2-40B4-BE49-F238E27FC236}">
+                <a16:creationId xmlns:a16="http://schemas.microsoft.com/office/drawing/2014/main" id="{AC860ECA-BD00-30B0-BBA4-6313151CA367}"/>
+              </a:ext>
+            </a:extLst>
+          </p:cNvPr>
+          <p:cNvSpPr>
+            <a:spLocks noGrp="1"/>
+          </p:cNvSpPr>
+          <p:nvPr>
+            <p:ph type="sldNum" sz="quarter" idx="5"/>
+          </p:nvPr>
+        </p:nvSpPr>
+        <p:spPr/>
+        <p:txBody>
+          <a:bodyPr/>
+          <a:lstStyle/>
+          <a:p>
+            <a:fld id="{4F9FBC38-293A-4128-8897-DC4F2AE6DC9E}" type="slidenum">
+              <a:rPr lang="en-US" smtClean="0"/>
+              <a:t>7</a:t>
+            </a:fld>
+            <a:endParaRPr lang="en-US"/>
+          </a:p>
+        </p:txBody>
+      </p:sp>
+    </p:spTree>
+    <p:extLst>
+      <p:ext uri="{BB962C8B-B14F-4D97-AF65-F5344CB8AC3E}">
+        <p14:creationId xmlns:p14="http://schemas.microsoft.com/office/powerpoint/2010/main" val="258427370"/>
+      </p:ext>
+    </p:extLst>
+  </p:cSld>
+  <p:clrMapOvr>
+    <a:masterClrMapping/>
+  </p:clrMapOvr>
+</p:notes>
+</file>
+
+<file path=ppt/notesSlides/notesSlide6.xml><?xml version="1.0" encoding="utf-8"?>
+<p:notes xmlns:a="http://schemas.openxmlformats.org/drawingml/2006/main" xmlns:r="http://schemas.openxmlformats.org/officeDocument/2006/relationships" xmlns:p="http://schemas.openxmlformats.org/presentationml/2006/main">
+  <p:cSld>
+    <p:spTree>
+      <p:nvGrpSpPr>
+        <p:cNvPr id="1" name="">
+          <a:extLst>
+            <a:ext uri="{FF2B5EF4-FFF2-40B4-BE49-F238E27FC236}">
+              <a16:creationId xmlns:a16="http://schemas.microsoft.com/office/drawing/2014/main" id="{3A789F1C-7E1E-69B5-B62D-88DFF93191A8}"/>
+            </a:ext>
+          </a:extLst>
+        </p:cNvPr>
+        <p:cNvGrpSpPr/>
+        <p:nvPr/>
+      </p:nvGrpSpPr>
+      <p:grpSpPr>
+        <a:xfrm>
+          <a:off x="0" y="0"/>
+          <a:ext cx="0" cy="0"/>
+          <a:chOff x="0" y="0"/>
+          <a:chExt cx="0" cy="0"/>
+        </a:xfrm>
+      </p:grpSpPr>
+      <p:sp>
+        <p:nvSpPr>
+          <p:cNvPr id="2" name="Slide Image Placeholder 1">
+            <a:extLst>
+              <a:ext uri="{FF2B5EF4-FFF2-40B4-BE49-F238E27FC236}">
+                <a16:creationId xmlns:a16="http://schemas.microsoft.com/office/drawing/2014/main" id="{6139E074-4959-E432-AF54-5F0E0E64925E}"/>
+              </a:ext>
+            </a:extLst>
+          </p:cNvPr>
+          <p:cNvSpPr>
+            <a:spLocks noGrp="1" noRot="1" noChangeAspect="1"/>
+          </p:cNvSpPr>
+          <p:nvPr>
+            <p:ph type="sldImg"/>
+          </p:nvPr>
+        </p:nvSpPr>
+        <p:spPr/>
+      </p:sp>
+      <p:sp>
+        <p:nvSpPr>
+          <p:cNvPr id="3" name="Notes Placeholder 2">
+            <a:extLst>
+              <a:ext uri="{FF2B5EF4-FFF2-40B4-BE49-F238E27FC236}">
+                <a16:creationId xmlns:a16="http://schemas.microsoft.com/office/drawing/2014/main" id="{926448F2-5584-DCC5-EA16-6F898F3C019A}"/>
+              </a:ext>
+            </a:extLst>
+          </p:cNvPr>
+          <p:cNvSpPr>
+            <a:spLocks noGrp="1"/>
+          </p:cNvSpPr>
+          <p:nvPr>
+            <p:ph type="body" idx="1"/>
+          </p:nvPr>
+        </p:nvSpPr>
+        <p:spPr/>
+        <p:txBody>
+          <a:bodyPr/>
+          <a:lstStyle/>
+          <a:p>
+            <a:endParaRPr lang="en-US" dirty="0"/>
+          </a:p>
+        </p:txBody>
+      </p:sp>
+      <p:sp>
+        <p:nvSpPr>
+          <p:cNvPr id="4" name="Slide Number Placeholder 3">
+            <a:extLst>
+              <a:ext uri="{FF2B5EF4-FFF2-40B4-BE49-F238E27FC236}">
+                <a16:creationId xmlns:a16="http://schemas.microsoft.com/office/drawing/2014/main" id="{B6CE3D61-524B-4861-CB01-E8B8FEC074AF}"/>
+              </a:ext>
+            </a:extLst>
+          </p:cNvPr>
+          <p:cNvSpPr>
+            <a:spLocks noGrp="1"/>
+          </p:cNvSpPr>
+          <p:nvPr>
+            <p:ph type="sldNum" sz="quarter" idx="5"/>
+          </p:nvPr>
+        </p:nvSpPr>
+        <p:spPr/>
+        <p:txBody>
+          <a:bodyPr/>
+          <a:lstStyle/>
+          <a:p>
+            <a:fld id="{4F9FBC38-293A-4128-8897-DC4F2AE6DC9E}" type="slidenum">
+              <a:rPr lang="en-US" smtClean="0"/>
+              <a:t>8</a:t>
+            </a:fld>
+            <a:endParaRPr lang="en-US"/>
+          </a:p>
+        </p:txBody>
+      </p:sp>
+    </p:spTree>
+    <p:extLst>
+      <p:ext uri="{BB962C8B-B14F-4D97-AF65-F5344CB8AC3E}">
+        <p14:creationId xmlns:p14="http://schemas.microsoft.com/office/powerpoint/2010/main" val="2118197620"/>
+      </p:ext>
+    </p:extLst>
+  </p:cSld>
+  <p:clrMapOvr>
+    <a:masterClrMapping/>
+  </p:clrMapOvr>
+</p:notes>
+</file>
+
+<file path=ppt/notesSlides/notesSlide7.xml><?xml version="1.0" encoding="utf-8"?>
+<p:notes xmlns:a="http://schemas.openxmlformats.org/drawingml/2006/main" xmlns:r="http://schemas.openxmlformats.org/officeDocument/2006/relationships" xmlns:p="http://schemas.openxmlformats.org/presentationml/2006/main">
+  <p:cSld>
+    <p:spTree>
+      <p:nvGrpSpPr>
+        <p:cNvPr id="1" name="">
+          <a:extLst>
+            <a:ext uri="{FF2B5EF4-FFF2-40B4-BE49-F238E27FC236}">
+              <a16:creationId xmlns:a16="http://schemas.microsoft.com/office/drawing/2014/main" id="{2EDB71D1-7DB0-888E-8412-37600583EA0C}"/>
+            </a:ext>
+          </a:extLst>
+        </p:cNvPr>
+        <p:cNvGrpSpPr/>
+        <p:nvPr/>
+      </p:nvGrpSpPr>
+      <p:grpSpPr>
+        <a:xfrm>
+          <a:off x="0" y="0"/>
+          <a:ext cx="0" cy="0"/>
+          <a:chOff x="0" y="0"/>
+          <a:chExt cx="0" cy="0"/>
+        </a:xfrm>
+      </p:grpSpPr>
+      <p:sp>
+        <p:nvSpPr>
+          <p:cNvPr id="2" name="Slide Image Placeholder 1">
+            <a:extLst>
+              <a:ext uri="{FF2B5EF4-FFF2-40B4-BE49-F238E27FC236}">
+                <a16:creationId xmlns:a16="http://schemas.microsoft.com/office/drawing/2014/main" id="{29ABA835-C19D-73E7-313B-7D96947426F9}"/>
+              </a:ext>
+            </a:extLst>
+          </p:cNvPr>
+          <p:cNvSpPr>
+            <a:spLocks noGrp="1" noRot="1" noChangeAspect="1"/>
+          </p:cNvSpPr>
+          <p:nvPr>
+            <p:ph type="sldImg"/>
+          </p:nvPr>
+        </p:nvSpPr>
+        <p:spPr/>
+      </p:sp>
+      <p:sp>
+        <p:nvSpPr>
+          <p:cNvPr id="3" name="Notes Placeholder 2">
+            <a:extLst>
+              <a:ext uri="{FF2B5EF4-FFF2-40B4-BE49-F238E27FC236}">
+                <a16:creationId xmlns:a16="http://schemas.microsoft.com/office/drawing/2014/main" id="{3E8F978C-0E7C-274E-335C-F72651B5441D}"/>
+              </a:ext>
+            </a:extLst>
+          </p:cNvPr>
+          <p:cNvSpPr>
+            <a:spLocks noGrp="1"/>
+          </p:cNvSpPr>
+          <p:nvPr>
+            <p:ph type="body" idx="1"/>
+          </p:nvPr>
+        </p:nvSpPr>
+        <p:spPr/>
+        <p:txBody>
+          <a:bodyPr/>
+          <a:lstStyle/>
+          <a:p>
+            <a:endParaRPr lang="en-US" dirty="0"/>
+          </a:p>
+        </p:txBody>
+      </p:sp>
+      <p:sp>
+        <p:nvSpPr>
+          <p:cNvPr id="4" name="Slide Number Placeholder 3">
+            <a:extLst>
+              <a:ext uri="{FF2B5EF4-FFF2-40B4-BE49-F238E27FC236}">
+                <a16:creationId xmlns:a16="http://schemas.microsoft.com/office/drawing/2014/main" id="{04F46980-619C-95A9-CC2F-678F49AFAA5A}"/>
+              </a:ext>
+            </a:extLst>
+          </p:cNvPr>
+          <p:cNvSpPr>
+            <a:spLocks noGrp="1"/>
+          </p:cNvSpPr>
+          <p:nvPr>
+            <p:ph type="sldNum" sz="quarter" idx="5"/>
+          </p:nvPr>
+        </p:nvSpPr>
+        <p:spPr/>
+        <p:txBody>
+          <a:bodyPr/>
+          <a:lstStyle/>
+          <a:p>
+            <a:fld id="{4F9FBC38-293A-4128-8897-DC4F2AE6DC9E}" type="slidenum">
+              <a:rPr lang="en-US" smtClean="0"/>
+              <a:t>9</a:t>
+            </a:fld>
+            <a:endParaRPr lang="en-US"/>
+          </a:p>
+        </p:txBody>
+      </p:sp>
+    </p:spTree>
+    <p:extLst>
+      <p:ext uri="{BB962C8B-B14F-4D97-AF65-F5344CB8AC3E}">
+        <p14:creationId xmlns:p14="http://schemas.microsoft.com/office/powerpoint/2010/main" val="110252719"/>
+      </p:ext>
+    </p:extLst>
+  </p:cSld>
+  <p:clrMapOvr>
+    <a:masterClrMapping/>
+  </p:clrMapOvr>
+</p:notes>
+</file>
+
+<file path=ppt/notesSlides/notesSlide8.xml><?xml version="1.0" encoding="utf-8"?>
+<p:notes xmlns:a="http://schemas.openxmlformats.org/drawingml/2006/main" xmlns:r="http://schemas.openxmlformats.org/officeDocument/2006/relationships" xmlns:p="http://schemas.openxmlformats.org/presentationml/2006/main">
+  <p:cSld>
+    <p:spTree>
+      <p:nvGrpSpPr>
+        <p:cNvPr id="1" name=""/>
+        <p:cNvGrpSpPr/>
+        <p:nvPr/>
+      </p:nvGrpSpPr>
+      <p:grpSpPr>
+        <a:xfrm>
+          <a:off x="0" y="0"/>
+          <a:ext cx="0" cy="0"/>
+          <a:chOff x="0" y="0"/>
+          <a:chExt cx="0" cy="0"/>
+        </a:xfrm>
+      </p:grpSpPr>
+      <p:sp>
+        <p:nvSpPr>
+          <p:cNvPr id="2" name="Slide Image Placeholder 1"/>
+          <p:cNvSpPr>
+            <a:spLocks noGrp="1" noRot="1" noChangeAspect="1"/>
+          </p:cNvSpPr>
+          <p:nvPr>
+            <p:ph type="sldImg"/>
+          </p:nvPr>
+        </p:nvSpPr>
+        <p:spPr/>
+      </p:sp>
+      <p:sp>
+        <p:nvSpPr>
+          <p:cNvPr id="3" name="Notes Placeholder 2"/>
+          <p:cNvSpPr>
+            <a:spLocks noGrp="1"/>
+          </p:cNvSpPr>
+          <p:nvPr>
+            <p:ph type="body" idx="1"/>
+          </p:nvPr>
+        </p:nvSpPr>
+        <p:spPr/>
+        <p:txBody>
+          <a:bodyPr/>
+          <a:lstStyle/>
+          <a:p>
+            <a:endParaRPr lang="en-US" dirty="0"/>
+          </a:p>
+        </p:txBody>
+      </p:sp>
+      <p:sp>
+        <p:nvSpPr>
+          <p:cNvPr id="4" name="Slide Number Placeholder 3"/>
+          <p:cNvSpPr>
+            <a:spLocks noGrp="1"/>
+          </p:cNvSpPr>
+          <p:nvPr>
+            <p:ph type="sldNum" sz="quarter" idx="5"/>
+          </p:nvPr>
+        </p:nvSpPr>
+        <p:spPr/>
+        <p:txBody>
+          <a:bodyPr/>
+          <a:lstStyle/>
+          <a:p>
+            <a:fld id="{4F9FBC38-293A-4128-8897-DC4F2AE6DC9E}" type="slidenum">
+              <a:rPr lang="en-US" smtClean="0"/>
+              <a:t>10</a:t>
+            </a:fld>
+            <a:endParaRPr lang="en-US"/>
+          </a:p>
+        </p:txBody>
+      </p:sp>
+    </p:spTree>
+    <p:extLst>
+      <p:ext uri="{BB962C8B-B14F-4D97-AF65-F5344CB8AC3E}">
+        <p14:creationId xmlns:p14="http://schemas.microsoft.com/office/powerpoint/2010/main" val="713102239"/>
+      </p:ext>
+    </p:extLst>
+  </p:cSld>
+  <p:clrMapOvr>
+    <a:masterClrMapping/>
+  </p:clrMapOvr>
+</p:notes>
+</file>
+
+<file path=ppt/notesSlides/notesSlide9.xml><?xml version="1.0" encoding="utf-8"?>
 <p:notes xmlns:a="http://schemas.openxmlformats.org/drawingml/2006/main" xmlns:r="http://schemas.openxmlformats.org/officeDocument/2006/relationships" xmlns:p="http://schemas.openxmlformats.org/presentationml/2006/main">
   <p:cSld>
     <p:spTree>
@@ -969,7 +1597,7 @@
           <a:p>
             <a:fld id="{4F9FBC38-293A-4128-8897-DC4F2AE6DC9E}" type="slidenum">
               <a:rPr lang="en-US" smtClean="0"/>
-              <a:t>7</a:t>
+              <a:t>11</a:t>
             </a:fld>
             <a:endParaRPr lang="en-US"/>
           </a:p>
@@ -979,222 +1607,6 @@
     <p:extLst>
       <p:ext uri="{BB962C8B-B14F-4D97-AF65-F5344CB8AC3E}">
         <p14:creationId xmlns:p14="http://schemas.microsoft.com/office/powerpoint/2010/main" val="726665064"/>
-      </p:ext>
-    </p:extLst>
-  </p:cSld>
-  <p:clrMapOvr>
-    <a:masterClrMapping/>
-  </p:clrMapOvr>
-</p:notes>
-</file>
-
-<file path=ppt/notesSlides/notesSlide6.xml><?xml version="1.0" encoding="utf-8"?>
-<p:notes xmlns:a="http://schemas.openxmlformats.org/drawingml/2006/main" xmlns:r="http://schemas.openxmlformats.org/officeDocument/2006/relationships" xmlns:p="http://schemas.openxmlformats.org/presentationml/2006/main">
-  <p:cSld>
-    <p:spTree>
-      <p:nvGrpSpPr>
-        <p:cNvPr id="1" name="">
-          <a:extLst>
-            <a:ext uri="{FF2B5EF4-FFF2-40B4-BE49-F238E27FC236}">
-              <a16:creationId xmlns:a16="http://schemas.microsoft.com/office/drawing/2014/main" id="{83B0FD85-D835-411A-3B7D-72A1BDE1CA1E}"/>
-            </a:ext>
-          </a:extLst>
-        </p:cNvPr>
-        <p:cNvGrpSpPr/>
-        <p:nvPr/>
-      </p:nvGrpSpPr>
-      <p:grpSpPr>
-        <a:xfrm>
-          <a:off x="0" y="0"/>
-          <a:ext cx="0" cy="0"/>
-          <a:chOff x="0" y="0"/>
-          <a:chExt cx="0" cy="0"/>
-        </a:xfrm>
-      </p:grpSpPr>
-      <p:sp>
-        <p:nvSpPr>
-          <p:cNvPr id="2" name="Slide Image Placeholder 1">
-            <a:extLst>
-              <a:ext uri="{FF2B5EF4-FFF2-40B4-BE49-F238E27FC236}">
-                <a16:creationId xmlns:a16="http://schemas.microsoft.com/office/drawing/2014/main" id="{A3E96422-3C3F-A1BF-5DA9-82289BD84673}"/>
-              </a:ext>
-            </a:extLst>
-          </p:cNvPr>
-          <p:cNvSpPr>
-            <a:spLocks noGrp="1" noRot="1" noChangeAspect="1"/>
-          </p:cNvSpPr>
-          <p:nvPr>
-            <p:ph type="sldImg"/>
-          </p:nvPr>
-        </p:nvSpPr>
-        <p:spPr/>
-      </p:sp>
-      <p:sp>
-        <p:nvSpPr>
-          <p:cNvPr id="3" name="Notes Placeholder 2">
-            <a:extLst>
-              <a:ext uri="{FF2B5EF4-FFF2-40B4-BE49-F238E27FC236}">
-                <a16:creationId xmlns:a16="http://schemas.microsoft.com/office/drawing/2014/main" id="{1B148254-0A6F-5A7B-FB32-19B5FBF1BF73}"/>
-              </a:ext>
-            </a:extLst>
-          </p:cNvPr>
-          <p:cNvSpPr>
-            <a:spLocks noGrp="1"/>
-          </p:cNvSpPr>
-          <p:nvPr>
-            <p:ph type="body" idx="1"/>
-          </p:nvPr>
-        </p:nvSpPr>
-        <p:spPr/>
-        <p:txBody>
-          <a:bodyPr/>
-          <a:lstStyle/>
-          <a:p>
-            <a:endParaRPr lang="en-US" dirty="0"/>
-          </a:p>
-        </p:txBody>
-      </p:sp>
-      <p:sp>
-        <p:nvSpPr>
-          <p:cNvPr id="4" name="Slide Number Placeholder 3">
-            <a:extLst>
-              <a:ext uri="{FF2B5EF4-FFF2-40B4-BE49-F238E27FC236}">
-                <a16:creationId xmlns:a16="http://schemas.microsoft.com/office/drawing/2014/main" id="{446F7514-1137-6390-9996-36A30674738C}"/>
-              </a:ext>
-            </a:extLst>
-          </p:cNvPr>
-          <p:cNvSpPr>
-            <a:spLocks noGrp="1"/>
-          </p:cNvSpPr>
-          <p:nvPr>
-            <p:ph type="sldNum" sz="quarter" idx="5"/>
-          </p:nvPr>
-        </p:nvSpPr>
-        <p:spPr/>
-        <p:txBody>
-          <a:bodyPr/>
-          <a:lstStyle/>
-          <a:p>
-            <a:fld id="{4F9FBC38-293A-4128-8897-DC4F2AE6DC9E}" type="slidenum">
-              <a:rPr lang="en-US" smtClean="0"/>
-              <a:t>8</a:t>
-            </a:fld>
-            <a:endParaRPr lang="en-US"/>
-          </a:p>
-        </p:txBody>
-      </p:sp>
-    </p:spTree>
-    <p:extLst>
-      <p:ext uri="{BB962C8B-B14F-4D97-AF65-F5344CB8AC3E}">
-        <p14:creationId xmlns:p14="http://schemas.microsoft.com/office/powerpoint/2010/main" val="1935266801"/>
-      </p:ext>
-    </p:extLst>
-  </p:cSld>
-  <p:clrMapOvr>
-    <a:masterClrMapping/>
-  </p:clrMapOvr>
-</p:notes>
-</file>
-
-<file path=ppt/notesSlides/notesSlide7.xml><?xml version="1.0" encoding="utf-8"?>
-<p:notes xmlns:a="http://schemas.openxmlformats.org/drawingml/2006/main" xmlns:r="http://schemas.openxmlformats.org/officeDocument/2006/relationships" xmlns:p="http://schemas.openxmlformats.org/presentationml/2006/main">
-  <p:cSld>
-    <p:spTree>
-      <p:nvGrpSpPr>
-        <p:cNvPr id="1" name="">
-          <a:extLst>
-            <a:ext uri="{FF2B5EF4-FFF2-40B4-BE49-F238E27FC236}">
-              <a16:creationId xmlns:a16="http://schemas.microsoft.com/office/drawing/2014/main" id="{8D7EFA0B-FD0A-0A76-27A4-BA6C8DA9D12F}"/>
-            </a:ext>
-          </a:extLst>
-        </p:cNvPr>
-        <p:cNvGrpSpPr/>
-        <p:nvPr/>
-      </p:nvGrpSpPr>
-      <p:grpSpPr>
-        <a:xfrm>
-          <a:off x="0" y="0"/>
-          <a:ext cx="0" cy="0"/>
-          <a:chOff x="0" y="0"/>
-          <a:chExt cx="0" cy="0"/>
-        </a:xfrm>
-      </p:grpSpPr>
-      <p:sp>
-        <p:nvSpPr>
-          <p:cNvPr id="2" name="Slide Image Placeholder 1">
-            <a:extLst>
-              <a:ext uri="{FF2B5EF4-FFF2-40B4-BE49-F238E27FC236}">
-                <a16:creationId xmlns:a16="http://schemas.microsoft.com/office/drawing/2014/main" id="{50C5CE79-EEB4-B150-F610-3101910D6D57}"/>
-              </a:ext>
-            </a:extLst>
-          </p:cNvPr>
-          <p:cNvSpPr>
-            <a:spLocks noGrp="1" noRot="1" noChangeAspect="1"/>
-          </p:cNvSpPr>
-          <p:nvPr>
-            <p:ph type="sldImg"/>
-          </p:nvPr>
-        </p:nvSpPr>
-        <p:spPr/>
-      </p:sp>
-      <p:sp>
-        <p:nvSpPr>
-          <p:cNvPr id="3" name="Notes Placeholder 2">
-            <a:extLst>
-              <a:ext uri="{FF2B5EF4-FFF2-40B4-BE49-F238E27FC236}">
-                <a16:creationId xmlns:a16="http://schemas.microsoft.com/office/drawing/2014/main" id="{71DD063B-E2E4-886F-DF0D-65F5320595E1}"/>
-              </a:ext>
-            </a:extLst>
-          </p:cNvPr>
-          <p:cNvSpPr>
-            <a:spLocks noGrp="1"/>
-          </p:cNvSpPr>
-          <p:nvPr>
-            <p:ph type="body" idx="1"/>
-          </p:nvPr>
-        </p:nvSpPr>
-        <p:spPr/>
-        <p:txBody>
-          <a:bodyPr/>
-          <a:lstStyle/>
-          <a:p>
-            <a:endParaRPr lang="en-US" dirty="0"/>
-          </a:p>
-        </p:txBody>
-      </p:sp>
-      <p:sp>
-        <p:nvSpPr>
-          <p:cNvPr id="4" name="Slide Number Placeholder 3">
-            <a:extLst>
-              <a:ext uri="{FF2B5EF4-FFF2-40B4-BE49-F238E27FC236}">
-                <a16:creationId xmlns:a16="http://schemas.microsoft.com/office/drawing/2014/main" id="{864E8035-274E-0073-F950-DCA84185FBF5}"/>
-              </a:ext>
-            </a:extLst>
-          </p:cNvPr>
-          <p:cNvSpPr>
-            <a:spLocks noGrp="1"/>
-          </p:cNvSpPr>
-          <p:nvPr>
-            <p:ph type="sldNum" sz="quarter" idx="5"/>
-          </p:nvPr>
-        </p:nvSpPr>
-        <p:spPr/>
-        <p:txBody>
-          <a:bodyPr/>
-          <a:lstStyle/>
-          <a:p>
-            <a:fld id="{4F9FBC38-293A-4128-8897-DC4F2AE6DC9E}" type="slidenum">
-              <a:rPr lang="en-US" smtClean="0"/>
-              <a:t>9</a:t>
-            </a:fld>
-            <a:endParaRPr lang="en-US"/>
-          </a:p>
-        </p:txBody>
-      </p:sp>
-    </p:spTree>
-    <p:extLst>
-      <p:ext uri="{BB962C8B-B14F-4D97-AF65-F5344CB8AC3E}">
-        <p14:creationId xmlns:p14="http://schemas.microsoft.com/office/powerpoint/2010/main" val="2658814446"/>
       </p:ext>
     </p:extLst>
   </p:cSld>
@@ -1351,7 +1763,7 @@
           <a:p>
             <a:fld id="{D8CB5E94-57A9-4919-8536-833FDA0CF121}" type="datetimeFigureOut">
               <a:rPr lang="en-US" smtClean="0"/>
-              <a:t>12/12/2024</a:t>
+              <a:t>12/31/2024</a:t>
             </a:fld>
             <a:endParaRPr lang="en-US"/>
           </a:p>
@@ -1549,7 +1961,7 @@
           <a:p>
             <a:fld id="{D8CB5E94-57A9-4919-8536-833FDA0CF121}" type="datetimeFigureOut">
               <a:rPr lang="en-US" smtClean="0"/>
-              <a:t>12/12/2024</a:t>
+              <a:t>12/31/2024</a:t>
             </a:fld>
             <a:endParaRPr lang="en-US"/>
           </a:p>
@@ -1757,7 +2169,7 @@
           <a:p>
             <a:fld id="{D8CB5E94-57A9-4919-8536-833FDA0CF121}" type="datetimeFigureOut">
               <a:rPr lang="en-US" smtClean="0"/>
-              <a:t>12/12/2024</a:t>
+              <a:t>12/31/2024</a:t>
             </a:fld>
             <a:endParaRPr lang="en-US"/>
           </a:p>
@@ -1955,7 +2367,7 @@
           <a:p>
             <a:fld id="{D8CB5E94-57A9-4919-8536-833FDA0CF121}" type="datetimeFigureOut">
               <a:rPr lang="en-US" smtClean="0"/>
-              <a:t>12/12/2024</a:t>
+              <a:t>12/31/2024</a:t>
             </a:fld>
             <a:endParaRPr lang="en-US"/>
           </a:p>
@@ -2230,7 +2642,7 @@
           <a:p>
             <a:fld id="{D8CB5E94-57A9-4919-8536-833FDA0CF121}" type="datetimeFigureOut">
               <a:rPr lang="en-US" smtClean="0"/>
-              <a:t>12/12/2024</a:t>
+              <a:t>12/31/2024</a:t>
             </a:fld>
             <a:endParaRPr lang="en-US"/>
           </a:p>
@@ -2495,7 +2907,7 @@
           <a:p>
             <a:fld id="{D8CB5E94-57A9-4919-8536-833FDA0CF121}" type="datetimeFigureOut">
               <a:rPr lang="en-US" smtClean="0"/>
-              <a:t>12/12/2024</a:t>
+              <a:t>12/31/2024</a:t>
             </a:fld>
             <a:endParaRPr lang="en-US"/>
           </a:p>
@@ -2907,7 +3319,7 @@
           <a:p>
             <a:fld id="{D8CB5E94-57A9-4919-8536-833FDA0CF121}" type="datetimeFigureOut">
               <a:rPr lang="en-US" smtClean="0"/>
-              <a:t>12/12/2024</a:t>
+              <a:t>12/31/2024</a:t>
             </a:fld>
             <a:endParaRPr lang="en-US"/>
           </a:p>
@@ -3048,7 +3460,7 @@
           <a:p>
             <a:fld id="{D8CB5E94-57A9-4919-8536-833FDA0CF121}" type="datetimeFigureOut">
               <a:rPr lang="en-US" smtClean="0"/>
-              <a:t>12/12/2024</a:t>
+              <a:t>12/31/2024</a:t>
             </a:fld>
             <a:endParaRPr lang="en-US"/>
           </a:p>
@@ -3161,7 +3573,7 @@
           <a:p>
             <a:fld id="{D8CB5E94-57A9-4919-8536-833FDA0CF121}" type="datetimeFigureOut">
               <a:rPr lang="en-US" smtClean="0"/>
-              <a:t>12/12/2024</a:t>
+              <a:t>12/31/2024</a:t>
             </a:fld>
             <a:endParaRPr lang="en-US"/>
           </a:p>
@@ -3472,7 +3884,7 @@
           <a:p>
             <a:fld id="{D8CB5E94-57A9-4919-8536-833FDA0CF121}" type="datetimeFigureOut">
               <a:rPr lang="en-US" smtClean="0"/>
-              <a:t>12/12/2024</a:t>
+              <a:t>12/31/2024</a:t>
             </a:fld>
             <a:endParaRPr lang="en-US"/>
           </a:p>
@@ -3760,7 +4172,7 @@
           <a:p>
             <a:fld id="{D8CB5E94-57A9-4919-8536-833FDA0CF121}" type="datetimeFigureOut">
               <a:rPr lang="en-US" smtClean="0"/>
-              <a:t>12/12/2024</a:t>
+              <a:t>12/31/2024</a:t>
             </a:fld>
             <a:endParaRPr lang="en-US"/>
           </a:p>
@@ -4001,7 +4413,7 @@
           <a:p>
             <a:fld id="{D8CB5E94-57A9-4919-8536-833FDA0CF121}" type="datetimeFigureOut">
               <a:rPr lang="en-US" smtClean="0"/>
-              <a:t>12/12/2024</a:t>
+              <a:t>12/31/2024</a:t>
             </a:fld>
             <a:endParaRPr lang="en-US"/>
           </a:p>
@@ -4589,6 +5001,2044 @@
 </p:sld>
 </file>
 
+<file path=ppt/slides/slide10.xml><?xml version="1.0" encoding="utf-8"?>
+<p:sld xmlns:a="http://schemas.openxmlformats.org/drawingml/2006/main" xmlns:r="http://schemas.openxmlformats.org/officeDocument/2006/relationships" xmlns:p="http://schemas.openxmlformats.org/presentationml/2006/main">
+  <p:cSld>
+    <p:spTree>
+      <p:nvGrpSpPr>
+        <p:cNvPr id="1" name=""/>
+        <p:cNvGrpSpPr/>
+        <p:nvPr/>
+      </p:nvGrpSpPr>
+      <p:grpSpPr>
+        <a:xfrm>
+          <a:off x="0" y="0"/>
+          <a:ext cx="0" cy="0"/>
+          <a:chOff x="0" y="0"/>
+          <a:chExt cx="0" cy="0"/>
+        </a:xfrm>
+      </p:grpSpPr>
+      <p:sp>
+        <p:nvSpPr>
+          <p:cNvPr id="2" name="Title 1">
+            <a:extLst>
+              <a:ext uri="{FF2B5EF4-FFF2-40B4-BE49-F238E27FC236}">
+                <a16:creationId xmlns:a16="http://schemas.microsoft.com/office/drawing/2014/main" id="{EC738EB9-CD3C-3CA6-1A0C-7100D20BFAB4}"/>
+              </a:ext>
+            </a:extLst>
+          </p:cNvPr>
+          <p:cNvSpPr>
+            <a:spLocks noGrp="1"/>
+          </p:cNvSpPr>
+          <p:nvPr>
+            <p:ph type="title"/>
+          </p:nvPr>
+        </p:nvSpPr>
+        <p:spPr>
+          <a:xfrm>
+            <a:off x="230909" y="-161348"/>
+            <a:ext cx="11122891" cy="1325563"/>
+          </a:xfrm>
+        </p:spPr>
+        <p:txBody>
+          <a:bodyPr/>
+          <a:lstStyle/>
+          <a:p>
+            <a:r>
+              <a:rPr lang="en-US" b="1" u="sng" dirty="0">
+                <a:solidFill>
+                  <a:srgbClr val="FF0000"/>
+                </a:solidFill>
+              </a:rPr>
+              <a:t>IMPORTANT STEP!!!!!!!</a:t>
+            </a:r>
+          </a:p>
+        </p:txBody>
+      </p:sp>
+      <p:sp>
+        <p:nvSpPr>
+          <p:cNvPr id="5" name="Rectangle 2">
+            <a:extLst>
+              <a:ext uri="{FF2B5EF4-FFF2-40B4-BE49-F238E27FC236}">
+                <a16:creationId xmlns:a16="http://schemas.microsoft.com/office/drawing/2014/main" id="{72CE3991-1A6E-A1A3-8E9E-89426AAC4807}"/>
+              </a:ext>
+            </a:extLst>
+          </p:cNvPr>
+          <p:cNvSpPr>
+            <a:spLocks noGrp="1" noChangeArrowheads="1"/>
+          </p:cNvSpPr>
+          <p:nvPr>
+            <p:ph idx="1"/>
+          </p:nvPr>
+        </p:nvSpPr>
+        <p:spPr bwMode="auto">
+          <a:xfrm>
+            <a:off x="101600" y="979467"/>
+            <a:ext cx="11961091" cy="5755422"/>
+          </a:xfrm>
+          <a:prstGeom prst="rect">
+            <a:avLst/>
+          </a:prstGeom>
+          <a:noFill/>
+          <a:ln>
+            <a:noFill/>
+          </a:ln>
+          <a:effectLst/>
+          <a:extLst>
+            <a:ext uri="{909E8E84-426E-40DD-AFC4-6F175D3DCCD1}">
+              <a14:hiddenFill xmlns:a14="http://schemas.microsoft.com/office/drawing/2010/main">
+                <a:solidFill>
+                  <a:schemeClr val="accent1"/>
+                </a:solidFill>
+              </a14:hiddenFill>
+            </a:ext>
+            <a:ext uri="{91240B29-F687-4F45-9708-019B960494DF}">
+              <a14:hiddenLine xmlns:a14="http://schemas.microsoft.com/office/drawing/2010/main" w="9525">
+                <a:solidFill>
+                  <a:schemeClr val="tx1"/>
+                </a:solidFill>
+                <a:miter lim="800000"/>
+                <a:headEnd/>
+                <a:tailEnd/>
+              </a14:hiddenLine>
+            </a:ext>
+            <a:ext uri="{AF507438-7753-43E0-B8FC-AC1667EBCBE1}">
+              <a14:hiddenEffects xmlns:a14="http://schemas.microsoft.com/office/drawing/2010/main">
+                <a:effectLst>
+                  <a:outerShdw dist="35921" dir="2700000" algn="ctr" rotWithShape="0">
+                    <a:schemeClr val="bg2"/>
+                  </a:outerShdw>
+                </a:effectLst>
+              </a14:hiddenEffects>
+            </a:ext>
+          </a:extLst>
+        </p:spPr>
+        <p:txBody>
+          <a:bodyPr vert="horz" wrap="square" lIns="91440" tIns="45720" rIns="91440" bIns="45720" numCol="1" anchor="ctr" anchorCtr="0" compatLnSpc="1">
+            <a:prstTxWarp prst="textNoShape">
+              <a:avLst/>
+            </a:prstTxWarp>
+            <a:spAutoFit/>
+          </a:bodyPr>
+          <a:lstStyle/>
+          <a:p>
+            <a:pPr marL="0" marR="0" lvl="0" indent="0" algn="l" defTabSz="914400" rtl="0" eaLnBrk="0" fontAlgn="base" latinLnBrk="0" hangingPunct="0">
+              <a:lnSpc>
+                <a:spcPct val="100000"/>
+              </a:lnSpc>
+              <a:spcBef>
+                <a:spcPct val="0"/>
+              </a:spcBef>
+              <a:spcAft>
+                <a:spcPct val="0"/>
+              </a:spcAft>
+              <a:buClrTx/>
+              <a:buSzTx/>
+              <a:buNone/>
+              <a:tabLst/>
+            </a:pPr>
+            <a:r>
+              <a:rPr kumimoji="0" lang="en-US" altLang="en-US" sz="1600" b="1" i="0" u="none" strike="noStrike" cap="none" normalizeH="0" baseline="0" dirty="0">
+                <a:ln>
+                  <a:noFill/>
+                </a:ln>
+                <a:solidFill>
+                  <a:schemeClr val="tx1"/>
+                </a:solidFill>
+                <a:effectLst/>
+                <a:latin typeface="Arial" panose="020B0604020202020204" pitchFamily="34" charset="0"/>
+              </a:rPr>
+              <a:t>Connect Servos to the Servo Controller:</a:t>
+            </a:r>
+            <a:endParaRPr kumimoji="0" lang="en-US" altLang="en-US" sz="1600" b="0" i="0" u="none" strike="noStrike" cap="none" normalizeH="0" baseline="0" dirty="0">
+              <a:ln>
+                <a:noFill/>
+              </a:ln>
+              <a:solidFill>
+                <a:schemeClr val="tx1"/>
+              </a:solidFill>
+              <a:effectLst/>
+              <a:latin typeface="Arial" panose="020B0604020202020204" pitchFamily="34" charset="0"/>
+            </a:endParaRPr>
+          </a:p>
+          <a:p>
+            <a:pPr marL="0" marR="0" lvl="0" indent="0" algn="l" defTabSz="914400" rtl="0" eaLnBrk="0" fontAlgn="base" latinLnBrk="0" hangingPunct="0">
+              <a:lnSpc>
+                <a:spcPct val="100000"/>
+              </a:lnSpc>
+              <a:spcBef>
+                <a:spcPct val="0"/>
+              </a:spcBef>
+              <a:spcAft>
+                <a:spcPct val="0"/>
+              </a:spcAft>
+              <a:buClrTx/>
+              <a:buSzTx/>
+              <a:buFontTx/>
+              <a:buChar char="•"/>
+              <a:tabLst/>
+            </a:pPr>
+            <a:r>
+              <a:rPr kumimoji="0" lang="en-US" altLang="en-US" sz="1600" b="0" i="0" u="none" strike="noStrike" cap="none" normalizeH="0" baseline="0" dirty="0">
+                <a:ln>
+                  <a:noFill/>
+                </a:ln>
+                <a:solidFill>
+                  <a:schemeClr val="tx1"/>
+                </a:solidFill>
+                <a:effectLst/>
+                <a:latin typeface="Arial" panose="020B0604020202020204" pitchFamily="34" charset="0"/>
+              </a:rPr>
+              <a:t>Attach the center servo to the first set of pins on the servo controller (Pin 0).</a:t>
+            </a:r>
+          </a:p>
+          <a:p>
+            <a:pPr marL="0" marR="0" lvl="0" indent="0" algn="l" defTabSz="914400" rtl="0" eaLnBrk="0" fontAlgn="base" latinLnBrk="0" hangingPunct="0">
+              <a:lnSpc>
+                <a:spcPct val="100000"/>
+              </a:lnSpc>
+              <a:spcBef>
+                <a:spcPct val="0"/>
+              </a:spcBef>
+              <a:spcAft>
+                <a:spcPct val="0"/>
+              </a:spcAft>
+              <a:buClrTx/>
+              <a:buSzTx/>
+              <a:buFontTx/>
+              <a:buChar char="•"/>
+              <a:tabLst/>
+            </a:pPr>
+            <a:r>
+              <a:rPr kumimoji="0" lang="en-US" altLang="en-US" sz="1600" b="0" i="0" u="none" strike="noStrike" cap="none" normalizeH="0" baseline="0" dirty="0">
+                <a:ln>
+                  <a:noFill/>
+                </a:ln>
+                <a:solidFill>
+                  <a:schemeClr val="tx1"/>
+                </a:solidFill>
+                <a:effectLst/>
+                <a:latin typeface="Arial" panose="020B0604020202020204" pitchFamily="34" charset="0"/>
+              </a:rPr>
+              <a:t>Connect the robot's left (port) arm to the next set of pins (Pin 1).</a:t>
+            </a:r>
+          </a:p>
+          <a:p>
+            <a:pPr marL="0" marR="0" lvl="0" indent="0" algn="l" defTabSz="914400" rtl="0" eaLnBrk="0" fontAlgn="base" latinLnBrk="0" hangingPunct="0">
+              <a:lnSpc>
+                <a:spcPct val="100000"/>
+              </a:lnSpc>
+              <a:spcBef>
+                <a:spcPct val="0"/>
+              </a:spcBef>
+              <a:spcAft>
+                <a:spcPct val="0"/>
+              </a:spcAft>
+              <a:buClrTx/>
+              <a:buSzTx/>
+              <a:buFontTx/>
+              <a:buChar char="•"/>
+              <a:tabLst/>
+            </a:pPr>
+            <a:r>
+              <a:rPr kumimoji="0" lang="en-US" altLang="en-US" sz="1600" b="0" i="0" u="none" strike="noStrike" cap="none" normalizeH="0" baseline="0" dirty="0">
+                <a:ln>
+                  <a:noFill/>
+                </a:ln>
+                <a:solidFill>
+                  <a:schemeClr val="tx1"/>
+                </a:solidFill>
+                <a:effectLst/>
+                <a:latin typeface="Arial" panose="020B0604020202020204" pitchFamily="34" charset="0"/>
+              </a:rPr>
+              <a:t>Connect the robot's right (starboard) arm to the following set of pins (Pin 2).</a:t>
+            </a:r>
+          </a:p>
+          <a:p>
+            <a:pPr marL="0" marR="0" lvl="0" indent="0" algn="l" defTabSz="914400" rtl="0" eaLnBrk="0" fontAlgn="base" latinLnBrk="0" hangingPunct="0">
+              <a:lnSpc>
+                <a:spcPct val="100000"/>
+              </a:lnSpc>
+              <a:spcBef>
+                <a:spcPct val="0"/>
+              </a:spcBef>
+              <a:spcAft>
+                <a:spcPct val="0"/>
+              </a:spcAft>
+              <a:buClrTx/>
+              <a:buSzTx/>
+              <a:buFontTx/>
+              <a:buChar char="•"/>
+              <a:tabLst/>
+            </a:pPr>
+            <a:endParaRPr kumimoji="0" lang="en-US" altLang="en-US" sz="1600" b="0" i="0" u="none" strike="noStrike" cap="none" normalizeH="0" baseline="0" dirty="0">
+              <a:ln>
+                <a:noFill/>
+              </a:ln>
+              <a:solidFill>
+                <a:schemeClr val="tx1"/>
+              </a:solidFill>
+              <a:effectLst/>
+              <a:latin typeface="Arial" panose="020B0604020202020204" pitchFamily="34" charset="0"/>
+            </a:endParaRPr>
+          </a:p>
+          <a:p>
+            <a:pPr marL="0" marR="0" lvl="0" indent="0" algn="l" defTabSz="914400" rtl="0" eaLnBrk="0" fontAlgn="base" latinLnBrk="0" hangingPunct="0">
+              <a:lnSpc>
+                <a:spcPct val="100000"/>
+              </a:lnSpc>
+              <a:spcBef>
+                <a:spcPct val="0"/>
+              </a:spcBef>
+              <a:spcAft>
+                <a:spcPct val="0"/>
+              </a:spcAft>
+              <a:buClrTx/>
+              <a:buSzTx/>
+              <a:buNone/>
+              <a:tabLst/>
+            </a:pPr>
+            <a:r>
+              <a:rPr kumimoji="0" lang="en-US" altLang="en-US" sz="1600" b="1" i="0" u="none" strike="noStrike" cap="none" normalizeH="0" baseline="0" dirty="0">
+                <a:ln>
+                  <a:noFill/>
+                </a:ln>
+                <a:solidFill>
+                  <a:schemeClr val="tx1"/>
+                </a:solidFill>
+                <a:effectLst/>
+                <a:latin typeface="Arial" panose="020B0604020202020204" pitchFamily="34" charset="0"/>
+              </a:rPr>
+              <a:t>Connect the PWM Servo Controller to the Raspberry Pi:</a:t>
+            </a:r>
+            <a:endParaRPr kumimoji="0" lang="en-US" altLang="en-US" sz="1600" b="0" i="0" u="none" strike="noStrike" cap="none" normalizeH="0" baseline="0" dirty="0">
+              <a:ln>
+                <a:noFill/>
+              </a:ln>
+              <a:solidFill>
+                <a:schemeClr val="tx1"/>
+              </a:solidFill>
+              <a:effectLst/>
+              <a:latin typeface="Arial" panose="020B0604020202020204" pitchFamily="34" charset="0"/>
+            </a:endParaRPr>
+          </a:p>
+          <a:p>
+            <a:pPr marL="0" marR="0" lvl="0" indent="0" algn="l" defTabSz="914400" rtl="0" eaLnBrk="0" fontAlgn="base" latinLnBrk="0" hangingPunct="0">
+              <a:lnSpc>
+                <a:spcPct val="100000"/>
+              </a:lnSpc>
+              <a:spcBef>
+                <a:spcPct val="0"/>
+              </a:spcBef>
+              <a:spcAft>
+                <a:spcPct val="0"/>
+              </a:spcAft>
+              <a:buClrTx/>
+              <a:buSzTx/>
+              <a:buFontTx/>
+              <a:buChar char="•"/>
+              <a:tabLst/>
+            </a:pPr>
+            <a:r>
+              <a:rPr kumimoji="0" lang="en-US" altLang="en-US" sz="1600" b="0" i="0" u="none" strike="noStrike" cap="none" normalizeH="0" baseline="0" dirty="0">
+                <a:ln>
+                  <a:noFill/>
+                </a:ln>
+                <a:solidFill>
+                  <a:schemeClr val="tx1"/>
+                </a:solidFill>
+                <a:effectLst/>
+                <a:latin typeface="Arial" panose="020B0604020202020204" pitchFamily="34" charset="0"/>
+              </a:rPr>
+              <a:t>Use </a:t>
+            </a:r>
+            <a:r>
+              <a:rPr lang="en-US" altLang="en-US" sz="1600" dirty="0">
+                <a:latin typeface="Arial" panose="020B0604020202020204" pitchFamily="34" charset="0"/>
+              </a:rPr>
+              <a:t>the servotester.py script to determine the minimum and maximum PWM values the servo can operate within.</a:t>
+            </a:r>
+          </a:p>
+          <a:p>
+            <a:pPr marL="0" marR="0" lvl="0" indent="0" algn="l" defTabSz="914400" rtl="0" eaLnBrk="0" fontAlgn="base" latinLnBrk="0" hangingPunct="0">
+              <a:lnSpc>
+                <a:spcPct val="100000"/>
+              </a:lnSpc>
+              <a:spcBef>
+                <a:spcPct val="0"/>
+              </a:spcBef>
+              <a:spcAft>
+                <a:spcPct val="0"/>
+              </a:spcAft>
+              <a:buClrTx/>
+              <a:buSzTx/>
+              <a:buFontTx/>
+              <a:buChar char="•"/>
+              <a:tabLst/>
+            </a:pPr>
+            <a:r>
+              <a:rPr kumimoji="0" lang="en-US" altLang="en-US" sz="1600" b="0" i="0" u="none" strike="noStrike" cap="none" normalizeH="0" baseline="0" dirty="0">
+                <a:ln>
+                  <a:noFill/>
+                </a:ln>
+                <a:solidFill>
+                  <a:schemeClr val="tx1"/>
+                </a:solidFill>
+                <a:effectLst/>
+                <a:latin typeface="Arial" panose="020B0604020202020204" pitchFamily="34" charset="0"/>
+              </a:rPr>
+              <a:t>Calculate the dead center value (midpoint) between the minimum and maximum PWM values.</a:t>
+            </a:r>
+          </a:p>
+          <a:p>
+            <a:pPr marL="0" marR="0" lvl="0" indent="0" algn="l" defTabSz="914400" rtl="0" eaLnBrk="0" fontAlgn="base" latinLnBrk="0" hangingPunct="0">
+              <a:lnSpc>
+                <a:spcPct val="100000"/>
+              </a:lnSpc>
+              <a:spcBef>
+                <a:spcPct val="0"/>
+              </a:spcBef>
+              <a:spcAft>
+                <a:spcPct val="0"/>
+              </a:spcAft>
+              <a:buClrTx/>
+              <a:buSzTx/>
+              <a:buFontTx/>
+              <a:buChar char="•"/>
+              <a:tabLst/>
+            </a:pPr>
+            <a:r>
+              <a:rPr kumimoji="0" lang="en-US" altLang="en-US" sz="1600" b="0" i="0" u="none" strike="noStrike" cap="none" normalizeH="0" baseline="0" dirty="0">
+                <a:ln>
+                  <a:noFill/>
+                </a:ln>
+                <a:solidFill>
+                  <a:schemeClr val="tx1"/>
+                </a:solidFill>
+                <a:effectLst/>
+                <a:latin typeface="Arial" panose="020B0604020202020204" pitchFamily="34" charset="0"/>
+              </a:rPr>
+              <a:t>Manually attach the arms at the midpoint position to ensure proper alignment.</a:t>
+            </a:r>
+          </a:p>
+          <a:p>
+            <a:pPr marL="0" marR="0" lvl="0" indent="0" algn="l" defTabSz="914400" rtl="0" eaLnBrk="0" fontAlgn="base" latinLnBrk="0" hangingPunct="0">
+              <a:lnSpc>
+                <a:spcPct val="100000"/>
+              </a:lnSpc>
+              <a:spcBef>
+                <a:spcPct val="0"/>
+              </a:spcBef>
+              <a:spcAft>
+                <a:spcPct val="0"/>
+              </a:spcAft>
+              <a:buClrTx/>
+              <a:buSzTx/>
+              <a:buFontTx/>
+              <a:buChar char="•"/>
+              <a:tabLst/>
+            </a:pPr>
+            <a:endParaRPr kumimoji="0" lang="en-US" altLang="en-US" sz="1600" b="0" i="0" u="none" strike="noStrike" cap="none" normalizeH="0" baseline="0" dirty="0">
+              <a:ln>
+                <a:noFill/>
+              </a:ln>
+              <a:solidFill>
+                <a:schemeClr val="tx1"/>
+              </a:solidFill>
+              <a:effectLst/>
+              <a:latin typeface="Arial" panose="020B0604020202020204" pitchFamily="34" charset="0"/>
+            </a:endParaRPr>
+          </a:p>
+          <a:p>
+            <a:pPr marL="0" marR="0" lvl="0" indent="0" algn="l" defTabSz="914400" rtl="0" eaLnBrk="0" fontAlgn="base" latinLnBrk="0" hangingPunct="0">
+              <a:lnSpc>
+                <a:spcPct val="100000"/>
+              </a:lnSpc>
+              <a:spcBef>
+                <a:spcPct val="0"/>
+              </a:spcBef>
+              <a:spcAft>
+                <a:spcPct val="0"/>
+              </a:spcAft>
+              <a:buClrTx/>
+              <a:buSzTx/>
+              <a:buNone/>
+              <a:tabLst/>
+            </a:pPr>
+            <a:r>
+              <a:rPr kumimoji="0" lang="en-US" altLang="en-US" sz="1600" b="1" i="0" u="none" strike="noStrike" cap="none" normalizeH="0" baseline="0" dirty="0">
+                <a:ln>
+                  <a:noFill/>
+                </a:ln>
+                <a:solidFill>
+                  <a:schemeClr val="tx1"/>
+                </a:solidFill>
+                <a:effectLst/>
+                <a:latin typeface="Arial" panose="020B0604020202020204" pitchFamily="34" charset="0"/>
+              </a:rPr>
+              <a:t>Update the Configuration File:</a:t>
+            </a:r>
+            <a:endParaRPr kumimoji="0" lang="en-US" altLang="en-US" sz="1600" b="0" i="0" u="none" strike="noStrike" cap="none" normalizeH="0" baseline="0" dirty="0">
+              <a:ln>
+                <a:noFill/>
+              </a:ln>
+              <a:solidFill>
+                <a:schemeClr val="tx1"/>
+              </a:solidFill>
+              <a:effectLst/>
+              <a:latin typeface="Arial" panose="020B0604020202020204" pitchFamily="34" charset="0"/>
+            </a:endParaRPr>
+          </a:p>
+          <a:p>
+            <a:pPr marL="0" marR="0" lvl="0" indent="0" algn="l" defTabSz="914400" rtl="0" eaLnBrk="0" fontAlgn="base" latinLnBrk="0" hangingPunct="0">
+              <a:lnSpc>
+                <a:spcPct val="100000"/>
+              </a:lnSpc>
+              <a:spcBef>
+                <a:spcPct val="0"/>
+              </a:spcBef>
+              <a:spcAft>
+                <a:spcPct val="0"/>
+              </a:spcAft>
+              <a:buClrTx/>
+              <a:buSzTx/>
+              <a:buFontTx/>
+              <a:buChar char="•"/>
+              <a:tabLst/>
+            </a:pPr>
+            <a:r>
+              <a:rPr kumimoji="0" lang="en-US" altLang="en-US" sz="1600" b="0" i="0" u="none" strike="noStrike" cap="none" normalizeH="0" baseline="0" dirty="0">
+                <a:ln>
+                  <a:noFill/>
+                </a:ln>
+                <a:solidFill>
+                  <a:schemeClr val="tx1"/>
+                </a:solidFill>
+                <a:effectLst/>
+                <a:latin typeface="Arial" panose="020B0604020202020204" pitchFamily="34" charset="0"/>
+              </a:rPr>
+              <a:t>Add the determined center PWM value as neutral to </a:t>
+            </a:r>
+            <a:r>
+              <a:rPr lang="en-US" altLang="en-US" sz="1600" dirty="0">
+                <a:latin typeface="Arial" panose="020B0604020202020204" pitchFamily="34" charset="0"/>
+              </a:rPr>
+              <a:t>the config.ini file. Add 50 to neutral for up and subtract 50 for down limits.</a:t>
+            </a:r>
+          </a:p>
+          <a:p>
+            <a:pPr marL="0" marR="0" lvl="0" indent="0" algn="l" defTabSz="914400" rtl="0" eaLnBrk="0" fontAlgn="base" latinLnBrk="0" hangingPunct="0">
+              <a:lnSpc>
+                <a:spcPct val="100000"/>
+              </a:lnSpc>
+              <a:spcBef>
+                <a:spcPct val="0"/>
+              </a:spcBef>
+              <a:spcAft>
+                <a:spcPct val="0"/>
+              </a:spcAft>
+              <a:buClrTx/>
+              <a:buSzTx/>
+              <a:buFontTx/>
+              <a:buChar char="•"/>
+              <a:tabLst/>
+            </a:pPr>
+            <a:endParaRPr kumimoji="0" lang="en-US" altLang="en-US" sz="1600" b="0" i="0" u="none" strike="noStrike" cap="none" normalizeH="0" baseline="0" dirty="0">
+              <a:ln>
+                <a:noFill/>
+              </a:ln>
+              <a:solidFill>
+                <a:schemeClr val="tx1"/>
+              </a:solidFill>
+              <a:effectLst/>
+              <a:latin typeface="Arial" panose="020B0604020202020204" pitchFamily="34" charset="0"/>
+            </a:endParaRPr>
+          </a:p>
+          <a:p>
+            <a:pPr marL="0" marR="0" lvl="0" indent="0" algn="l" defTabSz="914400" rtl="0" eaLnBrk="0" fontAlgn="base" latinLnBrk="0" hangingPunct="0">
+              <a:lnSpc>
+                <a:spcPct val="100000"/>
+              </a:lnSpc>
+              <a:spcBef>
+                <a:spcPct val="0"/>
+              </a:spcBef>
+              <a:spcAft>
+                <a:spcPct val="0"/>
+              </a:spcAft>
+              <a:buClrTx/>
+              <a:buSzTx/>
+              <a:buNone/>
+              <a:tabLst/>
+            </a:pPr>
+            <a:r>
+              <a:rPr kumimoji="0" lang="en-US" altLang="en-US" sz="1600" b="1" i="0" u="none" strike="noStrike" cap="none" normalizeH="0" baseline="0" dirty="0">
+                <a:ln>
+                  <a:noFill/>
+                </a:ln>
+                <a:solidFill>
+                  <a:schemeClr val="tx1"/>
+                </a:solidFill>
+                <a:effectLst/>
+                <a:latin typeface="Arial" panose="020B0604020202020204" pitchFamily="34" charset="0"/>
+              </a:rPr>
+              <a:t>Center the Arms Mechanically:</a:t>
+            </a:r>
+            <a:endParaRPr kumimoji="0" lang="en-US" altLang="en-US" sz="1600" b="0" i="0" u="none" strike="noStrike" cap="none" normalizeH="0" baseline="0" dirty="0">
+              <a:ln>
+                <a:noFill/>
+              </a:ln>
+              <a:solidFill>
+                <a:schemeClr val="tx1"/>
+              </a:solidFill>
+              <a:effectLst/>
+              <a:latin typeface="Arial" panose="020B0604020202020204" pitchFamily="34" charset="0"/>
+            </a:endParaRPr>
+          </a:p>
+          <a:p>
+            <a:pPr marL="0" marR="0" lvl="0" indent="0" algn="l" defTabSz="914400" rtl="0" eaLnBrk="0" fontAlgn="base" latinLnBrk="0" hangingPunct="0">
+              <a:lnSpc>
+                <a:spcPct val="100000"/>
+              </a:lnSpc>
+              <a:spcBef>
+                <a:spcPct val="0"/>
+              </a:spcBef>
+              <a:spcAft>
+                <a:spcPct val="0"/>
+              </a:spcAft>
+              <a:buClrTx/>
+              <a:buSzTx/>
+              <a:buFontTx/>
+              <a:buChar char="•"/>
+              <a:tabLst/>
+            </a:pPr>
+            <a:r>
+              <a:rPr kumimoji="0" lang="en-US" altLang="en-US" sz="1600" b="0" i="0" u="none" strike="noStrike" cap="none" normalizeH="0" baseline="0" dirty="0">
+                <a:ln>
+                  <a:noFill/>
+                </a:ln>
+                <a:solidFill>
+                  <a:schemeClr val="tx1"/>
+                </a:solidFill>
+                <a:effectLst/>
+                <a:latin typeface="Arial" panose="020B0604020202020204" pitchFamily="34" charset="0"/>
+              </a:rPr>
+              <a:t>Using the servo test tool, set each arm's servo channel to a midpoint value, such as 350 (between the typical range of 100-600).</a:t>
+            </a:r>
+          </a:p>
+          <a:p>
+            <a:pPr marL="0" marR="0" lvl="0" indent="0" algn="l" defTabSz="914400" rtl="0" eaLnBrk="0" fontAlgn="base" latinLnBrk="0" hangingPunct="0">
+              <a:lnSpc>
+                <a:spcPct val="100000"/>
+              </a:lnSpc>
+              <a:spcBef>
+                <a:spcPct val="0"/>
+              </a:spcBef>
+              <a:spcAft>
+                <a:spcPct val="0"/>
+              </a:spcAft>
+              <a:buClrTx/>
+              <a:buSzTx/>
+              <a:buFontTx/>
+              <a:buChar char="•"/>
+              <a:tabLst/>
+            </a:pPr>
+            <a:r>
+              <a:rPr kumimoji="0" lang="en-US" altLang="en-US" sz="1600" b="0" i="0" u="none" strike="noStrike" cap="none" normalizeH="0" baseline="0" dirty="0">
+                <a:ln>
+                  <a:noFill/>
+                </a:ln>
+                <a:solidFill>
+                  <a:schemeClr val="tx1"/>
+                </a:solidFill>
+                <a:effectLst/>
+                <a:latin typeface="Arial" panose="020B0604020202020204" pitchFamily="34" charset="0"/>
+              </a:rPr>
+              <a:t>Detach the arms, reposition them to align mechanically with the center position, and then reattach them.</a:t>
+            </a:r>
+          </a:p>
+          <a:p>
+            <a:pPr marL="0" marR="0" lvl="0" indent="0" algn="l" defTabSz="914400" rtl="0" eaLnBrk="0" fontAlgn="base" latinLnBrk="0" hangingPunct="0">
+              <a:lnSpc>
+                <a:spcPct val="100000"/>
+              </a:lnSpc>
+              <a:spcBef>
+                <a:spcPct val="0"/>
+              </a:spcBef>
+              <a:spcAft>
+                <a:spcPct val="0"/>
+              </a:spcAft>
+              <a:buClrTx/>
+              <a:buSzTx/>
+              <a:buFontTx/>
+              <a:buChar char="•"/>
+              <a:tabLst/>
+            </a:pPr>
+            <a:r>
+              <a:rPr kumimoji="0" lang="en-US" altLang="en-US" sz="1600" b="0" i="0" u="none" strike="noStrike" cap="none" normalizeH="0" baseline="0" dirty="0">
+                <a:ln>
+                  <a:noFill/>
+                </a:ln>
+                <a:solidFill>
+                  <a:schemeClr val="tx1"/>
+                </a:solidFill>
+                <a:effectLst/>
+                <a:latin typeface="Arial" panose="020B0604020202020204" pitchFamily="34" charset="0"/>
+              </a:rPr>
+              <a:t>This ensures the arms are mechanically centered at the specified midpoint value (e.g., 350). For example if you set 350 they should be vertical and perfectly straight.</a:t>
+            </a:r>
+          </a:p>
+          <a:p>
+            <a:pPr marL="0" marR="0" lvl="0" indent="0" algn="l" defTabSz="914400" rtl="0" eaLnBrk="0" fontAlgn="base" latinLnBrk="0" hangingPunct="0">
+              <a:lnSpc>
+                <a:spcPct val="100000"/>
+              </a:lnSpc>
+              <a:spcBef>
+                <a:spcPct val="0"/>
+              </a:spcBef>
+              <a:spcAft>
+                <a:spcPct val="0"/>
+              </a:spcAft>
+              <a:buClrTx/>
+              <a:buSzTx/>
+              <a:buFontTx/>
+              <a:buChar char="•"/>
+              <a:tabLst/>
+            </a:pPr>
+            <a:endParaRPr kumimoji="0" lang="en-US" altLang="en-US" sz="1600" b="0" i="0" u="none" strike="noStrike" cap="none" normalizeH="0" baseline="0" dirty="0">
+              <a:ln>
+                <a:noFill/>
+              </a:ln>
+              <a:solidFill>
+                <a:schemeClr val="tx1"/>
+              </a:solidFill>
+              <a:effectLst/>
+              <a:latin typeface="Arial" panose="020B0604020202020204" pitchFamily="34" charset="0"/>
+            </a:endParaRPr>
+          </a:p>
+          <a:p>
+            <a:pPr marL="0" marR="0" lvl="0" indent="0" algn="l" defTabSz="914400" rtl="0" eaLnBrk="0" fontAlgn="base" latinLnBrk="0" hangingPunct="0">
+              <a:lnSpc>
+                <a:spcPct val="100000"/>
+              </a:lnSpc>
+              <a:spcBef>
+                <a:spcPct val="0"/>
+              </a:spcBef>
+              <a:spcAft>
+                <a:spcPct val="0"/>
+              </a:spcAft>
+              <a:buClrTx/>
+              <a:buSzTx/>
+              <a:buNone/>
+              <a:tabLst/>
+            </a:pPr>
+            <a:r>
+              <a:rPr kumimoji="0" lang="en-US" altLang="en-US" sz="1600" b="1" i="0" u="none" strike="noStrike" cap="none" normalizeH="0" baseline="0" dirty="0">
+                <a:ln>
+                  <a:noFill/>
+                </a:ln>
+                <a:solidFill>
+                  <a:schemeClr val="tx1"/>
+                </a:solidFill>
+                <a:effectLst/>
+                <a:latin typeface="Arial" panose="020B0604020202020204" pitchFamily="34" charset="0"/>
+              </a:rPr>
+              <a:t>Calibrate the Center Servo:</a:t>
+            </a:r>
+            <a:endParaRPr kumimoji="0" lang="en-US" altLang="en-US" sz="1600" b="0" i="0" u="none" strike="noStrike" cap="none" normalizeH="0" baseline="0" dirty="0">
+              <a:ln>
+                <a:noFill/>
+              </a:ln>
+              <a:solidFill>
+                <a:schemeClr val="tx1"/>
+              </a:solidFill>
+              <a:effectLst/>
+              <a:latin typeface="Arial" panose="020B0604020202020204" pitchFamily="34" charset="0"/>
+            </a:endParaRPr>
+          </a:p>
+          <a:p>
+            <a:pPr marL="0" marR="0" lvl="0" indent="0" algn="l" defTabSz="914400" rtl="0" eaLnBrk="0" fontAlgn="base" latinLnBrk="0" hangingPunct="0">
+              <a:lnSpc>
+                <a:spcPct val="100000"/>
+              </a:lnSpc>
+              <a:spcBef>
+                <a:spcPct val="0"/>
+              </a:spcBef>
+              <a:spcAft>
+                <a:spcPct val="0"/>
+              </a:spcAft>
+              <a:buClrTx/>
+              <a:buSzTx/>
+              <a:buFontTx/>
+              <a:buChar char="•"/>
+              <a:tabLst/>
+            </a:pPr>
+            <a:r>
+              <a:rPr kumimoji="0" lang="en-US" altLang="en-US" sz="1600" b="0" i="0" u="none" strike="noStrike" cap="none" normalizeH="0" baseline="0" dirty="0">
+                <a:ln>
+                  <a:noFill/>
+                </a:ln>
+                <a:solidFill>
+                  <a:schemeClr val="tx1"/>
+                </a:solidFill>
+                <a:effectLst/>
+                <a:latin typeface="Arial" panose="020B0604020202020204" pitchFamily="34" charset="0"/>
+              </a:rPr>
+              <a:t>Set the center servo to its lowest position (e.g., 88) using the servo test tool.</a:t>
+            </a:r>
+          </a:p>
+          <a:p>
+            <a:pPr marL="0" marR="0" lvl="0" indent="0" algn="l" defTabSz="914400" rtl="0" eaLnBrk="0" fontAlgn="base" latinLnBrk="0" hangingPunct="0">
+              <a:lnSpc>
+                <a:spcPct val="100000"/>
+              </a:lnSpc>
+              <a:spcBef>
+                <a:spcPct val="0"/>
+              </a:spcBef>
+              <a:spcAft>
+                <a:spcPct val="0"/>
+              </a:spcAft>
+              <a:buClrTx/>
+              <a:buSzTx/>
+              <a:buFontTx/>
+              <a:buChar char="•"/>
+              <a:tabLst/>
+            </a:pPr>
+            <a:r>
+              <a:rPr kumimoji="0" lang="en-US" altLang="en-US" sz="1600" b="0" i="0" u="none" strike="noStrike" cap="none" normalizeH="0" baseline="0" dirty="0">
+                <a:ln>
+                  <a:noFill/>
+                </a:ln>
+                <a:solidFill>
+                  <a:schemeClr val="tx1"/>
+                </a:solidFill>
+                <a:effectLst/>
+                <a:latin typeface="Arial" panose="020B0604020202020204" pitchFamily="34" charset="0"/>
+              </a:rPr>
+              <a:t>Reposition and reattach the center servo to align with the lowest point.</a:t>
+            </a:r>
+          </a:p>
+          <a:p>
+            <a:pPr marL="0" indent="0" eaLnBrk="0" fontAlgn="base" hangingPunct="0">
+              <a:lnSpc>
+                <a:spcPct val="100000"/>
+              </a:lnSpc>
+              <a:spcBef>
+                <a:spcPct val="0"/>
+              </a:spcBef>
+              <a:spcAft>
+                <a:spcPct val="0"/>
+              </a:spcAft>
+              <a:buFontTx/>
+              <a:buChar char="•"/>
+            </a:pPr>
+            <a:r>
+              <a:rPr kumimoji="0" lang="en-US" altLang="en-US" sz="1600" b="0" i="0" u="none" strike="noStrike" cap="none" normalizeH="0" baseline="0" dirty="0">
+                <a:ln>
+                  <a:noFill/>
+                </a:ln>
+                <a:solidFill>
+                  <a:schemeClr val="tx1"/>
+                </a:solidFill>
+                <a:effectLst/>
+                <a:latin typeface="Arial" panose="020B0604020202020204" pitchFamily="34" charset="0"/>
+              </a:rPr>
+              <a:t>Define this position (e.g., </a:t>
+            </a:r>
+            <a:r>
+              <a:rPr lang="en-US" altLang="en-US" sz="1600" dirty="0">
+                <a:latin typeface="Arial" panose="020B0604020202020204" pitchFamily="34" charset="0"/>
+              </a:rPr>
+              <a:t>88) as UPHEIGHT in the config.ini file.</a:t>
+            </a:r>
+            <a:endParaRPr kumimoji="0" lang="en-US" altLang="en-US" sz="1600" b="0" i="0" u="none" strike="noStrike" cap="none" normalizeH="0" baseline="0" dirty="0">
+              <a:ln>
+                <a:noFill/>
+              </a:ln>
+              <a:solidFill>
+                <a:schemeClr val="tx1"/>
+              </a:solidFill>
+              <a:effectLst/>
+              <a:latin typeface="Arial" panose="020B0604020202020204" pitchFamily="34" charset="0"/>
+            </a:endParaRPr>
+          </a:p>
+        </p:txBody>
+      </p:sp>
+    </p:spTree>
+    <p:extLst>
+      <p:ext uri="{BB962C8B-B14F-4D97-AF65-F5344CB8AC3E}">
+        <p14:creationId xmlns:p14="http://schemas.microsoft.com/office/powerpoint/2010/main" val="1777305603"/>
+      </p:ext>
+    </p:extLst>
+  </p:cSld>
+  <p:clrMapOvr>
+    <a:masterClrMapping/>
+  </p:clrMapOvr>
+</p:sld>
+</file>
+
+<file path=ppt/slides/slide11.xml><?xml version="1.0" encoding="utf-8"?>
+<p:sld xmlns:a="http://schemas.openxmlformats.org/drawingml/2006/main" xmlns:r="http://schemas.openxmlformats.org/officeDocument/2006/relationships" xmlns:p="http://schemas.openxmlformats.org/presentationml/2006/main">
+  <p:cSld>
+    <p:spTree>
+      <p:nvGrpSpPr>
+        <p:cNvPr id="1" name="">
+          <a:extLst>
+            <a:ext uri="{FF2B5EF4-FFF2-40B4-BE49-F238E27FC236}">
+              <a16:creationId xmlns:a16="http://schemas.microsoft.com/office/drawing/2014/main" id="{F305514D-4D73-ADFC-31C5-A5B6B3B50F6A}"/>
+            </a:ext>
+          </a:extLst>
+        </p:cNvPr>
+        <p:cNvGrpSpPr/>
+        <p:nvPr/>
+      </p:nvGrpSpPr>
+      <p:grpSpPr>
+        <a:xfrm>
+          <a:off x="0" y="0"/>
+          <a:ext cx="0" cy="0"/>
+          <a:chOff x="0" y="0"/>
+          <a:chExt cx="0" cy="0"/>
+        </a:xfrm>
+      </p:grpSpPr>
+      <p:pic>
+        <p:nvPicPr>
+          <p:cNvPr id="13" name="Picture 12">
+            <a:extLst>
+              <a:ext uri="{FF2B5EF4-FFF2-40B4-BE49-F238E27FC236}">
+                <a16:creationId xmlns:a16="http://schemas.microsoft.com/office/drawing/2014/main" id="{366EFBCF-123B-0CD8-DFD1-8C188E348D5D}"/>
+              </a:ext>
+            </a:extLst>
+          </p:cNvPr>
+          <p:cNvPicPr>
+            <a:picLocks noChangeAspect="1"/>
+          </p:cNvPicPr>
+          <p:nvPr/>
+        </p:nvPicPr>
+        <p:blipFill>
+          <a:blip r:embed="rId3"/>
+          <a:stretch>
+            <a:fillRect/>
+          </a:stretch>
+        </p:blipFill>
+        <p:spPr>
+          <a:xfrm>
+            <a:off x="21551" y="15125"/>
+            <a:ext cx="12192000" cy="6858000"/>
+          </a:xfrm>
+          <a:prstGeom prst="rect">
+            <a:avLst/>
+          </a:prstGeom>
+        </p:spPr>
+      </p:pic>
+      <p:pic>
+        <p:nvPicPr>
+          <p:cNvPr id="8" name="Picture 7">
+            <a:extLst>
+              <a:ext uri="{FF2B5EF4-FFF2-40B4-BE49-F238E27FC236}">
+                <a16:creationId xmlns:a16="http://schemas.microsoft.com/office/drawing/2014/main" id="{174A0F44-0E3D-46EA-D710-85364EBD7C36}"/>
+              </a:ext>
+            </a:extLst>
+          </p:cNvPr>
+          <p:cNvPicPr>
+            <a:picLocks noChangeAspect="1"/>
+          </p:cNvPicPr>
+          <p:nvPr/>
+        </p:nvPicPr>
+        <p:blipFill>
+          <a:blip r:embed="rId4"/>
+          <a:stretch>
+            <a:fillRect/>
+          </a:stretch>
+        </p:blipFill>
+        <p:spPr>
+          <a:xfrm>
+            <a:off x="45278" y="5855044"/>
+            <a:ext cx="1390844" cy="885949"/>
+          </a:xfrm>
+          <a:prstGeom prst="rect">
+            <a:avLst/>
+          </a:prstGeom>
+        </p:spPr>
+      </p:pic>
+      <p:sp>
+        <p:nvSpPr>
+          <p:cNvPr id="15" name="TextBox 14">
+            <a:extLst>
+              <a:ext uri="{FF2B5EF4-FFF2-40B4-BE49-F238E27FC236}">
+                <a16:creationId xmlns:a16="http://schemas.microsoft.com/office/drawing/2014/main" id="{9069BB49-60E8-18EB-5901-ACE63FA12F92}"/>
+              </a:ext>
+            </a:extLst>
+          </p:cNvPr>
+          <p:cNvSpPr txBox="1"/>
+          <p:nvPr/>
+        </p:nvSpPr>
+        <p:spPr>
+          <a:xfrm>
+            <a:off x="1107980" y="6000371"/>
+            <a:ext cx="1630343" cy="646331"/>
+          </a:xfrm>
+          <a:prstGeom prst="rect">
+            <a:avLst/>
+          </a:prstGeom>
+          <a:noFill/>
+        </p:spPr>
+        <p:txBody>
+          <a:bodyPr wrap="square" rtlCol="0">
+            <a:spAutoFit/>
+          </a:bodyPr>
+          <a:lstStyle/>
+          <a:p>
+            <a:pPr algn="ctr"/>
+            <a:r>
+              <a:rPr lang="en-US" dirty="0"/>
+              <a:t>Servo Horn Screw</a:t>
+            </a:r>
+          </a:p>
+        </p:txBody>
+      </p:sp>
+      <p:sp>
+        <p:nvSpPr>
+          <p:cNvPr id="20" name="TextBox 19">
+            <a:extLst>
+              <a:ext uri="{FF2B5EF4-FFF2-40B4-BE49-F238E27FC236}">
+                <a16:creationId xmlns:a16="http://schemas.microsoft.com/office/drawing/2014/main" id="{18052976-23FB-E72F-C1CC-2DBC68295054}"/>
+              </a:ext>
+            </a:extLst>
+          </p:cNvPr>
+          <p:cNvSpPr txBox="1"/>
+          <p:nvPr/>
+        </p:nvSpPr>
+        <p:spPr>
+          <a:xfrm>
+            <a:off x="1344239" y="5232991"/>
+            <a:ext cx="1630343" cy="646331"/>
+          </a:xfrm>
+          <a:prstGeom prst="rect">
+            <a:avLst/>
+          </a:prstGeom>
+          <a:noFill/>
+        </p:spPr>
+        <p:txBody>
+          <a:bodyPr wrap="square" rtlCol="0">
+            <a:spAutoFit/>
+          </a:bodyPr>
+          <a:lstStyle/>
+          <a:p>
+            <a:r>
+              <a:rPr lang="en-US" dirty="0"/>
+              <a:t>Arm Upper Servo Horn</a:t>
+            </a:r>
+          </a:p>
+        </p:txBody>
+      </p:sp>
+      <p:sp>
+        <p:nvSpPr>
+          <p:cNvPr id="21" name="TextBox 20">
+            <a:extLst>
+              <a:ext uri="{FF2B5EF4-FFF2-40B4-BE49-F238E27FC236}">
+                <a16:creationId xmlns:a16="http://schemas.microsoft.com/office/drawing/2014/main" id="{98A44E01-51E0-041B-4744-F5B2BC44A281}"/>
+              </a:ext>
+            </a:extLst>
+          </p:cNvPr>
+          <p:cNvSpPr txBox="1"/>
+          <p:nvPr/>
+        </p:nvSpPr>
+        <p:spPr>
+          <a:xfrm>
+            <a:off x="1403512" y="4206013"/>
+            <a:ext cx="1920576" cy="369332"/>
+          </a:xfrm>
+          <a:prstGeom prst="rect">
+            <a:avLst/>
+          </a:prstGeom>
+          <a:noFill/>
+        </p:spPr>
+        <p:txBody>
+          <a:bodyPr wrap="square" rtlCol="0">
+            <a:spAutoFit/>
+          </a:bodyPr>
+          <a:lstStyle/>
+          <a:p>
+            <a:r>
+              <a:rPr lang="en-US" dirty="0"/>
+              <a:t>Servo</a:t>
+            </a:r>
+          </a:p>
+        </p:txBody>
+      </p:sp>
+      <p:pic>
+        <p:nvPicPr>
+          <p:cNvPr id="3" name="Picture 2">
+            <a:extLst>
+              <a:ext uri="{FF2B5EF4-FFF2-40B4-BE49-F238E27FC236}">
+                <a16:creationId xmlns:a16="http://schemas.microsoft.com/office/drawing/2014/main" id="{2E733A0E-BE54-6562-13DE-09BD6A046F30}"/>
+              </a:ext>
+            </a:extLst>
+          </p:cNvPr>
+          <p:cNvPicPr>
+            <a:picLocks noChangeAspect="1"/>
+          </p:cNvPicPr>
+          <p:nvPr/>
+        </p:nvPicPr>
+        <p:blipFill>
+          <a:blip r:embed="rId5"/>
+          <a:stretch>
+            <a:fillRect/>
+          </a:stretch>
+        </p:blipFill>
+        <p:spPr>
+          <a:xfrm>
+            <a:off x="3909853" y="135328"/>
+            <a:ext cx="7346876" cy="6707547"/>
+          </a:xfrm>
+          <a:prstGeom prst="rect">
+            <a:avLst/>
+          </a:prstGeom>
+        </p:spPr>
+      </p:pic>
+      <p:sp>
+        <p:nvSpPr>
+          <p:cNvPr id="4" name="Rectangle 3">
+            <a:extLst>
+              <a:ext uri="{FF2B5EF4-FFF2-40B4-BE49-F238E27FC236}">
+                <a16:creationId xmlns:a16="http://schemas.microsoft.com/office/drawing/2014/main" id="{7B5143BA-FA9D-D893-03A8-976666A07679}"/>
+              </a:ext>
+            </a:extLst>
+          </p:cNvPr>
+          <p:cNvSpPr/>
+          <p:nvPr/>
+        </p:nvSpPr>
+        <p:spPr>
+          <a:xfrm>
+            <a:off x="53759" y="-124391"/>
+            <a:ext cx="835485" cy="923330"/>
+          </a:xfrm>
+          <a:prstGeom prst="rect">
+            <a:avLst/>
+          </a:prstGeom>
+          <a:noFill/>
+        </p:spPr>
+        <p:txBody>
+          <a:bodyPr wrap="none" lIns="91440" tIns="45720" rIns="91440" bIns="45720">
+            <a:spAutoFit/>
+          </a:bodyPr>
+          <a:lstStyle/>
+          <a:p>
+            <a:pPr algn="ctr"/>
+            <a:r>
+              <a:rPr lang="en-US" sz="5400" dirty="0">
+                <a:ln w="0"/>
+                <a:effectLst>
+                  <a:outerShdw blurRad="38100" dist="19050" dir="2700000" algn="tl" rotWithShape="0">
+                    <a:schemeClr val="dk1">
+                      <a:alpha val="40000"/>
+                    </a:schemeClr>
+                  </a:outerShdw>
+                </a:effectLst>
+              </a:rPr>
+              <a:t>x2</a:t>
+            </a:r>
+            <a:endParaRPr lang="en-US" sz="5400" b="0" cap="none" spc="0" dirty="0">
+              <a:ln w="0"/>
+              <a:solidFill>
+                <a:schemeClr val="tx1"/>
+              </a:solidFill>
+              <a:effectLst>
+                <a:outerShdw blurRad="38100" dist="19050" dir="2700000" algn="tl" rotWithShape="0">
+                  <a:schemeClr val="dk1">
+                    <a:alpha val="40000"/>
+                  </a:schemeClr>
+                </a:outerShdw>
+              </a:effectLst>
+            </a:endParaRPr>
+          </a:p>
+        </p:txBody>
+      </p:sp>
+      <p:pic>
+        <p:nvPicPr>
+          <p:cNvPr id="6" name="Picture 5">
+            <a:extLst>
+              <a:ext uri="{FF2B5EF4-FFF2-40B4-BE49-F238E27FC236}">
+                <a16:creationId xmlns:a16="http://schemas.microsoft.com/office/drawing/2014/main" id="{3A1705C8-D79D-8EC7-7972-124BDB00E075}"/>
+              </a:ext>
+            </a:extLst>
+          </p:cNvPr>
+          <p:cNvPicPr>
+            <a:picLocks noChangeAspect="1"/>
+          </p:cNvPicPr>
+          <p:nvPr/>
+        </p:nvPicPr>
+        <p:blipFill>
+          <a:blip r:embed="rId6"/>
+          <a:stretch>
+            <a:fillRect/>
+          </a:stretch>
+        </p:blipFill>
+        <p:spPr>
+          <a:xfrm>
+            <a:off x="223342" y="4923667"/>
+            <a:ext cx="884638" cy="982184"/>
+          </a:xfrm>
+          <a:prstGeom prst="rect">
+            <a:avLst/>
+          </a:prstGeom>
+        </p:spPr>
+      </p:pic>
+      <p:pic>
+        <p:nvPicPr>
+          <p:cNvPr id="11" name="Picture 10">
+            <a:extLst>
+              <a:ext uri="{FF2B5EF4-FFF2-40B4-BE49-F238E27FC236}">
+                <a16:creationId xmlns:a16="http://schemas.microsoft.com/office/drawing/2014/main" id="{6250E512-98A1-E009-5112-202D232BB758}"/>
+              </a:ext>
+            </a:extLst>
+          </p:cNvPr>
+          <p:cNvPicPr>
+            <a:picLocks noChangeAspect="1"/>
+          </p:cNvPicPr>
+          <p:nvPr/>
+        </p:nvPicPr>
+        <p:blipFill>
+          <a:blip r:embed="rId7"/>
+          <a:stretch>
+            <a:fillRect/>
+          </a:stretch>
+        </p:blipFill>
+        <p:spPr>
+          <a:xfrm>
+            <a:off x="21551" y="3863147"/>
+            <a:ext cx="1420368" cy="1018196"/>
+          </a:xfrm>
+          <a:prstGeom prst="rect">
+            <a:avLst/>
+          </a:prstGeom>
+        </p:spPr>
+      </p:pic>
+      <p:sp>
+        <p:nvSpPr>
+          <p:cNvPr id="2" name="TextBox 1">
+            <a:extLst>
+              <a:ext uri="{FF2B5EF4-FFF2-40B4-BE49-F238E27FC236}">
+                <a16:creationId xmlns:a16="http://schemas.microsoft.com/office/drawing/2014/main" id="{43FE1D4D-CDF9-9A78-890C-BA10163060E8}"/>
+              </a:ext>
+            </a:extLst>
+          </p:cNvPr>
+          <p:cNvSpPr txBox="1"/>
+          <p:nvPr/>
+        </p:nvSpPr>
+        <p:spPr>
+          <a:xfrm>
+            <a:off x="471501" y="1141805"/>
+            <a:ext cx="3655963" cy="923330"/>
+          </a:xfrm>
+          <a:prstGeom prst="rect">
+            <a:avLst/>
+          </a:prstGeom>
+          <a:noFill/>
+        </p:spPr>
+        <p:txBody>
+          <a:bodyPr wrap="square" rtlCol="0">
+            <a:spAutoFit/>
+          </a:bodyPr>
+          <a:lstStyle/>
+          <a:p>
+            <a:pPr algn="ctr"/>
+            <a:r>
+              <a:rPr lang="en-US" dirty="0"/>
+              <a:t>Connect servo to RPI first, the PORT and STARBOARD servos should go in pine 1 and 2 (the first pin is 0).</a:t>
+            </a:r>
+            <a:endParaRPr lang="en-US" b="0" i="0" dirty="0">
+              <a:solidFill>
+                <a:srgbClr val="0F1111"/>
+              </a:solidFill>
+              <a:effectLst/>
+              <a:latin typeface="Amazon Ember"/>
+            </a:endParaRPr>
+          </a:p>
+        </p:txBody>
+      </p:sp>
+    </p:spTree>
+    <p:extLst>
+      <p:ext uri="{BB962C8B-B14F-4D97-AF65-F5344CB8AC3E}">
+        <p14:creationId xmlns:p14="http://schemas.microsoft.com/office/powerpoint/2010/main" val="991252048"/>
+      </p:ext>
+    </p:extLst>
+  </p:cSld>
+  <p:clrMapOvr>
+    <a:masterClrMapping/>
+  </p:clrMapOvr>
+</p:sld>
+</file>
+
+<file path=ppt/slides/slide12.xml><?xml version="1.0" encoding="utf-8"?>
+<p:sld xmlns:a="http://schemas.openxmlformats.org/drawingml/2006/main" xmlns:r="http://schemas.openxmlformats.org/officeDocument/2006/relationships" xmlns:p="http://schemas.openxmlformats.org/presentationml/2006/main">
+  <p:cSld>
+    <p:spTree>
+      <p:nvGrpSpPr>
+        <p:cNvPr id="1" name="">
+          <a:extLst>
+            <a:ext uri="{FF2B5EF4-FFF2-40B4-BE49-F238E27FC236}">
+              <a16:creationId xmlns:a16="http://schemas.microsoft.com/office/drawing/2014/main" id="{55BB15E5-1594-D129-62BC-E2EBAE1026D7}"/>
+            </a:ext>
+          </a:extLst>
+        </p:cNvPr>
+        <p:cNvGrpSpPr/>
+        <p:nvPr/>
+      </p:nvGrpSpPr>
+      <p:grpSpPr>
+        <a:xfrm>
+          <a:off x="0" y="0"/>
+          <a:ext cx="0" cy="0"/>
+          <a:chOff x="0" y="0"/>
+          <a:chExt cx="0" cy="0"/>
+        </a:xfrm>
+      </p:grpSpPr>
+      <p:pic>
+        <p:nvPicPr>
+          <p:cNvPr id="13" name="Picture 12">
+            <a:extLst>
+              <a:ext uri="{FF2B5EF4-FFF2-40B4-BE49-F238E27FC236}">
+                <a16:creationId xmlns:a16="http://schemas.microsoft.com/office/drawing/2014/main" id="{DE9BAEAA-7201-D80B-4398-BF6A95F14033}"/>
+              </a:ext>
+            </a:extLst>
+          </p:cNvPr>
+          <p:cNvPicPr>
+            <a:picLocks noChangeAspect="1"/>
+          </p:cNvPicPr>
+          <p:nvPr/>
+        </p:nvPicPr>
+        <p:blipFill>
+          <a:blip r:embed="rId3"/>
+          <a:stretch>
+            <a:fillRect/>
+          </a:stretch>
+        </p:blipFill>
+        <p:spPr>
+          <a:xfrm>
+            <a:off x="21551" y="15125"/>
+            <a:ext cx="12192000" cy="6858000"/>
+          </a:xfrm>
+          <a:prstGeom prst="rect">
+            <a:avLst/>
+          </a:prstGeom>
+        </p:spPr>
+      </p:pic>
+      <p:sp>
+        <p:nvSpPr>
+          <p:cNvPr id="15" name="TextBox 14">
+            <a:extLst>
+              <a:ext uri="{FF2B5EF4-FFF2-40B4-BE49-F238E27FC236}">
+                <a16:creationId xmlns:a16="http://schemas.microsoft.com/office/drawing/2014/main" id="{8AC644E2-04F4-5A29-775D-42125678CEAA}"/>
+              </a:ext>
+            </a:extLst>
+          </p:cNvPr>
+          <p:cNvSpPr txBox="1"/>
+          <p:nvPr/>
+        </p:nvSpPr>
+        <p:spPr>
+          <a:xfrm>
+            <a:off x="1106427" y="6052452"/>
+            <a:ext cx="1630343" cy="369332"/>
+          </a:xfrm>
+          <a:prstGeom prst="rect">
+            <a:avLst/>
+          </a:prstGeom>
+          <a:noFill/>
+        </p:spPr>
+        <p:txBody>
+          <a:bodyPr wrap="square" rtlCol="0">
+            <a:spAutoFit/>
+          </a:bodyPr>
+          <a:lstStyle/>
+          <a:p>
+            <a:pPr algn="ctr"/>
+            <a:r>
+              <a:rPr lang="en-US" dirty="0"/>
+              <a:t>M3 14MM x4</a:t>
+            </a:r>
+          </a:p>
+        </p:txBody>
+      </p:sp>
+      <p:sp>
+        <p:nvSpPr>
+          <p:cNvPr id="20" name="TextBox 19">
+            <a:extLst>
+              <a:ext uri="{FF2B5EF4-FFF2-40B4-BE49-F238E27FC236}">
+                <a16:creationId xmlns:a16="http://schemas.microsoft.com/office/drawing/2014/main" id="{385DF763-AD2A-F826-4975-7327F56619C5}"/>
+              </a:ext>
+            </a:extLst>
+          </p:cNvPr>
+          <p:cNvSpPr txBox="1"/>
+          <p:nvPr/>
+        </p:nvSpPr>
+        <p:spPr>
+          <a:xfrm>
+            <a:off x="1344239" y="5232991"/>
+            <a:ext cx="1630343" cy="646331"/>
+          </a:xfrm>
+          <a:prstGeom prst="rect">
+            <a:avLst/>
+          </a:prstGeom>
+          <a:noFill/>
+        </p:spPr>
+        <p:txBody>
+          <a:bodyPr wrap="square" rtlCol="0">
+            <a:spAutoFit/>
+          </a:bodyPr>
+          <a:lstStyle/>
+          <a:p>
+            <a:r>
+              <a:rPr lang="en-US" dirty="0"/>
+              <a:t>Arm Upper Servo Horn</a:t>
+            </a:r>
+          </a:p>
+        </p:txBody>
+      </p:sp>
+      <p:sp>
+        <p:nvSpPr>
+          <p:cNvPr id="21" name="TextBox 20">
+            <a:extLst>
+              <a:ext uri="{FF2B5EF4-FFF2-40B4-BE49-F238E27FC236}">
+                <a16:creationId xmlns:a16="http://schemas.microsoft.com/office/drawing/2014/main" id="{1B85FDC6-6E11-B0EC-6970-55D6D09591C7}"/>
+              </a:ext>
+            </a:extLst>
+          </p:cNvPr>
+          <p:cNvSpPr txBox="1"/>
+          <p:nvPr/>
+        </p:nvSpPr>
+        <p:spPr>
+          <a:xfrm>
+            <a:off x="1403512" y="4206013"/>
+            <a:ext cx="1920576" cy="369332"/>
+          </a:xfrm>
+          <a:prstGeom prst="rect">
+            <a:avLst/>
+          </a:prstGeom>
+          <a:noFill/>
+        </p:spPr>
+        <p:txBody>
+          <a:bodyPr wrap="square" rtlCol="0">
+            <a:spAutoFit/>
+          </a:bodyPr>
+          <a:lstStyle/>
+          <a:p>
+            <a:r>
+              <a:rPr lang="en-US" dirty="0"/>
+              <a:t>Servo</a:t>
+            </a:r>
+          </a:p>
+        </p:txBody>
+      </p:sp>
+      <p:sp>
+        <p:nvSpPr>
+          <p:cNvPr id="4" name="Rectangle 3">
+            <a:extLst>
+              <a:ext uri="{FF2B5EF4-FFF2-40B4-BE49-F238E27FC236}">
+                <a16:creationId xmlns:a16="http://schemas.microsoft.com/office/drawing/2014/main" id="{FCB91461-A92B-1AF6-3F32-3067A2EB5C2A}"/>
+              </a:ext>
+            </a:extLst>
+          </p:cNvPr>
+          <p:cNvSpPr/>
+          <p:nvPr/>
+        </p:nvSpPr>
+        <p:spPr>
+          <a:xfrm>
+            <a:off x="53759" y="-124391"/>
+            <a:ext cx="835485" cy="923330"/>
+          </a:xfrm>
+          <a:prstGeom prst="rect">
+            <a:avLst/>
+          </a:prstGeom>
+          <a:noFill/>
+        </p:spPr>
+        <p:txBody>
+          <a:bodyPr wrap="none" lIns="91440" tIns="45720" rIns="91440" bIns="45720">
+            <a:spAutoFit/>
+          </a:bodyPr>
+          <a:lstStyle/>
+          <a:p>
+            <a:pPr algn="ctr"/>
+            <a:r>
+              <a:rPr lang="en-US" sz="5400" dirty="0">
+                <a:ln w="0"/>
+                <a:effectLst>
+                  <a:outerShdw blurRad="38100" dist="19050" dir="2700000" algn="tl" rotWithShape="0">
+                    <a:schemeClr val="dk1">
+                      <a:alpha val="40000"/>
+                    </a:schemeClr>
+                  </a:outerShdw>
+                </a:effectLst>
+              </a:rPr>
+              <a:t>x2</a:t>
+            </a:r>
+            <a:endParaRPr lang="en-US" sz="5400" b="0" cap="none" spc="0" dirty="0">
+              <a:ln w="0"/>
+              <a:solidFill>
+                <a:schemeClr val="tx1"/>
+              </a:solidFill>
+              <a:effectLst>
+                <a:outerShdw blurRad="38100" dist="19050" dir="2700000" algn="tl" rotWithShape="0">
+                  <a:schemeClr val="dk1">
+                    <a:alpha val="40000"/>
+                  </a:schemeClr>
+                </a:outerShdw>
+              </a:effectLst>
+            </a:endParaRPr>
+          </a:p>
+        </p:txBody>
+      </p:sp>
+      <p:pic>
+        <p:nvPicPr>
+          <p:cNvPr id="5" name="Picture 4">
+            <a:extLst>
+              <a:ext uri="{FF2B5EF4-FFF2-40B4-BE49-F238E27FC236}">
+                <a16:creationId xmlns:a16="http://schemas.microsoft.com/office/drawing/2014/main" id="{7B21FCC5-0609-826C-7178-9D8962AE3F5D}"/>
+              </a:ext>
+            </a:extLst>
+          </p:cNvPr>
+          <p:cNvPicPr>
+            <a:picLocks noChangeAspect="1"/>
+          </p:cNvPicPr>
+          <p:nvPr/>
+        </p:nvPicPr>
+        <p:blipFill>
+          <a:blip r:embed="rId4"/>
+          <a:stretch>
+            <a:fillRect/>
+          </a:stretch>
+        </p:blipFill>
+        <p:spPr>
+          <a:xfrm>
+            <a:off x="2735216" y="374699"/>
+            <a:ext cx="8726118" cy="5734850"/>
+          </a:xfrm>
+          <a:prstGeom prst="rect">
+            <a:avLst/>
+          </a:prstGeom>
+        </p:spPr>
+      </p:pic>
+      <p:pic>
+        <p:nvPicPr>
+          <p:cNvPr id="9" name="Picture 8">
+            <a:extLst>
+              <a:ext uri="{FF2B5EF4-FFF2-40B4-BE49-F238E27FC236}">
+                <a16:creationId xmlns:a16="http://schemas.microsoft.com/office/drawing/2014/main" id="{54355D2A-B0AF-4BAE-74C5-2A087CADC1D8}"/>
+              </a:ext>
+            </a:extLst>
+          </p:cNvPr>
+          <p:cNvPicPr>
+            <a:picLocks noChangeAspect="1"/>
+          </p:cNvPicPr>
+          <p:nvPr/>
+        </p:nvPicPr>
+        <p:blipFill>
+          <a:blip r:embed="rId5"/>
+          <a:stretch>
+            <a:fillRect/>
+          </a:stretch>
+        </p:blipFill>
+        <p:spPr>
+          <a:xfrm>
+            <a:off x="31770" y="4086162"/>
+            <a:ext cx="1331894" cy="690904"/>
+          </a:xfrm>
+          <a:prstGeom prst="rect">
+            <a:avLst/>
+          </a:prstGeom>
+        </p:spPr>
+      </p:pic>
+      <p:pic>
+        <p:nvPicPr>
+          <p:cNvPr id="12" name="Picture 11">
+            <a:extLst>
+              <a:ext uri="{FF2B5EF4-FFF2-40B4-BE49-F238E27FC236}">
+                <a16:creationId xmlns:a16="http://schemas.microsoft.com/office/drawing/2014/main" id="{71CC611E-768B-D6D7-DB32-2385AF53E3A2}"/>
+              </a:ext>
+            </a:extLst>
+          </p:cNvPr>
+          <p:cNvPicPr>
+            <a:picLocks noChangeAspect="1"/>
+          </p:cNvPicPr>
+          <p:nvPr/>
+        </p:nvPicPr>
+        <p:blipFill>
+          <a:blip r:embed="rId6"/>
+          <a:stretch>
+            <a:fillRect/>
+          </a:stretch>
+        </p:blipFill>
+        <p:spPr>
+          <a:xfrm>
+            <a:off x="18083" y="4924374"/>
+            <a:ext cx="1254905" cy="974024"/>
+          </a:xfrm>
+          <a:prstGeom prst="rect">
+            <a:avLst/>
+          </a:prstGeom>
+        </p:spPr>
+      </p:pic>
+      <p:pic>
+        <p:nvPicPr>
+          <p:cNvPr id="16" name="Picture 15">
+            <a:extLst>
+              <a:ext uri="{FF2B5EF4-FFF2-40B4-BE49-F238E27FC236}">
+                <a16:creationId xmlns:a16="http://schemas.microsoft.com/office/drawing/2014/main" id="{401DE354-5531-B49F-8D4E-A6B67172D84A}"/>
+              </a:ext>
+            </a:extLst>
+          </p:cNvPr>
+          <p:cNvPicPr>
+            <a:picLocks noChangeAspect="1"/>
+          </p:cNvPicPr>
+          <p:nvPr/>
+        </p:nvPicPr>
+        <p:blipFill>
+          <a:blip r:embed="rId7"/>
+          <a:stretch>
+            <a:fillRect/>
+          </a:stretch>
+        </p:blipFill>
+        <p:spPr>
+          <a:xfrm>
+            <a:off x="152399" y="6013798"/>
+            <a:ext cx="1033865" cy="596170"/>
+          </a:xfrm>
+          <a:prstGeom prst="rect">
+            <a:avLst/>
+          </a:prstGeom>
+        </p:spPr>
+      </p:pic>
+      <p:sp>
+        <p:nvSpPr>
+          <p:cNvPr id="17" name="TextBox 16">
+            <a:extLst>
+              <a:ext uri="{FF2B5EF4-FFF2-40B4-BE49-F238E27FC236}">
+                <a16:creationId xmlns:a16="http://schemas.microsoft.com/office/drawing/2014/main" id="{3A6EA8BB-3F5A-E4C3-B622-47A2DA0D8FEC}"/>
+              </a:ext>
+            </a:extLst>
+          </p:cNvPr>
+          <p:cNvSpPr txBox="1"/>
+          <p:nvPr/>
+        </p:nvSpPr>
+        <p:spPr>
+          <a:xfrm>
+            <a:off x="6615953" y="6052452"/>
+            <a:ext cx="4150658" cy="369332"/>
+          </a:xfrm>
+          <a:prstGeom prst="rect">
+            <a:avLst/>
+          </a:prstGeom>
+          <a:noFill/>
+        </p:spPr>
+        <p:txBody>
+          <a:bodyPr wrap="square" rtlCol="0">
+            <a:spAutoFit/>
+          </a:bodyPr>
+          <a:lstStyle/>
+          <a:p>
+            <a:r>
+              <a:rPr lang="en-US" dirty="0"/>
+              <a:t>*Rotate the servo to align the bolts</a:t>
+            </a:r>
+          </a:p>
+        </p:txBody>
+      </p:sp>
+    </p:spTree>
+    <p:extLst>
+      <p:ext uri="{BB962C8B-B14F-4D97-AF65-F5344CB8AC3E}">
+        <p14:creationId xmlns:p14="http://schemas.microsoft.com/office/powerpoint/2010/main" val="2814248084"/>
+      </p:ext>
+    </p:extLst>
+  </p:cSld>
+  <p:clrMapOvr>
+    <a:masterClrMapping/>
+  </p:clrMapOvr>
+</p:sld>
+</file>
+
+<file path=ppt/slides/slide13.xml><?xml version="1.0" encoding="utf-8"?>
+<p:sld xmlns:a="http://schemas.openxmlformats.org/drawingml/2006/main" xmlns:r="http://schemas.openxmlformats.org/officeDocument/2006/relationships" xmlns:p="http://schemas.openxmlformats.org/presentationml/2006/main">
+  <p:cSld>
+    <p:spTree>
+      <p:nvGrpSpPr>
+        <p:cNvPr id="1" name="">
+          <a:extLst>
+            <a:ext uri="{FF2B5EF4-FFF2-40B4-BE49-F238E27FC236}">
+              <a16:creationId xmlns:a16="http://schemas.microsoft.com/office/drawing/2014/main" id="{246327A9-B1F4-16A4-46A1-485EC1A84258}"/>
+            </a:ext>
+          </a:extLst>
+        </p:cNvPr>
+        <p:cNvGrpSpPr/>
+        <p:nvPr/>
+      </p:nvGrpSpPr>
+      <p:grpSpPr>
+        <a:xfrm>
+          <a:off x="0" y="0"/>
+          <a:ext cx="0" cy="0"/>
+          <a:chOff x="0" y="0"/>
+          <a:chExt cx="0" cy="0"/>
+        </a:xfrm>
+      </p:grpSpPr>
+      <p:pic>
+        <p:nvPicPr>
+          <p:cNvPr id="13" name="Picture 12">
+            <a:extLst>
+              <a:ext uri="{FF2B5EF4-FFF2-40B4-BE49-F238E27FC236}">
+                <a16:creationId xmlns:a16="http://schemas.microsoft.com/office/drawing/2014/main" id="{EB03C7F0-51E7-C8E9-D77E-9FBEE37F6F57}"/>
+              </a:ext>
+            </a:extLst>
+          </p:cNvPr>
+          <p:cNvPicPr>
+            <a:picLocks noChangeAspect="1"/>
+          </p:cNvPicPr>
+          <p:nvPr/>
+        </p:nvPicPr>
+        <p:blipFill>
+          <a:blip r:embed="rId3"/>
+          <a:stretch>
+            <a:fillRect/>
+          </a:stretch>
+        </p:blipFill>
+        <p:spPr>
+          <a:xfrm>
+            <a:off x="21551" y="15125"/>
+            <a:ext cx="12192000" cy="6858000"/>
+          </a:xfrm>
+          <a:prstGeom prst="rect">
+            <a:avLst/>
+          </a:prstGeom>
+        </p:spPr>
+      </p:pic>
+      <p:sp>
+        <p:nvSpPr>
+          <p:cNvPr id="15" name="TextBox 14">
+            <a:extLst>
+              <a:ext uri="{FF2B5EF4-FFF2-40B4-BE49-F238E27FC236}">
+                <a16:creationId xmlns:a16="http://schemas.microsoft.com/office/drawing/2014/main" id="{E73A725E-99E6-87CA-DDB5-026DEB438288}"/>
+              </a:ext>
+            </a:extLst>
+          </p:cNvPr>
+          <p:cNvSpPr txBox="1"/>
+          <p:nvPr/>
+        </p:nvSpPr>
+        <p:spPr>
+          <a:xfrm>
+            <a:off x="1106427" y="6052452"/>
+            <a:ext cx="1630343" cy="369332"/>
+          </a:xfrm>
+          <a:prstGeom prst="rect">
+            <a:avLst/>
+          </a:prstGeom>
+          <a:noFill/>
+        </p:spPr>
+        <p:txBody>
+          <a:bodyPr wrap="square" rtlCol="0">
+            <a:spAutoFit/>
+          </a:bodyPr>
+          <a:lstStyle/>
+          <a:p>
+            <a:pPr algn="ctr"/>
+            <a:r>
+              <a:rPr lang="en-US" dirty="0"/>
+              <a:t>M3 14MM x4</a:t>
+            </a:r>
+          </a:p>
+        </p:txBody>
+      </p:sp>
+      <p:sp>
+        <p:nvSpPr>
+          <p:cNvPr id="20" name="TextBox 19">
+            <a:extLst>
+              <a:ext uri="{FF2B5EF4-FFF2-40B4-BE49-F238E27FC236}">
+                <a16:creationId xmlns:a16="http://schemas.microsoft.com/office/drawing/2014/main" id="{1C72A62D-4A62-8837-2B37-EA6B9D4411E5}"/>
+              </a:ext>
+            </a:extLst>
+          </p:cNvPr>
+          <p:cNvSpPr txBox="1"/>
+          <p:nvPr/>
+        </p:nvSpPr>
+        <p:spPr>
+          <a:xfrm>
+            <a:off x="1344239" y="5232991"/>
+            <a:ext cx="1630343" cy="646331"/>
+          </a:xfrm>
+          <a:prstGeom prst="rect">
+            <a:avLst/>
+          </a:prstGeom>
+          <a:noFill/>
+        </p:spPr>
+        <p:txBody>
+          <a:bodyPr wrap="square" rtlCol="0">
+            <a:spAutoFit/>
+          </a:bodyPr>
+          <a:lstStyle/>
+          <a:p>
+            <a:r>
+              <a:rPr lang="en-US" dirty="0"/>
+              <a:t>Arm Upper Servo Horn</a:t>
+            </a:r>
+          </a:p>
+        </p:txBody>
+      </p:sp>
+      <p:sp>
+        <p:nvSpPr>
+          <p:cNvPr id="21" name="TextBox 20">
+            <a:extLst>
+              <a:ext uri="{FF2B5EF4-FFF2-40B4-BE49-F238E27FC236}">
+                <a16:creationId xmlns:a16="http://schemas.microsoft.com/office/drawing/2014/main" id="{36147C90-7082-4376-34B8-DCC3CDF2E96A}"/>
+              </a:ext>
+            </a:extLst>
+          </p:cNvPr>
+          <p:cNvSpPr txBox="1"/>
+          <p:nvPr/>
+        </p:nvSpPr>
+        <p:spPr>
+          <a:xfrm>
+            <a:off x="1403512" y="4206013"/>
+            <a:ext cx="1920576" cy="369332"/>
+          </a:xfrm>
+          <a:prstGeom prst="rect">
+            <a:avLst/>
+          </a:prstGeom>
+          <a:noFill/>
+        </p:spPr>
+        <p:txBody>
+          <a:bodyPr wrap="square" rtlCol="0">
+            <a:spAutoFit/>
+          </a:bodyPr>
+          <a:lstStyle/>
+          <a:p>
+            <a:r>
+              <a:rPr lang="en-US" dirty="0"/>
+              <a:t>Servo</a:t>
+            </a:r>
+          </a:p>
+        </p:txBody>
+      </p:sp>
+      <p:sp>
+        <p:nvSpPr>
+          <p:cNvPr id="4" name="Rectangle 3">
+            <a:extLst>
+              <a:ext uri="{FF2B5EF4-FFF2-40B4-BE49-F238E27FC236}">
+                <a16:creationId xmlns:a16="http://schemas.microsoft.com/office/drawing/2014/main" id="{EA8CEB20-8B7D-813C-F204-211C6E9C8E7C}"/>
+              </a:ext>
+            </a:extLst>
+          </p:cNvPr>
+          <p:cNvSpPr/>
+          <p:nvPr/>
+        </p:nvSpPr>
+        <p:spPr>
+          <a:xfrm>
+            <a:off x="53759" y="-124391"/>
+            <a:ext cx="835485" cy="923330"/>
+          </a:xfrm>
+          <a:prstGeom prst="rect">
+            <a:avLst/>
+          </a:prstGeom>
+          <a:noFill/>
+        </p:spPr>
+        <p:txBody>
+          <a:bodyPr wrap="none" lIns="91440" tIns="45720" rIns="91440" bIns="45720">
+            <a:spAutoFit/>
+          </a:bodyPr>
+          <a:lstStyle/>
+          <a:p>
+            <a:pPr algn="ctr"/>
+            <a:r>
+              <a:rPr lang="en-US" sz="5400" dirty="0">
+                <a:ln w="0"/>
+                <a:effectLst>
+                  <a:outerShdw blurRad="38100" dist="19050" dir="2700000" algn="tl" rotWithShape="0">
+                    <a:schemeClr val="dk1">
+                      <a:alpha val="40000"/>
+                    </a:schemeClr>
+                  </a:outerShdw>
+                </a:effectLst>
+              </a:rPr>
+              <a:t>x2</a:t>
+            </a:r>
+            <a:endParaRPr lang="en-US" sz="5400" b="0" cap="none" spc="0" dirty="0">
+              <a:ln w="0"/>
+              <a:solidFill>
+                <a:schemeClr val="tx1"/>
+              </a:solidFill>
+              <a:effectLst>
+                <a:outerShdw blurRad="38100" dist="19050" dir="2700000" algn="tl" rotWithShape="0">
+                  <a:schemeClr val="dk1">
+                    <a:alpha val="40000"/>
+                  </a:schemeClr>
+                </a:outerShdw>
+              </a:effectLst>
+            </a:endParaRPr>
+          </a:p>
+        </p:txBody>
+      </p:sp>
+      <p:pic>
+        <p:nvPicPr>
+          <p:cNvPr id="5" name="Picture 4">
+            <a:extLst>
+              <a:ext uri="{FF2B5EF4-FFF2-40B4-BE49-F238E27FC236}">
+                <a16:creationId xmlns:a16="http://schemas.microsoft.com/office/drawing/2014/main" id="{17035245-7501-C068-986F-C27AC99DA051}"/>
+              </a:ext>
+            </a:extLst>
+          </p:cNvPr>
+          <p:cNvPicPr>
+            <a:picLocks noChangeAspect="1"/>
+          </p:cNvPicPr>
+          <p:nvPr/>
+        </p:nvPicPr>
+        <p:blipFill>
+          <a:blip r:embed="rId4"/>
+          <a:stretch>
+            <a:fillRect/>
+          </a:stretch>
+        </p:blipFill>
+        <p:spPr>
+          <a:xfrm>
+            <a:off x="2735216" y="374699"/>
+            <a:ext cx="8726118" cy="5734850"/>
+          </a:xfrm>
+          <a:prstGeom prst="rect">
+            <a:avLst/>
+          </a:prstGeom>
+        </p:spPr>
+      </p:pic>
+      <p:pic>
+        <p:nvPicPr>
+          <p:cNvPr id="9" name="Picture 8">
+            <a:extLst>
+              <a:ext uri="{FF2B5EF4-FFF2-40B4-BE49-F238E27FC236}">
+                <a16:creationId xmlns:a16="http://schemas.microsoft.com/office/drawing/2014/main" id="{DBAA4BD3-3C11-8EA4-AF57-B12B9B559023}"/>
+              </a:ext>
+            </a:extLst>
+          </p:cNvPr>
+          <p:cNvPicPr>
+            <a:picLocks noChangeAspect="1"/>
+          </p:cNvPicPr>
+          <p:nvPr/>
+        </p:nvPicPr>
+        <p:blipFill>
+          <a:blip r:embed="rId5"/>
+          <a:stretch>
+            <a:fillRect/>
+          </a:stretch>
+        </p:blipFill>
+        <p:spPr>
+          <a:xfrm>
+            <a:off x="31770" y="4086162"/>
+            <a:ext cx="1331894" cy="690904"/>
+          </a:xfrm>
+          <a:prstGeom prst="rect">
+            <a:avLst/>
+          </a:prstGeom>
+        </p:spPr>
+      </p:pic>
+      <p:pic>
+        <p:nvPicPr>
+          <p:cNvPr id="12" name="Picture 11">
+            <a:extLst>
+              <a:ext uri="{FF2B5EF4-FFF2-40B4-BE49-F238E27FC236}">
+                <a16:creationId xmlns:a16="http://schemas.microsoft.com/office/drawing/2014/main" id="{E280E4FD-EAB8-D0AF-761F-027C70E8AA6E}"/>
+              </a:ext>
+            </a:extLst>
+          </p:cNvPr>
+          <p:cNvPicPr>
+            <a:picLocks noChangeAspect="1"/>
+          </p:cNvPicPr>
+          <p:nvPr/>
+        </p:nvPicPr>
+        <p:blipFill>
+          <a:blip r:embed="rId6"/>
+          <a:stretch>
+            <a:fillRect/>
+          </a:stretch>
+        </p:blipFill>
+        <p:spPr>
+          <a:xfrm>
+            <a:off x="18083" y="4924374"/>
+            <a:ext cx="1254905" cy="974024"/>
+          </a:xfrm>
+          <a:prstGeom prst="rect">
+            <a:avLst/>
+          </a:prstGeom>
+        </p:spPr>
+      </p:pic>
+      <p:pic>
+        <p:nvPicPr>
+          <p:cNvPr id="16" name="Picture 15">
+            <a:extLst>
+              <a:ext uri="{FF2B5EF4-FFF2-40B4-BE49-F238E27FC236}">
+                <a16:creationId xmlns:a16="http://schemas.microsoft.com/office/drawing/2014/main" id="{C10130B6-C80A-D637-442D-FC8326FC89E0}"/>
+              </a:ext>
+            </a:extLst>
+          </p:cNvPr>
+          <p:cNvPicPr>
+            <a:picLocks noChangeAspect="1"/>
+          </p:cNvPicPr>
+          <p:nvPr/>
+        </p:nvPicPr>
+        <p:blipFill>
+          <a:blip r:embed="rId7"/>
+          <a:stretch>
+            <a:fillRect/>
+          </a:stretch>
+        </p:blipFill>
+        <p:spPr>
+          <a:xfrm>
+            <a:off x="152399" y="6013798"/>
+            <a:ext cx="1033865" cy="596170"/>
+          </a:xfrm>
+          <a:prstGeom prst="rect">
+            <a:avLst/>
+          </a:prstGeom>
+        </p:spPr>
+      </p:pic>
+      <p:sp>
+        <p:nvSpPr>
+          <p:cNvPr id="17" name="TextBox 16">
+            <a:extLst>
+              <a:ext uri="{FF2B5EF4-FFF2-40B4-BE49-F238E27FC236}">
+                <a16:creationId xmlns:a16="http://schemas.microsoft.com/office/drawing/2014/main" id="{DF080707-7FD5-C85B-5268-1C6F4C57B744}"/>
+              </a:ext>
+            </a:extLst>
+          </p:cNvPr>
+          <p:cNvSpPr txBox="1"/>
+          <p:nvPr/>
+        </p:nvSpPr>
+        <p:spPr>
+          <a:xfrm>
+            <a:off x="6615953" y="6052452"/>
+            <a:ext cx="4150658" cy="369332"/>
+          </a:xfrm>
+          <a:prstGeom prst="rect">
+            <a:avLst/>
+          </a:prstGeom>
+          <a:noFill/>
+        </p:spPr>
+        <p:txBody>
+          <a:bodyPr wrap="square" rtlCol="0">
+            <a:spAutoFit/>
+          </a:bodyPr>
+          <a:lstStyle/>
+          <a:p>
+            <a:r>
+              <a:rPr lang="en-US" dirty="0"/>
+              <a:t>*Rotate the servo to align the bolts</a:t>
+            </a:r>
+          </a:p>
+        </p:txBody>
+      </p:sp>
+    </p:spTree>
+    <p:extLst>
+      <p:ext uri="{BB962C8B-B14F-4D97-AF65-F5344CB8AC3E}">
+        <p14:creationId xmlns:p14="http://schemas.microsoft.com/office/powerpoint/2010/main" val="2271496560"/>
+      </p:ext>
+    </p:extLst>
+  </p:cSld>
+  <p:clrMapOvr>
+    <a:masterClrMapping/>
+  </p:clrMapOvr>
+</p:sld>
+</file>
+
 <file path=ppt/slides/slide2.xml><?xml version="1.0" encoding="utf-8"?>
 <p:sld xmlns:a="http://schemas.openxmlformats.org/drawingml/2006/main" xmlns:r="http://schemas.openxmlformats.org/officeDocument/2006/relationships" xmlns:p="http://schemas.openxmlformats.org/presentationml/2006/main">
   <p:cSld>
@@ -5633,7 +8083,7 @@
         <p:cNvPr id="1" name="">
           <a:extLst>
             <a:ext uri="{FF2B5EF4-FFF2-40B4-BE49-F238E27FC236}">
-              <a16:creationId xmlns:a16="http://schemas.microsoft.com/office/drawing/2014/main" id="{6B63DFFD-4C82-EF25-447F-6C06ADD57336}"/>
+              <a16:creationId xmlns:a16="http://schemas.microsoft.com/office/drawing/2014/main" id="{3B974C35-44C8-F6BF-F842-B784FAEC14E3}"/>
             </a:ext>
           </a:extLst>
         </p:cNvPr>
@@ -5653,7 +8103,7 @@
           <p:cNvPr id="13" name="Picture 12">
             <a:extLst>
               <a:ext uri="{FF2B5EF4-FFF2-40B4-BE49-F238E27FC236}">
-                <a16:creationId xmlns:a16="http://schemas.microsoft.com/office/drawing/2014/main" id="{A7A3A9A6-5F4A-BA18-3E44-CF3F01121690}"/>
+                <a16:creationId xmlns:a16="http://schemas.microsoft.com/office/drawing/2014/main" id="{E377D9B3-FA1D-80E3-1088-317DE4AB80B3}"/>
               </a:ext>
             </a:extLst>
           </p:cNvPr>
@@ -5680,10 +8130,10 @@
       </p:pic>
       <p:pic>
         <p:nvPicPr>
-          <p:cNvPr id="3" name="Picture 2">
-            <a:extLst>
-              <a:ext uri="{FF2B5EF4-FFF2-40B4-BE49-F238E27FC236}">
-                <a16:creationId xmlns:a16="http://schemas.microsoft.com/office/drawing/2014/main" id="{3DDAA83A-6700-6DDE-DF38-0E345C543AB0}"/>
+          <p:cNvPr id="23" name="Picture 22">
+            <a:extLst>
+              <a:ext uri="{FF2B5EF4-FFF2-40B4-BE49-F238E27FC236}">
+                <a16:creationId xmlns:a16="http://schemas.microsoft.com/office/drawing/2014/main" id="{2DF961EC-6ED3-B1F8-EAD0-73BF4D39E0F3}"/>
               </a:ext>
             </a:extLst>
           </p:cNvPr>
@@ -5700,20 +8150,132 @@
         </p:blipFill>
         <p:spPr>
           <a:xfrm>
-            <a:off x="22290" y="3482863"/>
-            <a:ext cx="1306008" cy="985858"/>
+            <a:off x="2261842" y="884475"/>
+            <a:ext cx="9930158" cy="5988649"/>
           </a:xfrm>
           <a:prstGeom prst="rect">
             <a:avLst/>
           </a:prstGeom>
         </p:spPr>
       </p:pic>
+      <p:cxnSp>
+        <p:nvCxnSpPr>
+          <p:cNvPr id="12" name="Straight Arrow Connector 11">
+            <a:extLst>
+              <a:ext uri="{FF2B5EF4-FFF2-40B4-BE49-F238E27FC236}">
+                <a16:creationId xmlns:a16="http://schemas.microsoft.com/office/drawing/2014/main" id="{5ACFA590-34B9-F029-5242-64FF26301AB2}"/>
+              </a:ext>
+            </a:extLst>
+          </p:cNvPr>
+          <p:cNvCxnSpPr>
+            <a:cxnSpLocks/>
+          </p:cNvCxnSpPr>
+          <p:nvPr/>
+        </p:nvCxnSpPr>
+        <p:spPr>
+          <a:xfrm flipH="1">
+            <a:off x="4760258" y="4795087"/>
+            <a:ext cx="645459" cy="134471"/>
+          </a:xfrm>
+          <a:prstGeom prst="straightConnector1">
+            <a:avLst/>
+          </a:prstGeom>
+          <a:ln>
+            <a:tailEnd type="triangle"/>
+          </a:ln>
+        </p:spPr>
+        <p:style>
+          <a:lnRef idx="1">
+            <a:schemeClr val="dk1"/>
+          </a:lnRef>
+          <a:fillRef idx="0">
+            <a:schemeClr val="dk1"/>
+          </a:fillRef>
+          <a:effectRef idx="0">
+            <a:schemeClr val="dk1"/>
+          </a:effectRef>
+          <a:fontRef idx="minor">
+            <a:schemeClr val="tx1"/>
+          </a:fontRef>
+        </p:style>
+      </p:cxnSp>
+      <p:sp>
+        <p:nvSpPr>
+          <p:cNvPr id="15" name="TextBox 14">
+            <a:extLst>
+              <a:ext uri="{FF2B5EF4-FFF2-40B4-BE49-F238E27FC236}">
+                <a16:creationId xmlns:a16="http://schemas.microsoft.com/office/drawing/2014/main" id="{41392913-AD7C-3D89-FCE5-D83FCB81BE0D}"/>
+              </a:ext>
+            </a:extLst>
+          </p:cNvPr>
+          <p:cNvSpPr txBox="1"/>
+          <p:nvPr/>
+        </p:nvSpPr>
+        <p:spPr>
+          <a:xfrm>
+            <a:off x="1107980" y="6000371"/>
+            <a:ext cx="1630343" cy="646331"/>
+          </a:xfrm>
+          <a:prstGeom prst="rect">
+            <a:avLst/>
+          </a:prstGeom>
+          <a:noFill/>
+        </p:spPr>
+        <p:txBody>
+          <a:bodyPr wrap="square" rtlCol="0">
+            <a:spAutoFit/>
+          </a:bodyPr>
+          <a:lstStyle/>
+          <a:p>
+            <a:pPr algn="ctr"/>
+            <a:r>
+              <a:rPr lang="en-US" dirty="0"/>
+              <a:t>Upper Strut Mount x2</a:t>
+            </a:r>
+          </a:p>
+        </p:txBody>
+      </p:sp>
+      <p:sp>
+        <p:nvSpPr>
+          <p:cNvPr id="17" name="TextBox 16">
+            <a:extLst>
+              <a:ext uri="{FF2B5EF4-FFF2-40B4-BE49-F238E27FC236}">
+                <a16:creationId xmlns:a16="http://schemas.microsoft.com/office/drawing/2014/main" id="{5CE0F997-213E-DA97-D5C6-C3B47F234A2B}"/>
+              </a:ext>
+            </a:extLst>
+          </p:cNvPr>
+          <p:cNvSpPr txBox="1"/>
+          <p:nvPr/>
+        </p:nvSpPr>
+        <p:spPr>
+          <a:xfrm>
+            <a:off x="1344239" y="5232991"/>
+            <a:ext cx="1630343" cy="369332"/>
+          </a:xfrm>
+          <a:prstGeom prst="rect">
+            <a:avLst/>
+          </a:prstGeom>
+          <a:noFill/>
+        </p:spPr>
+        <p:txBody>
+          <a:bodyPr wrap="square" rtlCol="0">
+            <a:spAutoFit/>
+          </a:bodyPr>
+          <a:lstStyle/>
+          <a:p>
+            <a:r>
+              <a:rPr lang="en-US" dirty="0"/>
+              <a:t>Spring x2</a:t>
+            </a:r>
+          </a:p>
+        </p:txBody>
+      </p:sp>
       <p:pic>
         <p:nvPicPr>
-          <p:cNvPr id="6" name="Picture 5">
-            <a:extLst>
-              <a:ext uri="{FF2B5EF4-FFF2-40B4-BE49-F238E27FC236}">
-                <a16:creationId xmlns:a16="http://schemas.microsoft.com/office/drawing/2014/main" id="{FBC6AC75-261E-B1BD-47D5-00C6DF0D166A}"/>
+          <p:cNvPr id="18" name="Picture 17">
+            <a:extLst>
+              <a:ext uri="{FF2B5EF4-FFF2-40B4-BE49-F238E27FC236}">
+                <a16:creationId xmlns:a16="http://schemas.microsoft.com/office/drawing/2014/main" id="{F5982F6E-CB71-614E-F82E-2C37C7CE67DF}"/>
               </a:ext>
             </a:extLst>
           </p:cNvPr>
@@ -5724,14 +8286,13 @@
         </p:nvPicPr>
         <p:blipFill>
           <a:blip r:embed="rId5"/>
-          <a:stretch>
-            <a:fillRect/>
-          </a:stretch>
+          <a:srcRect t="3021" b="-1"/>
+          <a:stretch/>
         </p:blipFill>
         <p:spPr>
           <a:xfrm>
-            <a:off x="4709" y="4508290"/>
-            <a:ext cx="1324645" cy="736371"/>
+            <a:off x="50123" y="5973938"/>
+            <a:ext cx="1113482" cy="868937"/>
           </a:xfrm>
           <a:prstGeom prst="rect">
             <a:avLst/>
@@ -5740,10 +8301,10 @@
       </p:pic>
       <p:pic>
         <p:nvPicPr>
-          <p:cNvPr id="10" name="Picture 9">
-            <a:extLst>
-              <a:ext uri="{FF2B5EF4-FFF2-40B4-BE49-F238E27FC236}">
-                <a16:creationId xmlns:a16="http://schemas.microsoft.com/office/drawing/2014/main" id="{A0BAB644-B756-5B91-5A58-F0D6BF9538F0}"/>
+          <p:cNvPr id="19" name="Picture 18">
+            <a:extLst>
+              <a:ext uri="{FF2B5EF4-FFF2-40B4-BE49-F238E27FC236}">
+                <a16:creationId xmlns:a16="http://schemas.microsoft.com/office/drawing/2014/main" id="{5E8916BF-F48B-250F-79DE-00AAD6377C20}"/>
               </a:ext>
             </a:extLst>
           </p:cNvPr>
@@ -5754,13 +8315,14 @@
         </p:nvPicPr>
         <p:blipFill>
           <a:blip r:embed="rId6"/>
-          <a:srcRect r="57099" b="22864"/>
-          <a:stretch/>
+          <a:stretch>
+            <a:fillRect/>
+          </a:stretch>
         </p:blipFill>
         <p:spPr>
           <a:xfrm>
-            <a:off x="23666" y="1587303"/>
-            <a:ext cx="1378088" cy="885567"/>
+            <a:off x="110265" y="4450598"/>
+            <a:ext cx="1158357" cy="478961"/>
           </a:xfrm>
           <a:prstGeom prst="rect">
             <a:avLst/>
@@ -5769,255 +8331,10 @@
       </p:pic>
       <p:pic>
         <p:nvPicPr>
-          <p:cNvPr id="12" name="Picture 11">
-            <a:extLst>
-              <a:ext uri="{FF2B5EF4-FFF2-40B4-BE49-F238E27FC236}">
-                <a16:creationId xmlns:a16="http://schemas.microsoft.com/office/drawing/2014/main" id="{F86ECCB9-9DAF-10DE-D140-2DF54D322B66}"/>
-              </a:ext>
-            </a:extLst>
-          </p:cNvPr>
-          <p:cNvPicPr>
-            <a:picLocks noChangeAspect="1"/>
-          </p:cNvPicPr>
-          <p:nvPr/>
-        </p:nvPicPr>
-        <p:blipFill>
-          <a:blip r:embed="rId6"/>
-          <a:srcRect l="60709" t="25019"/>
-          <a:stretch/>
-        </p:blipFill>
-        <p:spPr>
-          <a:xfrm>
-            <a:off x="3386" y="2532240"/>
-            <a:ext cx="1292648" cy="881635"/>
-          </a:xfrm>
-          <a:prstGeom prst="rect">
-            <a:avLst/>
-          </a:prstGeom>
-        </p:spPr>
-      </p:pic>
-      <p:sp>
-        <p:nvSpPr>
-          <p:cNvPr id="15" name="TextBox 14">
-            <a:extLst>
-              <a:ext uri="{FF2B5EF4-FFF2-40B4-BE49-F238E27FC236}">
-                <a16:creationId xmlns:a16="http://schemas.microsoft.com/office/drawing/2014/main" id="{BE61529D-D9D8-C013-E1E0-703EEC82B43D}"/>
-              </a:ext>
-            </a:extLst>
-          </p:cNvPr>
-          <p:cNvSpPr txBox="1"/>
-          <p:nvPr/>
-        </p:nvSpPr>
-        <p:spPr>
-          <a:xfrm>
-            <a:off x="1360507" y="6316815"/>
-            <a:ext cx="1630343" cy="369332"/>
-          </a:xfrm>
-          <a:prstGeom prst="rect">
-            <a:avLst/>
-          </a:prstGeom>
-          <a:noFill/>
-        </p:spPr>
-        <p:txBody>
-          <a:bodyPr wrap="square" rtlCol="0">
-            <a:spAutoFit/>
-          </a:bodyPr>
-          <a:lstStyle/>
-          <a:p>
-            <a:pPr algn="ctr"/>
-            <a:r>
-              <a:rPr lang="en-US" dirty="0"/>
-              <a:t>M3 14MM x10</a:t>
-            </a:r>
-          </a:p>
-        </p:txBody>
-      </p:sp>
-      <p:sp>
-        <p:nvSpPr>
-          <p:cNvPr id="20" name="TextBox 19">
-            <a:extLst>
-              <a:ext uri="{FF2B5EF4-FFF2-40B4-BE49-F238E27FC236}">
-                <a16:creationId xmlns:a16="http://schemas.microsoft.com/office/drawing/2014/main" id="{16866231-26FB-78D0-E08A-9C23098F4309}"/>
-              </a:ext>
-            </a:extLst>
-          </p:cNvPr>
-          <p:cNvSpPr txBox="1"/>
-          <p:nvPr/>
-        </p:nvSpPr>
-        <p:spPr>
-          <a:xfrm>
-            <a:off x="1337378" y="5533684"/>
-            <a:ext cx="1630343" cy="369332"/>
-          </a:xfrm>
-          <a:prstGeom prst="rect">
-            <a:avLst/>
-          </a:prstGeom>
-          <a:noFill/>
-        </p:spPr>
-        <p:txBody>
-          <a:bodyPr wrap="square" rtlCol="0">
-            <a:spAutoFit/>
-          </a:bodyPr>
-          <a:lstStyle/>
-          <a:p>
-            <a:pPr algn="ctr"/>
-            <a:r>
-              <a:rPr lang="en-US" dirty="0"/>
-              <a:t>M3 20MM x2</a:t>
-            </a:r>
-          </a:p>
-        </p:txBody>
-      </p:sp>
-      <p:sp>
-        <p:nvSpPr>
-          <p:cNvPr id="21" name="TextBox 20">
-            <a:extLst>
-              <a:ext uri="{FF2B5EF4-FFF2-40B4-BE49-F238E27FC236}">
-                <a16:creationId xmlns:a16="http://schemas.microsoft.com/office/drawing/2014/main" id="{18D8E684-7BF0-06BF-782C-7B75B7C5D7F3}"/>
-              </a:ext>
-            </a:extLst>
-          </p:cNvPr>
-          <p:cNvSpPr txBox="1"/>
-          <p:nvPr/>
-        </p:nvSpPr>
-        <p:spPr>
-          <a:xfrm>
-            <a:off x="1360507" y="4691809"/>
-            <a:ext cx="1630343" cy="369332"/>
-          </a:xfrm>
-          <a:prstGeom prst="rect">
-            <a:avLst/>
-          </a:prstGeom>
-          <a:noFill/>
-        </p:spPr>
-        <p:txBody>
-          <a:bodyPr wrap="square" rtlCol="0">
-            <a:spAutoFit/>
-          </a:bodyPr>
-          <a:lstStyle/>
-          <a:p>
-            <a:pPr algn="ctr"/>
-            <a:r>
-              <a:rPr lang="en-US" dirty="0"/>
-              <a:t>SUS Mount</a:t>
-            </a:r>
-          </a:p>
-        </p:txBody>
-      </p:sp>
-      <p:sp>
-        <p:nvSpPr>
-          <p:cNvPr id="22" name="TextBox 21">
-            <a:extLst>
-              <a:ext uri="{FF2B5EF4-FFF2-40B4-BE49-F238E27FC236}">
-                <a16:creationId xmlns:a16="http://schemas.microsoft.com/office/drawing/2014/main" id="{0B9393E7-4057-14D9-086C-A2313CF8479E}"/>
-              </a:ext>
-            </a:extLst>
-          </p:cNvPr>
-          <p:cNvSpPr txBox="1"/>
-          <p:nvPr/>
-        </p:nvSpPr>
-        <p:spPr>
-          <a:xfrm>
-            <a:off x="1337378" y="3897945"/>
-            <a:ext cx="1630343" cy="369332"/>
-          </a:xfrm>
-          <a:prstGeom prst="rect">
-            <a:avLst/>
-          </a:prstGeom>
-          <a:noFill/>
-        </p:spPr>
-        <p:txBody>
-          <a:bodyPr wrap="square" rtlCol="0">
-            <a:spAutoFit/>
-          </a:bodyPr>
-          <a:lstStyle/>
-          <a:p>
-            <a:pPr algn="ctr"/>
-            <a:r>
-              <a:rPr lang="en-US" dirty="0"/>
-              <a:t>Sus Mount (1)</a:t>
-            </a:r>
-          </a:p>
-        </p:txBody>
-      </p:sp>
-      <p:sp>
-        <p:nvSpPr>
-          <p:cNvPr id="23" name="TextBox 22">
-            <a:extLst>
-              <a:ext uri="{FF2B5EF4-FFF2-40B4-BE49-F238E27FC236}">
-                <a16:creationId xmlns:a16="http://schemas.microsoft.com/office/drawing/2014/main" id="{F769A5AB-3191-6880-5B20-B3332FBBA6BB}"/>
-              </a:ext>
-            </a:extLst>
-          </p:cNvPr>
-          <p:cNvSpPr txBox="1"/>
-          <p:nvPr/>
-        </p:nvSpPr>
-        <p:spPr>
-          <a:xfrm>
-            <a:off x="1314249" y="2857639"/>
-            <a:ext cx="1630343" cy="369332"/>
-          </a:xfrm>
-          <a:prstGeom prst="rect">
-            <a:avLst/>
-          </a:prstGeom>
-          <a:noFill/>
-        </p:spPr>
-        <p:txBody>
-          <a:bodyPr wrap="square" rtlCol="0">
-            <a:spAutoFit/>
-          </a:bodyPr>
-          <a:lstStyle/>
-          <a:p>
-            <a:pPr algn="ctr"/>
-            <a:r>
-              <a:rPr lang="en-US" dirty="0"/>
-              <a:t>Servo</a:t>
-            </a:r>
-          </a:p>
-        </p:txBody>
-      </p:sp>
-      <p:sp>
-        <p:nvSpPr>
-          <p:cNvPr id="24" name="TextBox 23">
-            <a:extLst>
-              <a:ext uri="{FF2B5EF4-FFF2-40B4-BE49-F238E27FC236}">
-                <a16:creationId xmlns:a16="http://schemas.microsoft.com/office/drawing/2014/main" id="{F0229046-A727-A094-AF1F-75DC7503ECEE}"/>
-              </a:ext>
-            </a:extLst>
-          </p:cNvPr>
-          <p:cNvSpPr txBox="1"/>
-          <p:nvPr/>
-        </p:nvSpPr>
-        <p:spPr>
-          <a:xfrm>
-            <a:off x="1337378" y="1930039"/>
-            <a:ext cx="1630343" cy="646331"/>
-          </a:xfrm>
-          <a:prstGeom prst="rect">
-            <a:avLst/>
-          </a:prstGeom>
-          <a:noFill/>
-        </p:spPr>
-        <p:txBody>
-          <a:bodyPr wrap="square" rtlCol="0">
-            <a:spAutoFit/>
-          </a:bodyPr>
-          <a:lstStyle/>
-          <a:p>
-            <a:pPr algn="r"/>
-            <a:r>
-              <a:rPr lang="en-US" dirty="0"/>
-              <a:t>Chassis Lower Servo Mount</a:t>
-            </a:r>
-          </a:p>
-        </p:txBody>
-      </p:sp>
-      <p:pic>
-        <p:nvPicPr>
-          <p:cNvPr id="26" name="Picture 25">
-            <a:extLst>
-              <a:ext uri="{FF2B5EF4-FFF2-40B4-BE49-F238E27FC236}">
-                <a16:creationId xmlns:a16="http://schemas.microsoft.com/office/drawing/2014/main" id="{F042CB4B-59BA-E25D-8D0A-008AF369F845}"/>
+          <p:cNvPr id="20" name="Picture 19">
+            <a:extLst>
+              <a:ext uri="{FF2B5EF4-FFF2-40B4-BE49-F238E27FC236}">
+                <a16:creationId xmlns:a16="http://schemas.microsoft.com/office/drawing/2014/main" id="{A02E7058-C7A8-7492-46FC-5DA3EE9F578A}"/>
               </a:ext>
             </a:extLst>
           </p:cNvPr>
@@ -6034,77 +8351,53 @@
         </p:blipFill>
         <p:spPr>
           <a:xfrm>
-            <a:off x="3534882" y="-18974"/>
-            <a:ext cx="8494086" cy="6858000"/>
+            <a:off x="110265" y="5061141"/>
+            <a:ext cx="1093720" cy="713033"/>
           </a:xfrm>
           <a:prstGeom prst="rect">
             <a:avLst/>
           </a:prstGeom>
         </p:spPr>
       </p:pic>
-      <p:pic>
-        <p:nvPicPr>
-          <p:cNvPr id="28" name="Picture 27">
-            <a:extLst>
-              <a:ext uri="{FF2B5EF4-FFF2-40B4-BE49-F238E27FC236}">
-                <a16:creationId xmlns:a16="http://schemas.microsoft.com/office/drawing/2014/main" id="{F890889B-4001-6589-184A-58EAE436CBE8}"/>
-              </a:ext>
-            </a:extLst>
-          </p:cNvPr>
-          <p:cNvPicPr>
-            <a:picLocks noChangeAspect="1"/>
-          </p:cNvPicPr>
+      <p:sp>
+        <p:nvSpPr>
+          <p:cNvPr id="21" name="TextBox 20">
+            <a:extLst>
+              <a:ext uri="{FF2B5EF4-FFF2-40B4-BE49-F238E27FC236}">
+                <a16:creationId xmlns:a16="http://schemas.microsoft.com/office/drawing/2014/main" id="{9D14FAE1-91BF-FADB-5BB9-0BE76CC2C1B4}"/>
+              </a:ext>
+            </a:extLst>
+          </p:cNvPr>
+          <p:cNvSpPr txBox="1"/>
           <p:nvPr/>
-        </p:nvPicPr>
-        <p:blipFill>
-          <a:blip r:embed="rId8"/>
-          <a:stretch>
-            <a:fillRect/>
-          </a:stretch>
-        </p:blipFill>
-        <p:spPr>
-          <a:xfrm>
-            <a:off x="60864" y="5478234"/>
-            <a:ext cx="1113482" cy="424782"/>
+        </p:nvSpPr>
+        <p:spPr>
+          <a:xfrm>
+            <a:off x="1360506" y="4560227"/>
+            <a:ext cx="1920576" cy="369332"/>
           </a:xfrm>
           <a:prstGeom prst="rect">
             <a:avLst/>
           </a:prstGeom>
-        </p:spPr>
-      </p:pic>
-      <p:pic>
-        <p:nvPicPr>
-          <p:cNvPr id="30" name="Picture 29">
-            <a:extLst>
-              <a:ext uri="{FF2B5EF4-FFF2-40B4-BE49-F238E27FC236}">
-                <a16:creationId xmlns:a16="http://schemas.microsoft.com/office/drawing/2014/main" id="{76EB9283-EB3A-6B01-780A-74D3F0DD683A}"/>
-              </a:ext>
-            </a:extLst>
-          </p:cNvPr>
-          <p:cNvPicPr>
-            <a:picLocks noChangeAspect="1"/>
-          </p:cNvPicPr>
-          <p:nvPr/>
-        </p:nvPicPr>
-        <p:blipFill>
-          <a:blip r:embed="rId9"/>
-          <a:srcRect l="15174" t="19365" r="15323" b="16334"/>
-          <a:stretch/>
-        </p:blipFill>
-        <p:spPr>
-          <a:xfrm>
-            <a:off x="134457" y="6288240"/>
-            <a:ext cx="799859" cy="369332"/>
-          </a:xfrm>
-          <a:prstGeom prst="rect">
-            <a:avLst/>
-          </a:prstGeom>
-        </p:spPr>
-      </p:pic>
+          <a:noFill/>
+        </p:spPr>
+        <p:txBody>
+          <a:bodyPr wrap="square" rtlCol="0">
+            <a:spAutoFit/>
+          </a:bodyPr>
+          <a:lstStyle/>
+          <a:p>
+            <a:r>
+              <a:rPr lang="en-US" dirty="0"/>
+              <a:t>Secondary Axle x2</a:t>
+            </a:r>
+          </a:p>
+        </p:txBody>
+      </p:sp>
     </p:spTree>
     <p:extLst>
       <p:ext uri="{BB962C8B-B14F-4D97-AF65-F5344CB8AC3E}">
-        <p14:creationId xmlns:p14="http://schemas.microsoft.com/office/powerpoint/2010/main" val="1937844795"/>
+        <p14:creationId xmlns:p14="http://schemas.microsoft.com/office/powerpoint/2010/main" val="656301920"/>
       </p:ext>
     </p:extLst>
   </p:cSld>
@@ -6122,7 +8415,7 @@
         <p:cNvPr id="1" name="">
           <a:extLst>
             <a:ext uri="{FF2B5EF4-FFF2-40B4-BE49-F238E27FC236}">
-              <a16:creationId xmlns:a16="http://schemas.microsoft.com/office/drawing/2014/main" id="{7AE8C3B1-5D41-7031-62E9-4B4A9220AC3C}"/>
+              <a16:creationId xmlns:a16="http://schemas.microsoft.com/office/drawing/2014/main" id="{1B423D90-FDEE-E1CB-03A8-5AFD7B8B7637}"/>
             </a:ext>
           </a:extLst>
         </p:cNvPr>
@@ -6142,7 +8435,7 @@
           <p:cNvPr id="13" name="Picture 12">
             <a:extLst>
               <a:ext uri="{FF2B5EF4-FFF2-40B4-BE49-F238E27FC236}">
-                <a16:creationId xmlns:a16="http://schemas.microsoft.com/office/drawing/2014/main" id="{F02B9FB7-E9A5-D643-DE6A-83BE58D701A7}"/>
+                <a16:creationId xmlns:a16="http://schemas.microsoft.com/office/drawing/2014/main" id="{CF446D9A-9BE1-68C1-DF3B-DDC59031272B}"/>
               </a:ext>
             </a:extLst>
           </p:cNvPr>
@@ -6167,83 +8460,12 @@
           </a:prstGeom>
         </p:spPr>
       </p:pic>
-      <p:sp>
-        <p:nvSpPr>
-          <p:cNvPr id="15" name="TextBox 14">
-            <a:extLst>
-              <a:ext uri="{FF2B5EF4-FFF2-40B4-BE49-F238E27FC236}">
-                <a16:creationId xmlns:a16="http://schemas.microsoft.com/office/drawing/2014/main" id="{5B9A54C3-91B8-3631-8624-07946A54D020}"/>
-              </a:ext>
-            </a:extLst>
-          </p:cNvPr>
-          <p:cNvSpPr txBox="1"/>
-          <p:nvPr/>
-        </p:nvSpPr>
-        <p:spPr>
-          <a:xfrm>
-            <a:off x="1107980" y="6000371"/>
-            <a:ext cx="1630343" cy="646331"/>
-          </a:xfrm>
-          <a:prstGeom prst="rect">
-            <a:avLst/>
-          </a:prstGeom>
-          <a:noFill/>
-        </p:spPr>
-        <p:txBody>
-          <a:bodyPr wrap="square" rtlCol="0">
-            <a:spAutoFit/>
-          </a:bodyPr>
-          <a:lstStyle/>
-          <a:p>
-            <a:pPr algn="ctr"/>
-            <a:r>
-              <a:rPr lang="en-US" dirty="0"/>
-              <a:t>Upper Strut Mount x2</a:t>
-            </a:r>
-          </a:p>
-        </p:txBody>
-      </p:sp>
-      <p:sp>
-        <p:nvSpPr>
-          <p:cNvPr id="20" name="TextBox 19">
-            <a:extLst>
-              <a:ext uri="{FF2B5EF4-FFF2-40B4-BE49-F238E27FC236}">
-                <a16:creationId xmlns:a16="http://schemas.microsoft.com/office/drawing/2014/main" id="{6954F2C7-5B60-3EAA-C591-5B246A9E91BA}"/>
-              </a:ext>
-            </a:extLst>
-          </p:cNvPr>
-          <p:cNvSpPr txBox="1"/>
-          <p:nvPr/>
-        </p:nvSpPr>
-        <p:spPr>
-          <a:xfrm>
-            <a:off x="1344239" y="5232991"/>
-            <a:ext cx="1630343" cy="369332"/>
-          </a:xfrm>
-          <a:prstGeom prst="rect">
-            <a:avLst/>
-          </a:prstGeom>
-          <a:noFill/>
-        </p:spPr>
-        <p:txBody>
-          <a:bodyPr wrap="square" rtlCol="0">
-            <a:spAutoFit/>
-          </a:bodyPr>
-          <a:lstStyle/>
-          <a:p>
-            <a:r>
-              <a:rPr lang="en-US" dirty="0"/>
-              <a:t>Spring x2</a:t>
-            </a:r>
-          </a:p>
-        </p:txBody>
-      </p:sp>
       <p:pic>
         <p:nvPicPr>
-          <p:cNvPr id="9" name="Picture 8">
-            <a:extLst>
-              <a:ext uri="{FF2B5EF4-FFF2-40B4-BE49-F238E27FC236}">
-                <a16:creationId xmlns:a16="http://schemas.microsoft.com/office/drawing/2014/main" id="{5700E554-A0C4-EB00-F5EE-4A04366A9FEF}"/>
+          <p:cNvPr id="3" name="Picture 2">
+            <a:extLst>
+              <a:ext uri="{FF2B5EF4-FFF2-40B4-BE49-F238E27FC236}">
+                <a16:creationId xmlns:a16="http://schemas.microsoft.com/office/drawing/2014/main" id="{38C05300-9BF7-17AE-E2A1-B2662692197A}"/>
               </a:ext>
             </a:extLst>
           </p:cNvPr>
@@ -6260,109 +8482,61 @@
         </p:blipFill>
         <p:spPr>
           <a:xfrm>
-            <a:off x="3847387" y="0"/>
-            <a:ext cx="8374511" cy="6858000"/>
+            <a:off x="1031753" y="15125"/>
+            <a:ext cx="11270512" cy="6858000"/>
           </a:xfrm>
           <a:prstGeom prst="rect">
             <a:avLst/>
           </a:prstGeom>
         </p:spPr>
       </p:pic>
-      <p:pic>
-        <p:nvPicPr>
-          <p:cNvPr id="14" name="Picture 13">
-            <a:extLst>
-              <a:ext uri="{FF2B5EF4-FFF2-40B4-BE49-F238E27FC236}">
-                <a16:creationId xmlns:a16="http://schemas.microsoft.com/office/drawing/2014/main" id="{A7107530-7ECE-D0B0-4ABA-BFB40D2A7105}"/>
-              </a:ext>
-            </a:extLst>
-          </p:cNvPr>
-          <p:cNvPicPr>
-            <a:picLocks noChangeAspect="1"/>
-          </p:cNvPicPr>
+      <p:cxnSp>
+        <p:nvCxnSpPr>
+          <p:cNvPr id="12" name="Straight Arrow Connector 11">
+            <a:extLst>
+              <a:ext uri="{FF2B5EF4-FFF2-40B4-BE49-F238E27FC236}">
+                <a16:creationId xmlns:a16="http://schemas.microsoft.com/office/drawing/2014/main" id="{044612FC-43A8-A8B7-09B0-A2E64B1269EA}"/>
+              </a:ext>
+            </a:extLst>
+          </p:cNvPr>
+          <p:cNvCxnSpPr>
+            <a:cxnSpLocks/>
+          </p:cNvCxnSpPr>
           <p:nvPr/>
-        </p:nvPicPr>
-        <p:blipFill>
-          <a:blip r:embed="rId5"/>
-          <a:srcRect t="3021" b="-1"/>
-          <a:stretch/>
-        </p:blipFill>
-        <p:spPr>
-          <a:xfrm>
-            <a:off x="50123" y="5973938"/>
-            <a:ext cx="1113482" cy="868937"/>
-          </a:xfrm>
-          <a:prstGeom prst="rect">
+        </p:nvCxnSpPr>
+        <p:spPr>
+          <a:xfrm flipV="1">
+            <a:off x="4410635" y="4359926"/>
+            <a:ext cx="932330" cy="330152"/>
+          </a:xfrm>
+          <a:prstGeom prst="straightConnector1">
             <a:avLst/>
           </a:prstGeom>
-        </p:spPr>
-      </p:pic>
-      <p:pic>
-        <p:nvPicPr>
-          <p:cNvPr id="17" name="Picture 16">
-            <a:extLst>
-              <a:ext uri="{FF2B5EF4-FFF2-40B4-BE49-F238E27FC236}">
-                <a16:creationId xmlns:a16="http://schemas.microsoft.com/office/drawing/2014/main" id="{22D76025-AC31-3E44-B90E-F050AE44848A}"/>
-              </a:ext>
-            </a:extLst>
-          </p:cNvPr>
-          <p:cNvPicPr>
-            <a:picLocks noChangeAspect="1"/>
-          </p:cNvPicPr>
-          <p:nvPr/>
-        </p:nvPicPr>
-        <p:blipFill>
-          <a:blip r:embed="rId6"/>
-          <a:stretch>
-            <a:fillRect/>
-          </a:stretch>
-        </p:blipFill>
-        <p:spPr>
-          <a:xfrm>
-            <a:off x="110265" y="4450598"/>
-            <a:ext cx="1158357" cy="478961"/>
-          </a:xfrm>
-          <a:prstGeom prst="rect">
-            <a:avLst/>
-          </a:prstGeom>
-        </p:spPr>
-      </p:pic>
-      <p:pic>
-        <p:nvPicPr>
-          <p:cNvPr id="19" name="Picture 18">
-            <a:extLst>
-              <a:ext uri="{FF2B5EF4-FFF2-40B4-BE49-F238E27FC236}">
-                <a16:creationId xmlns:a16="http://schemas.microsoft.com/office/drawing/2014/main" id="{27154BAA-EF25-B75C-C1A5-4DF39BF4DCEB}"/>
-              </a:ext>
-            </a:extLst>
-          </p:cNvPr>
-          <p:cNvPicPr>
-            <a:picLocks noChangeAspect="1"/>
-          </p:cNvPicPr>
-          <p:nvPr/>
-        </p:nvPicPr>
-        <p:blipFill>
-          <a:blip r:embed="rId7"/>
-          <a:stretch>
-            <a:fillRect/>
-          </a:stretch>
-        </p:blipFill>
-        <p:spPr>
-          <a:xfrm>
-            <a:off x="110265" y="5061141"/>
-            <a:ext cx="1093720" cy="713033"/>
-          </a:xfrm>
-          <a:prstGeom prst="rect">
-            <a:avLst/>
-          </a:prstGeom>
-        </p:spPr>
-      </p:pic>
+          <a:ln>
+            <a:tailEnd type="triangle"/>
+          </a:ln>
+        </p:spPr>
+        <p:style>
+          <a:lnRef idx="1">
+            <a:schemeClr val="dk1"/>
+          </a:lnRef>
+          <a:fillRef idx="0">
+            <a:schemeClr val="dk1"/>
+          </a:fillRef>
+          <a:effectRef idx="0">
+            <a:schemeClr val="dk1"/>
+          </a:effectRef>
+          <a:fontRef idx="minor">
+            <a:schemeClr val="tx1"/>
+          </a:fontRef>
+        </p:style>
+      </p:cxnSp>
       <p:sp>
         <p:nvSpPr>
           <p:cNvPr id="21" name="TextBox 20">
             <a:extLst>
               <a:ext uri="{FF2B5EF4-FFF2-40B4-BE49-F238E27FC236}">
-                <a16:creationId xmlns:a16="http://schemas.microsoft.com/office/drawing/2014/main" id="{1A9F9637-F7C3-741C-4F2C-6F7E9DE9C06A}"/>
+                <a16:creationId xmlns:a16="http://schemas.microsoft.com/office/drawing/2014/main" id="{5FB9BB54-4ABC-75B1-A6D2-B7A387583423}"/>
               </a:ext>
             </a:extLst>
           </p:cNvPr>
@@ -6371,7 +8545,7 @@
         </p:nvSpPr>
         <p:spPr>
           <a:xfrm>
-            <a:off x="1360506" y="4560227"/>
+            <a:off x="3340082" y="4560227"/>
             <a:ext cx="1920576" cy="369332"/>
           </a:xfrm>
           <a:prstGeom prst="rect">
@@ -6387,7 +8561,7 @@
           <a:p>
             <a:r>
               <a:rPr lang="en-US" dirty="0"/>
-              <a:t>Secondary Axle x2</a:t>
+              <a:t>Reinstall</a:t>
             </a:r>
           </a:p>
         </p:txBody>
@@ -6395,7 +8569,7 @@
     </p:spTree>
     <p:extLst>
       <p:ext uri="{BB962C8B-B14F-4D97-AF65-F5344CB8AC3E}">
-        <p14:creationId xmlns:p14="http://schemas.microsoft.com/office/powerpoint/2010/main" val="2503218402"/>
+        <p14:creationId xmlns:p14="http://schemas.microsoft.com/office/powerpoint/2010/main" val="1638101322"/>
       </p:ext>
     </p:extLst>
   </p:cSld>
@@ -6413,7 +8587,7 @@
         <p:cNvPr id="1" name="">
           <a:extLst>
             <a:ext uri="{FF2B5EF4-FFF2-40B4-BE49-F238E27FC236}">
-              <a16:creationId xmlns:a16="http://schemas.microsoft.com/office/drawing/2014/main" id="{F305514D-4D73-ADFC-31C5-A5B6B3B50F6A}"/>
+              <a16:creationId xmlns:a16="http://schemas.microsoft.com/office/drawing/2014/main" id="{E4CE7CE7-57C6-51FA-FF7E-B3BA383ED735}"/>
             </a:ext>
           </a:extLst>
         </p:cNvPr>
@@ -6433,7 +8607,7 @@
           <p:cNvPr id="13" name="Picture 12">
             <a:extLst>
               <a:ext uri="{FF2B5EF4-FFF2-40B4-BE49-F238E27FC236}">
-                <a16:creationId xmlns:a16="http://schemas.microsoft.com/office/drawing/2014/main" id="{366EFBCF-123B-0CD8-DFD1-8C188E348D5D}"/>
+                <a16:creationId xmlns:a16="http://schemas.microsoft.com/office/drawing/2014/main" id="{3C4C1E7F-FB73-4518-58D9-B1D95A0A865E}"/>
               </a:ext>
             </a:extLst>
           </p:cNvPr>
@@ -6450,7 +8624,7 @@
         </p:blipFill>
         <p:spPr>
           <a:xfrm>
-            <a:off x="21551" y="15125"/>
+            <a:off x="0" y="0"/>
             <a:ext cx="12192000" cy="6858000"/>
           </a:xfrm>
           <a:prstGeom prst="rect">
@@ -6460,10 +8634,10 @@
       </p:pic>
       <p:pic>
         <p:nvPicPr>
-          <p:cNvPr id="8" name="Picture 7">
-            <a:extLst>
-              <a:ext uri="{FF2B5EF4-FFF2-40B4-BE49-F238E27FC236}">
-                <a16:creationId xmlns:a16="http://schemas.microsoft.com/office/drawing/2014/main" id="{174A0F44-0E3D-46EA-D710-85364EBD7C36}"/>
+          <p:cNvPr id="7" name="Picture 6">
+            <a:extLst>
+              <a:ext uri="{FF2B5EF4-FFF2-40B4-BE49-F238E27FC236}">
+                <a16:creationId xmlns:a16="http://schemas.microsoft.com/office/drawing/2014/main" id="{7A3F32C5-6A47-F807-4761-D97B293B926E}"/>
               </a:ext>
             </a:extLst>
           </p:cNvPr>
@@ -6480,8 +8654,8 @@
         </p:blipFill>
         <p:spPr>
           <a:xfrm>
-            <a:off x="45278" y="5855044"/>
-            <a:ext cx="1390844" cy="885949"/>
+            <a:off x="1922344" y="-10656"/>
+            <a:ext cx="10176112" cy="6858000"/>
           </a:xfrm>
           <a:prstGeom prst="rect">
             <a:avLst/>
@@ -6490,10 +8664,10 @@
       </p:pic>
       <p:sp>
         <p:nvSpPr>
-          <p:cNvPr id="15" name="TextBox 14">
-            <a:extLst>
-              <a:ext uri="{FF2B5EF4-FFF2-40B4-BE49-F238E27FC236}">
-                <a16:creationId xmlns:a16="http://schemas.microsoft.com/office/drawing/2014/main" id="{9069BB49-60E8-18EB-5901-ACE63FA12F92}"/>
+          <p:cNvPr id="5" name="TextBox 4">
+            <a:extLst>
+              <a:ext uri="{FF2B5EF4-FFF2-40B4-BE49-F238E27FC236}">
+                <a16:creationId xmlns:a16="http://schemas.microsoft.com/office/drawing/2014/main" id="{D83DDB6C-3E24-8935-00E5-1A14882C7522}"/>
               </a:ext>
             </a:extLst>
           </p:cNvPr>
@@ -6502,8 +8676,8 @@
         </p:nvSpPr>
         <p:spPr>
           <a:xfrm>
-            <a:off x="1107980" y="6000371"/>
-            <a:ext cx="1630343" cy="646331"/>
+            <a:off x="93544" y="3985022"/>
+            <a:ext cx="3655963" cy="2862322"/>
           </a:xfrm>
           <a:prstGeom prst="rect">
             <a:avLst/>
@@ -6519,233 +8693,53 @@
             <a:pPr algn="ctr"/>
             <a:r>
               <a:rPr lang="en-US" dirty="0"/>
-              <a:t>Servo Horn Screw</a:t>
-            </a:r>
-          </a:p>
-        </p:txBody>
-      </p:sp>
-      <p:sp>
-        <p:nvSpPr>
-          <p:cNvPr id="20" name="TextBox 19">
-            <a:extLst>
-              <a:ext uri="{FF2B5EF4-FFF2-40B4-BE49-F238E27FC236}">
-                <a16:creationId xmlns:a16="http://schemas.microsoft.com/office/drawing/2014/main" id="{18052976-23FB-E72F-C1CC-2DBC68295054}"/>
-              </a:ext>
-            </a:extLst>
-          </p:cNvPr>
-          <p:cNvSpPr txBox="1"/>
-          <p:nvPr/>
-        </p:nvSpPr>
-        <p:spPr>
-          <a:xfrm>
-            <a:off x="1344239" y="5232991"/>
-            <a:ext cx="1630343" cy="646331"/>
-          </a:xfrm>
-          <a:prstGeom prst="rect">
-            <a:avLst/>
-          </a:prstGeom>
-          <a:noFill/>
-        </p:spPr>
-        <p:txBody>
-          <a:bodyPr wrap="square" rtlCol="0">
-            <a:spAutoFit/>
-          </a:bodyPr>
-          <a:lstStyle/>
-          <a:p>
+              <a:t>Secure the 12 </a:t>
+            </a:r>
+            <a:r>
+              <a:rPr lang="en-US" dirty="0" err="1"/>
+              <a:t>ch</a:t>
+            </a:r>
             <a:r>
               <a:rPr lang="en-US" dirty="0"/>
-              <a:t>Arm Upper Servo Horn</a:t>
-            </a:r>
-          </a:p>
-        </p:txBody>
-      </p:sp>
-      <p:sp>
-        <p:nvSpPr>
-          <p:cNvPr id="21" name="TextBox 20">
-            <a:extLst>
-              <a:ext uri="{FF2B5EF4-FFF2-40B4-BE49-F238E27FC236}">
-                <a16:creationId xmlns:a16="http://schemas.microsoft.com/office/drawing/2014/main" id="{98A44E01-51E0-041B-4744-F5B2BC44A281}"/>
-              </a:ext>
-            </a:extLst>
-          </p:cNvPr>
-          <p:cNvSpPr txBox="1"/>
-          <p:nvPr/>
-        </p:nvSpPr>
-        <p:spPr>
-          <a:xfrm>
-            <a:off x="1403512" y="4206013"/>
-            <a:ext cx="1920576" cy="369332"/>
-          </a:xfrm>
-          <a:prstGeom prst="rect">
-            <a:avLst/>
-          </a:prstGeom>
-          <a:noFill/>
-        </p:spPr>
-        <p:txBody>
-          <a:bodyPr wrap="square" rtlCol="0">
-            <a:spAutoFit/>
-          </a:bodyPr>
-          <a:lstStyle/>
-          <a:p>
+              <a:t> PWM board to the wall with 4 M2*4 screws (use a flat tip by hand)</a:t>
+            </a:r>
+          </a:p>
+          <a:p>
+            <a:pPr algn="ctr"/>
+            <a:endParaRPr lang="en-US" dirty="0"/>
+          </a:p>
+          <a:p>
+            <a:pPr algn="ctr"/>
             <a:r>
               <a:rPr lang="en-US" dirty="0"/>
-              <a:t>Servo</a:t>
-            </a:r>
-          </a:p>
-        </p:txBody>
-      </p:sp>
-      <p:pic>
-        <p:nvPicPr>
-          <p:cNvPr id="3" name="Picture 2">
-            <a:extLst>
-              <a:ext uri="{FF2B5EF4-FFF2-40B4-BE49-F238E27FC236}">
-                <a16:creationId xmlns:a16="http://schemas.microsoft.com/office/drawing/2014/main" id="{2E733A0E-BE54-6562-13DE-09BD6A046F30}"/>
-              </a:ext>
-            </a:extLst>
-          </p:cNvPr>
-          <p:cNvPicPr>
-            <a:picLocks noChangeAspect="1"/>
-          </p:cNvPicPr>
-          <p:nvPr/>
-        </p:nvPicPr>
-        <p:blipFill>
-          <a:blip r:embed="rId5"/>
-          <a:stretch>
-            <a:fillRect/>
-          </a:stretch>
-        </p:blipFill>
-        <p:spPr>
-          <a:xfrm>
-            <a:off x="3909853" y="135328"/>
-            <a:ext cx="7346876" cy="6707547"/>
-          </a:xfrm>
-          <a:prstGeom prst="rect">
-            <a:avLst/>
-          </a:prstGeom>
-        </p:spPr>
-      </p:pic>
-      <p:sp>
-        <p:nvSpPr>
-          <p:cNvPr id="4" name="Rectangle 3">
-            <a:extLst>
-              <a:ext uri="{FF2B5EF4-FFF2-40B4-BE49-F238E27FC236}">
-                <a16:creationId xmlns:a16="http://schemas.microsoft.com/office/drawing/2014/main" id="{7B5143BA-FA9D-D893-03A8-976666A07679}"/>
-              </a:ext>
-            </a:extLst>
-          </p:cNvPr>
-          <p:cNvSpPr/>
-          <p:nvPr/>
-        </p:nvSpPr>
-        <p:spPr>
-          <a:xfrm>
-            <a:off x="53759" y="-124391"/>
-            <a:ext cx="835485" cy="923330"/>
-          </a:xfrm>
-          <a:prstGeom prst="rect">
-            <a:avLst/>
-          </a:prstGeom>
-          <a:noFill/>
-        </p:spPr>
-        <p:txBody>
-          <a:bodyPr wrap="none" lIns="91440" tIns="45720" rIns="91440" bIns="45720">
-            <a:spAutoFit/>
-          </a:bodyPr>
-          <a:lstStyle/>
+              <a:t>Connect the 6v out wires to the </a:t>
+            </a:r>
+          </a:p>
           <a:p>
             <a:pPr algn="ctr"/>
-            <a:r>
-              <a:rPr lang="en-US" sz="5400" dirty="0">
-                <a:ln w="0"/>
-                <a:effectLst>
-                  <a:outerShdw blurRad="38100" dist="19050" dir="2700000" algn="tl" rotWithShape="0">
-                    <a:schemeClr val="dk1">
-                      <a:alpha val="40000"/>
-                    </a:schemeClr>
-                  </a:outerShdw>
-                </a:effectLst>
-              </a:rPr>
-              <a:t>x2</a:t>
-            </a:r>
-            <a:endParaRPr lang="en-US" sz="5400" b="0" cap="none" spc="0" dirty="0">
-              <a:ln w="0"/>
-              <a:solidFill>
-                <a:schemeClr val="tx1"/>
-              </a:solidFill>
-              <a:effectLst>
-                <a:outerShdw blurRad="38100" dist="19050" dir="2700000" algn="tl" rotWithShape="0">
-                  <a:schemeClr val="dk1">
-                    <a:alpha val="40000"/>
-                  </a:schemeClr>
-                </a:outerShdw>
-              </a:effectLst>
-            </a:endParaRPr>
-          </a:p>
-        </p:txBody>
-      </p:sp>
-      <p:pic>
-        <p:nvPicPr>
-          <p:cNvPr id="6" name="Picture 5">
-            <a:extLst>
-              <a:ext uri="{FF2B5EF4-FFF2-40B4-BE49-F238E27FC236}">
-                <a16:creationId xmlns:a16="http://schemas.microsoft.com/office/drawing/2014/main" id="{3A1705C8-D79D-8EC7-7972-124BDB00E075}"/>
-              </a:ext>
-            </a:extLst>
-          </p:cNvPr>
-          <p:cNvPicPr>
-            <a:picLocks noChangeAspect="1"/>
-          </p:cNvPicPr>
-          <p:nvPr/>
-        </p:nvPicPr>
-        <p:blipFill>
-          <a:blip r:embed="rId6"/>
-          <a:stretch>
-            <a:fillRect/>
-          </a:stretch>
-        </p:blipFill>
-        <p:spPr>
-          <a:xfrm>
-            <a:off x="223342" y="4923667"/>
-            <a:ext cx="884638" cy="982184"/>
-          </a:xfrm>
-          <a:prstGeom prst="rect">
-            <a:avLst/>
-          </a:prstGeom>
-        </p:spPr>
-      </p:pic>
-      <p:pic>
-        <p:nvPicPr>
-          <p:cNvPr id="11" name="Picture 10">
-            <a:extLst>
-              <a:ext uri="{FF2B5EF4-FFF2-40B4-BE49-F238E27FC236}">
-                <a16:creationId xmlns:a16="http://schemas.microsoft.com/office/drawing/2014/main" id="{6250E512-98A1-E009-5112-202D232BB758}"/>
-              </a:ext>
-            </a:extLst>
-          </p:cNvPr>
-          <p:cNvPicPr>
-            <a:picLocks noChangeAspect="1"/>
-          </p:cNvPicPr>
-          <p:nvPr/>
-        </p:nvPicPr>
-        <p:blipFill>
-          <a:blip r:embed="rId7"/>
-          <a:stretch>
-            <a:fillRect/>
-          </a:stretch>
-        </p:blipFill>
-        <p:spPr>
-          <a:xfrm>
-            <a:off x="21551" y="3863147"/>
-            <a:ext cx="1420368" cy="1018196"/>
-          </a:xfrm>
-          <a:prstGeom prst="rect">
-            <a:avLst/>
-          </a:prstGeom>
-        </p:spPr>
-      </p:pic>
+            <a:endParaRPr lang="en-US" dirty="0"/>
+          </a:p>
+          <a:p>
+            <a:pPr algn="ctr"/>
+            <a:r>
+              <a:rPr lang="en-US" dirty="0"/>
+              <a:t>Secure the 12v to 6v Buck convertor with 2 M3*10 screws</a:t>
+            </a:r>
+          </a:p>
+          <a:p>
+            <a:pPr algn="ctr"/>
+            <a:endParaRPr lang="en-US" dirty="0"/>
+          </a:p>
+          <a:p>
+            <a:pPr algn="ctr"/>
+            <a:endParaRPr lang="en-US" dirty="0"/>
+          </a:p>
+        </p:txBody>
+      </p:sp>
     </p:spTree>
     <p:extLst>
       <p:ext uri="{BB962C8B-B14F-4D97-AF65-F5344CB8AC3E}">
-        <p14:creationId xmlns:p14="http://schemas.microsoft.com/office/powerpoint/2010/main" val="991252048"/>
+        <p14:creationId xmlns:p14="http://schemas.microsoft.com/office/powerpoint/2010/main" val="2808582667"/>
       </p:ext>
     </p:extLst>
   </p:cSld>
@@ -6763,7 +8757,7 @@
         <p:cNvPr id="1" name="">
           <a:extLst>
             <a:ext uri="{FF2B5EF4-FFF2-40B4-BE49-F238E27FC236}">
-              <a16:creationId xmlns:a16="http://schemas.microsoft.com/office/drawing/2014/main" id="{55BB15E5-1594-D129-62BC-E2EBAE1026D7}"/>
+              <a16:creationId xmlns:a16="http://schemas.microsoft.com/office/drawing/2014/main" id="{2BC9CD57-4656-DD40-7670-00F72DA1F6CD}"/>
             </a:ext>
           </a:extLst>
         </p:cNvPr>
@@ -6783,7 +8777,7 @@
           <p:cNvPr id="13" name="Picture 12">
             <a:extLst>
               <a:ext uri="{FF2B5EF4-FFF2-40B4-BE49-F238E27FC236}">
-                <a16:creationId xmlns:a16="http://schemas.microsoft.com/office/drawing/2014/main" id="{DE9BAEAA-7201-D80B-4398-BF6A95F14033}"/>
+                <a16:creationId xmlns:a16="http://schemas.microsoft.com/office/drawing/2014/main" id="{2B7F991E-E1CB-37D8-64E6-36E7C6A0BE45}"/>
               </a:ext>
             </a:extLst>
           </p:cNvPr>
@@ -6800,7 +8794,7 @@
         </p:blipFill>
         <p:spPr>
           <a:xfrm>
-            <a:off x="21551" y="15125"/>
+            <a:off x="0" y="0"/>
             <a:ext cx="12192000" cy="6858000"/>
           </a:xfrm>
           <a:prstGeom prst="rect">
@@ -6808,176 +8802,12 @@
           </a:prstGeom>
         </p:spPr>
       </p:pic>
-      <p:sp>
-        <p:nvSpPr>
-          <p:cNvPr id="15" name="TextBox 14">
-            <a:extLst>
-              <a:ext uri="{FF2B5EF4-FFF2-40B4-BE49-F238E27FC236}">
-                <a16:creationId xmlns:a16="http://schemas.microsoft.com/office/drawing/2014/main" id="{8AC644E2-04F4-5A29-775D-42125678CEAA}"/>
-              </a:ext>
-            </a:extLst>
-          </p:cNvPr>
-          <p:cNvSpPr txBox="1"/>
-          <p:nvPr/>
-        </p:nvSpPr>
-        <p:spPr>
-          <a:xfrm>
-            <a:off x="1106427" y="6052452"/>
-            <a:ext cx="1630343" cy="369332"/>
-          </a:xfrm>
-          <a:prstGeom prst="rect">
-            <a:avLst/>
-          </a:prstGeom>
-          <a:noFill/>
-        </p:spPr>
-        <p:txBody>
-          <a:bodyPr wrap="square" rtlCol="0">
-            <a:spAutoFit/>
-          </a:bodyPr>
-          <a:lstStyle/>
-          <a:p>
-            <a:pPr algn="ctr"/>
-            <a:r>
-              <a:rPr lang="en-US" dirty="0"/>
-              <a:t>M3 14MM x4</a:t>
-            </a:r>
-          </a:p>
-        </p:txBody>
-      </p:sp>
-      <p:sp>
-        <p:nvSpPr>
-          <p:cNvPr id="20" name="TextBox 19">
-            <a:extLst>
-              <a:ext uri="{FF2B5EF4-FFF2-40B4-BE49-F238E27FC236}">
-                <a16:creationId xmlns:a16="http://schemas.microsoft.com/office/drawing/2014/main" id="{385DF763-AD2A-F826-4975-7327F56619C5}"/>
-              </a:ext>
-            </a:extLst>
-          </p:cNvPr>
-          <p:cNvSpPr txBox="1"/>
-          <p:nvPr/>
-        </p:nvSpPr>
-        <p:spPr>
-          <a:xfrm>
-            <a:off x="1344239" y="5232991"/>
-            <a:ext cx="1630343" cy="646331"/>
-          </a:xfrm>
-          <a:prstGeom prst="rect">
-            <a:avLst/>
-          </a:prstGeom>
-          <a:noFill/>
-        </p:spPr>
-        <p:txBody>
-          <a:bodyPr wrap="square" rtlCol="0">
-            <a:spAutoFit/>
-          </a:bodyPr>
-          <a:lstStyle/>
-          <a:p>
-            <a:r>
-              <a:rPr lang="en-US" dirty="0"/>
-              <a:t>Arm Upper Servo Horn</a:t>
-            </a:r>
-          </a:p>
-        </p:txBody>
-      </p:sp>
-      <p:sp>
-        <p:nvSpPr>
-          <p:cNvPr id="21" name="TextBox 20">
-            <a:extLst>
-              <a:ext uri="{FF2B5EF4-FFF2-40B4-BE49-F238E27FC236}">
-                <a16:creationId xmlns:a16="http://schemas.microsoft.com/office/drawing/2014/main" id="{1B85FDC6-6E11-B0EC-6970-55D6D09591C7}"/>
-              </a:ext>
-            </a:extLst>
-          </p:cNvPr>
-          <p:cNvSpPr txBox="1"/>
-          <p:nvPr/>
-        </p:nvSpPr>
-        <p:spPr>
-          <a:xfrm>
-            <a:off x="1403512" y="4206013"/>
-            <a:ext cx="1920576" cy="369332"/>
-          </a:xfrm>
-          <a:prstGeom prst="rect">
-            <a:avLst/>
-          </a:prstGeom>
-          <a:noFill/>
-        </p:spPr>
-        <p:txBody>
-          <a:bodyPr wrap="square" rtlCol="0">
-            <a:spAutoFit/>
-          </a:bodyPr>
-          <a:lstStyle/>
-          <a:p>
-            <a:r>
-              <a:rPr lang="en-US" dirty="0"/>
-              <a:t>Servo</a:t>
-            </a:r>
-          </a:p>
-        </p:txBody>
-      </p:sp>
-      <p:sp>
-        <p:nvSpPr>
-          <p:cNvPr id="4" name="Rectangle 3">
-            <a:extLst>
-              <a:ext uri="{FF2B5EF4-FFF2-40B4-BE49-F238E27FC236}">
-                <a16:creationId xmlns:a16="http://schemas.microsoft.com/office/drawing/2014/main" id="{FCB91461-A92B-1AF6-3F32-3067A2EB5C2A}"/>
-              </a:ext>
-            </a:extLst>
-          </p:cNvPr>
-          <p:cNvSpPr/>
-          <p:nvPr/>
-        </p:nvSpPr>
-        <p:spPr>
-          <a:xfrm>
-            <a:off x="53759" y="-124391"/>
-            <a:ext cx="835485" cy="923330"/>
-          </a:xfrm>
-          <a:prstGeom prst="rect">
-            <a:avLst/>
-          </a:prstGeom>
-          <a:noFill/>
-        </p:spPr>
-        <p:txBody>
-          <a:bodyPr wrap="none" lIns="91440" tIns="45720" rIns="91440" bIns="45720">
-            <a:spAutoFit/>
-          </a:bodyPr>
-          <a:lstStyle/>
-          <a:p>
-            <a:pPr algn="ctr"/>
-            <a:r>
-              <a:rPr lang="en-US" sz="5400" dirty="0">
-                <a:ln w="0"/>
-                <a:effectLst>
-                  <a:outerShdw blurRad="38100" dist="19050" dir="2700000" algn="tl" rotWithShape="0">
-                    <a:schemeClr val="dk1">
-                      <a:alpha val="40000"/>
-                    </a:schemeClr>
-                  </a:outerShdw>
-                </a:effectLst>
-              </a:rPr>
-              <a:t>x2</a:t>
-            </a:r>
-            <a:endParaRPr lang="en-US" sz="5400" b="0" cap="none" spc="0" dirty="0">
-              <a:ln w="0"/>
-              <a:solidFill>
-                <a:schemeClr val="tx1"/>
-              </a:solidFill>
-              <a:effectLst>
-                <a:outerShdw blurRad="38100" dist="19050" dir="2700000" algn="tl" rotWithShape="0">
-                  <a:schemeClr val="dk1">
-                    <a:alpha val="40000"/>
-                  </a:schemeClr>
-                </a:outerShdw>
-              </a:effectLst>
-            </a:endParaRPr>
-          </a:p>
-        </p:txBody>
-      </p:sp>
       <p:pic>
         <p:nvPicPr>
-          <p:cNvPr id="5" name="Picture 4">
-            <a:extLst>
-              <a:ext uri="{FF2B5EF4-FFF2-40B4-BE49-F238E27FC236}">
-                <a16:creationId xmlns:a16="http://schemas.microsoft.com/office/drawing/2014/main" id="{7B21FCC5-0609-826C-7178-9D8962AE3F5D}"/>
+          <p:cNvPr id="3" name="Picture 2">
+            <a:extLst>
+              <a:ext uri="{FF2B5EF4-FFF2-40B4-BE49-F238E27FC236}">
+                <a16:creationId xmlns:a16="http://schemas.microsoft.com/office/drawing/2014/main" id="{2A4A9790-E885-3A5C-31CF-9F3C3C77AE44}"/>
               </a:ext>
             </a:extLst>
           </p:cNvPr>
@@ -6994,20 +8824,74 @@
         </p:blipFill>
         <p:spPr>
           <a:xfrm>
-            <a:off x="2735216" y="374699"/>
-            <a:ext cx="8726118" cy="5734850"/>
+            <a:off x="3590812" y="-10656"/>
+            <a:ext cx="8548290" cy="6858000"/>
           </a:xfrm>
           <a:prstGeom prst="rect">
             <a:avLst/>
           </a:prstGeom>
         </p:spPr>
       </p:pic>
+      <p:sp>
+        <p:nvSpPr>
+          <p:cNvPr id="5" name="TextBox 4">
+            <a:extLst>
+              <a:ext uri="{FF2B5EF4-FFF2-40B4-BE49-F238E27FC236}">
+                <a16:creationId xmlns:a16="http://schemas.microsoft.com/office/drawing/2014/main" id="{B92F613D-0CC3-0607-6552-25F8D01766AF}"/>
+              </a:ext>
+            </a:extLst>
+          </p:cNvPr>
+          <p:cNvSpPr txBox="1"/>
+          <p:nvPr/>
+        </p:nvSpPr>
+        <p:spPr>
+          <a:xfrm>
+            <a:off x="434202" y="4343611"/>
+            <a:ext cx="3655963" cy="1754326"/>
+          </a:xfrm>
+          <a:prstGeom prst="rect">
+            <a:avLst/>
+          </a:prstGeom>
+          <a:noFill/>
+        </p:spPr>
+        <p:txBody>
+          <a:bodyPr wrap="square" rtlCol="0">
+            <a:spAutoFit/>
+          </a:bodyPr>
+          <a:lstStyle/>
+          <a:p>
+            <a:pPr algn="ctr"/>
+            <a:r>
+              <a:rPr lang="en-US" dirty="0"/>
+              <a:t>Insert the USB MIC into the RPI</a:t>
+            </a:r>
+          </a:p>
+          <a:p>
+            <a:pPr algn="ctr"/>
+            <a:r>
+              <a:rPr lang="en-US" dirty="0"/>
+              <a:t> (Not shown here)</a:t>
+            </a:r>
+          </a:p>
+          <a:p>
+            <a:pPr algn="ctr"/>
+            <a:endParaRPr lang="en-US" dirty="0"/>
+          </a:p>
+          <a:p>
+            <a:pPr algn="ctr"/>
+            <a:r>
+              <a:rPr lang="en-US" dirty="0"/>
+              <a:t>Insert the RPI and secure with 4 M2*4 screws. DO NOT OVER TIGHTEN OR USE LONGER SCREWS</a:t>
+            </a:r>
+          </a:p>
+        </p:txBody>
+      </p:sp>
       <p:pic>
         <p:nvPicPr>
-          <p:cNvPr id="9" name="Picture 8">
-            <a:extLst>
-              <a:ext uri="{FF2B5EF4-FFF2-40B4-BE49-F238E27FC236}">
-                <a16:creationId xmlns:a16="http://schemas.microsoft.com/office/drawing/2014/main" id="{54355D2A-B0AF-4BAE-74C5-2A087CADC1D8}"/>
+          <p:cNvPr id="6" name="Picture 5">
+            <a:extLst>
+              <a:ext uri="{FF2B5EF4-FFF2-40B4-BE49-F238E27FC236}">
+                <a16:creationId xmlns:a16="http://schemas.microsoft.com/office/drawing/2014/main" id="{80DC0825-FBA8-2EC6-519A-3FA53724EEC9}"/>
               </a:ext>
             </a:extLst>
           </p:cNvPr>
@@ -7017,120 +8901,39 @@
           <p:nvPr/>
         </p:nvPicPr>
         <p:blipFill>
-          <a:blip r:embed="rId5"/>
+          <a:blip r:embed="rId5">
+            <a:extLst>
+              <a:ext uri="{BEBA8EAE-BF5A-486C-A8C5-ECC9F3942E4B}">
+                <a14:imgProps xmlns:a14="http://schemas.microsoft.com/office/drawing/2010/main">
+                  <a14:imgLayer r:embed="rId6">
+                    <a14:imgEffect>
+                      <a14:backgroundRemoval t="10000" b="90000" l="10000" r="90000">
+                        <a14:foregroundMark x1="26892" y1="30478" x2="60548" y2="20927"/>
+                      </a14:backgroundRemoval>
+                    </a14:imgEffect>
+                  </a14:imgLayer>
+                </a14:imgProps>
+              </a:ext>
+            </a:extLst>
+          </a:blip>
           <a:stretch>
             <a:fillRect/>
           </a:stretch>
         </p:blipFill>
         <p:spPr>
           <a:xfrm>
-            <a:off x="31770" y="4086162"/>
-            <a:ext cx="1331894" cy="690904"/>
+            <a:off x="1658470" y="2908325"/>
+            <a:ext cx="1066372" cy="1222636"/>
           </a:xfrm>
           <a:prstGeom prst="rect">
             <a:avLst/>
           </a:prstGeom>
         </p:spPr>
       </p:pic>
-      <p:pic>
-        <p:nvPicPr>
-          <p:cNvPr id="12" name="Picture 11">
-            <a:extLst>
-              <a:ext uri="{FF2B5EF4-FFF2-40B4-BE49-F238E27FC236}">
-                <a16:creationId xmlns:a16="http://schemas.microsoft.com/office/drawing/2014/main" id="{71CC611E-768B-D6D7-DB32-2385AF53E3A2}"/>
-              </a:ext>
-            </a:extLst>
-          </p:cNvPr>
-          <p:cNvPicPr>
-            <a:picLocks noChangeAspect="1"/>
-          </p:cNvPicPr>
-          <p:nvPr/>
-        </p:nvPicPr>
-        <p:blipFill>
-          <a:blip r:embed="rId6"/>
-          <a:stretch>
-            <a:fillRect/>
-          </a:stretch>
-        </p:blipFill>
-        <p:spPr>
-          <a:xfrm>
-            <a:off x="18083" y="4924374"/>
-            <a:ext cx="1254905" cy="974024"/>
-          </a:xfrm>
-          <a:prstGeom prst="rect">
-            <a:avLst/>
-          </a:prstGeom>
-        </p:spPr>
-      </p:pic>
-      <p:pic>
-        <p:nvPicPr>
-          <p:cNvPr id="16" name="Picture 15">
-            <a:extLst>
-              <a:ext uri="{FF2B5EF4-FFF2-40B4-BE49-F238E27FC236}">
-                <a16:creationId xmlns:a16="http://schemas.microsoft.com/office/drawing/2014/main" id="{401DE354-5531-B49F-8D4E-A6B67172D84A}"/>
-              </a:ext>
-            </a:extLst>
-          </p:cNvPr>
-          <p:cNvPicPr>
-            <a:picLocks noChangeAspect="1"/>
-          </p:cNvPicPr>
-          <p:nvPr/>
-        </p:nvPicPr>
-        <p:blipFill>
-          <a:blip r:embed="rId7"/>
-          <a:stretch>
-            <a:fillRect/>
-          </a:stretch>
-        </p:blipFill>
-        <p:spPr>
-          <a:xfrm>
-            <a:off x="152399" y="6013798"/>
-            <a:ext cx="1033865" cy="596170"/>
-          </a:xfrm>
-          <a:prstGeom prst="rect">
-            <a:avLst/>
-          </a:prstGeom>
-        </p:spPr>
-      </p:pic>
-      <p:sp>
-        <p:nvSpPr>
-          <p:cNvPr id="17" name="TextBox 16">
-            <a:extLst>
-              <a:ext uri="{FF2B5EF4-FFF2-40B4-BE49-F238E27FC236}">
-                <a16:creationId xmlns:a16="http://schemas.microsoft.com/office/drawing/2014/main" id="{3A6EA8BB-3F5A-E4C3-B622-47A2DA0D8FEC}"/>
-              </a:ext>
-            </a:extLst>
-          </p:cNvPr>
-          <p:cNvSpPr txBox="1"/>
-          <p:nvPr/>
-        </p:nvSpPr>
-        <p:spPr>
-          <a:xfrm>
-            <a:off x="6615953" y="6052452"/>
-            <a:ext cx="4150658" cy="369332"/>
-          </a:xfrm>
-          <a:prstGeom prst="rect">
-            <a:avLst/>
-          </a:prstGeom>
-          <a:noFill/>
-        </p:spPr>
-        <p:txBody>
-          <a:bodyPr wrap="square" rtlCol="0">
-            <a:spAutoFit/>
-          </a:bodyPr>
-          <a:lstStyle/>
-          <a:p>
-            <a:r>
-              <a:rPr lang="en-US" dirty="0"/>
-              <a:t>*Rotate the servo to align the bolts</a:t>
-            </a:r>
-          </a:p>
-        </p:txBody>
-      </p:sp>
     </p:spTree>
     <p:extLst>
       <p:ext uri="{BB962C8B-B14F-4D97-AF65-F5344CB8AC3E}">
-        <p14:creationId xmlns:p14="http://schemas.microsoft.com/office/powerpoint/2010/main" val="2814248084"/>
+        <p14:creationId xmlns:p14="http://schemas.microsoft.com/office/powerpoint/2010/main" val="1696528928"/>
       </p:ext>
     </p:extLst>
   </p:cSld>
@@ -7148,7 +8951,7 @@
         <p:cNvPr id="1" name="">
           <a:extLst>
             <a:ext uri="{FF2B5EF4-FFF2-40B4-BE49-F238E27FC236}">
-              <a16:creationId xmlns:a16="http://schemas.microsoft.com/office/drawing/2014/main" id="{246327A9-B1F4-16A4-46A1-485EC1A84258}"/>
+              <a16:creationId xmlns:a16="http://schemas.microsoft.com/office/drawing/2014/main" id="{925E8D69-915E-11AC-12D3-271651733DAC}"/>
             </a:ext>
           </a:extLst>
         </p:cNvPr>
@@ -7168,7 +8971,7 @@
           <p:cNvPr id="13" name="Picture 12">
             <a:extLst>
               <a:ext uri="{FF2B5EF4-FFF2-40B4-BE49-F238E27FC236}">
-                <a16:creationId xmlns:a16="http://schemas.microsoft.com/office/drawing/2014/main" id="{EB03C7F0-51E7-C8E9-D77E-9FBEE37F6F57}"/>
+                <a16:creationId xmlns:a16="http://schemas.microsoft.com/office/drawing/2014/main" id="{3E4D15AF-3AFB-3C8E-2649-744FE2CD017F}"/>
               </a:ext>
             </a:extLst>
           </p:cNvPr>
@@ -7185,7 +8988,7 @@
         </p:blipFill>
         <p:spPr>
           <a:xfrm>
-            <a:off x="21551" y="15125"/>
+            <a:off x="0" y="0"/>
             <a:ext cx="12192000" cy="6858000"/>
           </a:xfrm>
           <a:prstGeom prst="rect">
@@ -7195,10 +8998,10 @@
       </p:pic>
       <p:sp>
         <p:nvSpPr>
-          <p:cNvPr id="15" name="TextBox 14">
-            <a:extLst>
-              <a:ext uri="{FF2B5EF4-FFF2-40B4-BE49-F238E27FC236}">
-                <a16:creationId xmlns:a16="http://schemas.microsoft.com/office/drawing/2014/main" id="{E73A725E-99E6-87CA-DDB5-026DEB438288}"/>
+          <p:cNvPr id="5" name="TextBox 4">
+            <a:extLst>
+              <a:ext uri="{FF2B5EF4-FFF2-40B4-BE49-F238E27FC236}">
+                <a16:creationId xmlns:a16="http://schemas.microsoft.com/office/drawing/2014/main" id="{2C0C418D-3448-443F-58CF-5C1DDFCB2831}"/>
               </a:ext>
             </a:extLst>
           </p:cNvPr>
@@ -7207,8 +9010,8 @@
         </p:nvSpPr>
         <p:spPr>
           <a:xfrm>
-            <a:off x="1106427" y="6052452"/>
-            <a:ext cx="1630343" cy="369332"/>
+            <a:off x="317661" y="2012787"/>
+            <a:ext cx="3655963" cy="2031325"/>
           </a:xfrm>
           <a:prstGeom prst="rect">
             <a:avLst/>
@@ -7224,145 +9027,49 @@
             <a:pPr algn="ctr"/>
             <a:r>
               <a:rPr lang="en-US" dirty="0"/>
-              <a:t>M3 14MM x4</a:t>
-            </a:r>
-          </a:p>
-        </p:txBody>
-      </p:sp>
-      <p:sp>
-        <p:nvSpPr>
-          <p:cNvPr id="20" name="TextBox 19">
-            <a:extLst>
-              <a:ext uri="{FF2B5EF4-FFF2-40B4-BE49-F238E27FC236}">
-                <a16:creationId xmlns:a16="http://schemas.microsoft.com/office/drawing/2014/main" id="{1C72A62D-4A62-8837-2B37-EA6B9D4411E5}"/>
-              </a:ext>
-            </a:extLst>
-          </p:cNvPr>
-          <p:cNvSpPr txBox="1"/>
-          <p:nvPr/>
-        </p:nvSpPr>
-        <p:spPr>
-          <a:xfrm>
-            <a:off x="1344239" y="5232991"/>
-            <a:ext cx="1630343" cy="646331"/>
-          </a:xfrm>
-          <a:prstGeom prst="rect">
-            <a:avLst/>
-          </a:prstGeom>
-          <a:noFill/>
-        </p:spPr>
-        <p:txBody>
-          <a:bodyPr wrap="square" rtlCol="0">
-            <a:spAutoFit/>
-          </a:bodyPr>
-          <a:lstStyle/>
-          <a:p>
-            <a:r>
-              <a:rPr lang="en-US" dirty="0"/>
-              <a:t>Arm Upper Servo Horn</a:t>
-            </a:r>
-          </a:p>
-        </p:txBody>
-      </p:sp>
-      <p:sp>
-        <p:nvSpPr>
-          <p:cNvPr id="21" name="TextBox 20">
-            <a:extLst>
-              <a:ext uri="{FF2B5EF4-FFF2-40B4-BE49-F238E27FC236}">
-                <a16:creationId xmlns:a16="http://schemas.microsoft.com/office/drawing/2014/main" id="{36147C90-7082-4376-34B8-DCC3CDF2E96A}"/>
-              </a:ext>
-            </a:extLst>
-          </p:cNvPr>
-          <p:cNvSpPr txBox="1"/>
-          <p:nvPr/>
-        </p:nvSpPr>
-        <p:spPr>
-          <a:xfrm>
-            <a:off x="1403512" y="4206013"/>
-            <a:ext cx="1920576" cy="369332"/>
-          </a:xfrm>
-          <a:prstGeom prst="rect">
-            <a:avLst/>
-          </a:prstGeom>
-          <a:noFill/>
-        </p:spPr>
-        <p:txBody>
-          <a:bodyPr wrap="square" rtlCol="0">
-            <a:spAutoFit/>
-          </a:bodyPr>
-          <a:lstStyle/>
-          <a:p>
-            <a:r>
-              <a:rPr lang="en-US" dirty="0"/>
-              <a:t>Servo</a:t>
-            </a:r>
-          </a:p>
-        </p:txBody>
-      </p:sp>
-      <p:sp>
-        <p:nvSpPr>
-          <p:cNvPr id="4" name="Rectangle 3">
-            <a:extLst>
-              <a:ext uri="{FF2B5EF4-FFF2-40B4-BE49-F238E27FC236}">
-                <a16:creationId xmlns:a16="http://schemas.microsoft.com/office/drawing/2014/main" id="{EA8CEB20-8B7D-813C-F204-211C6E9C8E7C}"/>
-              </a:ext>
-            </a:extLst>
-          </p:cNvPr>
-          <p:cNvSpPr/>
-          <p:nvPr/>
-        </p:nvSpPr>
-        <p:spPr>
-          <a:xfrm>
-            <a:off x="53759" y="-124391"/>
-            <a:ext cx="835485" cy="923330"/>
-          </a:xfrm>
-          <a:prstGeom prst="rect">
-            <a:avLst/>
-          </a:prstGeom>
-          <a:noFill/>
-        </p:spPr>
-        <p:txBody>
-          <a:bodyPr wrap="none" lIns="91440" tIns="45720" rIns="91440" bIns="45720">
-            <a:spAutoFit/>
-          </a:bodyPr>
-          <a:lstStyle/>
+              <a:t>Attach a METAL !!! (unable to print it WILL strip) </a:t>
+            </a:r>
+            <a:r>
+              <a:rPr lang="en-US" b="0" i="0" dirty="0">
+                <a:solidFill>
+                  <a:srgbClr val="0F1111"/>
+                </a:solidFill>
+                <a:effectLst/>
+                <a:latin typeface="Amazon Ember"/>
+              </a:rPr>
+              <a:t>25T Aluminum Servo Horn with M3 Threads to the servo using supplied hardware.</a:t>
+            </a:r>
+          </a:p>
           <a:p>
             <a:pPr algn="ctr"/>
-            <a:r>
-              <a:rPr lang="en-US" sz="5400" dirty="0">
-                <a:ln w="0"/>
-                <a:effectLst>
-                  <a:outerShdw blurRad="38100" dist="19050" dir="2700000" algn="tl" rotWithShape="0">
-                    <a:schemeClr val="dk1">
-                      <a:alpha val="40000"/>
-                    </a:schemeClr>
-                  </a:outerShdw>
-                </a:effectLst>
+            <a:endParaRPr lang="en-US" dirty="0">
+              <a:solidFill>
+                <a:srgbClr val="0F1111"/>
+              </a:solidFill>
+              <a:latin typeface="Amazon Ember"/>
+            </a:endParaRPr>
+          </a:p>
+          <a:p>
+            <a:pPr algn="ctr"/>
+            <a:r>
+              <a:rPr lang="en-US" b="0" i="0" dirty="0">
+                <a:solidFill>
+                  <a:srgbClr val="0F1111"/>
+                </a:solidFill>
+                <a:effectLst/>
+                <a:latin typeface="Amazon Ember"/>
               </a:rPr>
-              <a:t>x2</a:t>
-            </a:r>
-            <a:endParaRPr lang="en-US" sz="5400" b="0" cap="none" spc="0" dirty="0">
-              <a:ln w="0"/>
-              <a:solidFill>
-                <a:schemeClr val="tx1"/>
-              </a:solidFill>
-              <a:effectLst>
-                <a:outerShdw blurRad="38100" dist="19050" dir="2700000" algn="tl" rotWithShape="0">
-                  <a:schemeClr val="dk1">
-                    <a:alpha val="40000"/>
-                  </a:schemeClr>
-                </a:outerShdw>
-              </a:effectLst>
-            </a:endParaRPr>
+              <a:t>Attach upper connecting rod arm with M3*12 screw like arrow shown</a:t>
+            </a:r>
           </a:p>
         </p:txBody>
       </p:sp>
       <p:pic>
         <p:nvPicPr>
-          <p:cNvPr id="5" name="Picture 4">
-            <a:extLst>
-              <a:ext uri="{FF2B5EF4-FFF2-40B4-BE49-F238E27FC236}">
-                <a16:creationId xmlns:a16="http://schemas.microsoft.com/office/drawing/2014/main" id="{17035245-7501-C068-986F-C27AC99DA051}"/>
+          <p:cNvPr id="4" name="Picture 3">
+            <a:extLst>
+              <a:ext uri="{FF2B5EF4-FFF2-40B4-BE49-F238E27FC236}">
+                <a16:creationId xmlns:a16="http://schemas.microsoft.com/office/drawing/2014/main" id="{E5EAE2E7-BE13-2067-4D6F-E7B613423A5E}"/>
               </a:ext>
             </a:extLst>
           </p:cNvPr>
@@ -7379,110 +9086,20 @@
         </p:blipFill>
         <p:spPr>
           <a:xfrm>
-            <a:off x="2735216" y="374699"/>
-            <a:ext cx="8726118" cy="5734850"/>
+            <a:off x="4435085" y="568918"/>
+            <a:ext cx="6925642" cy="4877481"/>
           </a:xfrm>
           <a:prstGeom prst="rect">
             <a:avLst/>
           </a:prstGeom>
         </p:spPr>
       </p:pic>
-      <p:pic>
-        <p:nvPicPr>
-          <p:cNvPr id="9" name="Picture 8">
-            <a:extLst>
-              <a:ext uri="{FF2B5EF4-FFF2-40B4-BE49-F238E27FC236}">
-                <a16:creationId xmlns:a16="http://schemas.microsoft.com/office/drawing/2014/main" id="{DBAA4BD3-3C11-8EA4-AF57-B12B9B559023}"/>
-              </a:ext>
-            </a:extLst>
-          </p:cNvPr>
-          <p:cNvPicPr>
-            <a:picLocks noChangeAspect="1"/>
-          </p:cNvPicPr>
-          <p:nvPr/>
-        </p:nvPicPr>
-        <p:blipFill>
-          <a:blip r:embed="rId5"/>
-          <a:stretch>
-            <a:fillRect/>
-          </a:stretch>
-        </p:blipFill>
-        <p:spPr>
-          <a:xfrm>
-            <a:off x="31770" y="4086162"/>
-            <a:ext cx="1331894" cy="690904"/>
-          </a:xfrm>
-          <a:prstGeom prst="rect">
-            <a:avLst/>
-          </a:prstGeom>
-        </p:spPr>
-      </p:pic>
-      <p:pic>
-        <p:nvPicPr>
-          <p:cNvPr id="12" name="Picture 11">
-            <a:extLst>
-              <a:ext uri="{FF2B5EF4-FFF2-40B4-BE49-F238E27FC236}">
-                <a16:creationId xmlns:a16="http://schemas.microsoft.com/office/drawing/2014/main" id="{E280E4FD-EAB8-D0AF-761F-027C70E8AA6E}"/>
-              </a:ext>
-            </a:extLst>
-          </p:cNvPr>
-          <p:cNvPicPr>
-            <a:picLocks noChangeAspect="1"/>
-          </p:cNvPicPr>
-          <p:nvPr/>
-        </p:nvPicPr>
-        <p:blipFill>
-          <a:blip r:embed="rId6"/>
-          <a:stretch>
-            <a:fillRect/>
-          </a:stretch>
-        </p:blipFill>
-        <p:spPr>
-          <a:xfrm>
-            <a:off x="18083" y="4924374"/>
-            <a:ext cx="1254905" cy="974024"/>
-          </a:xfrm>
-          <a:prstGeom prst="rect">
-            <a:avLst/>
-          </a:prstGeom>
-        </p:spPr>
-      </p:pic>
-      <p:pic>
-        <p:nvPicPr>
-          <p:cNvPr id="16" name="Picture 15">
-            <a:extLst>
-              <a:ext uri="{FF2B5EF4-FFF2-40B4-BE49-F238E27FC236}">
-                <a16:creationId xmlns:a16="http://schemas.microsoft.com/office/drawing/2014/main" id="{C10130B6-C80A-D637-442D-FC8326FC89E0}"/>
-              </a:ext>
-            </a:extLst>
-          </p:cNvPr>
-          <p:cNvPicPr>
-            <a:picLocks noChangeAspect="1"/>
-          </p:cNvPicPr>
-          <p:nvPr/>
-        </p:nvPicPr>
-        <p:blipFill>
-          <a:blip r:embed="rId7"/>
-          <a:stretch>
-            <a:fillRect/>
-          </a:stretch>
-        </p:blipFill>
-        <p:spPr>
-          <a:xfrm>
-            <a:off x="152399" y="6013798"/>
-            <a:ext cx="1033865" cy="596170"/>
-          </a:xfrm>
-          <a:prstGeom prst="rect">
-            <a:avLst/>
-          </a:prstGeom>
-        </p:spPr>
-      </p:pic>
-      <p:sp>
-        <p:nvSpPr>
-          <p:cNvPr id="17" name="TextBox 16">
-            <a:extLst>
-              <a:ext uri="{FF2B5EF4-FFF2-40B4-BE49-F238E27FC236}">
-                <a16:creationId xmlns:a16="http://schemas.microsoft.com/office/drawing/2014/main" id="{DF080707-7FD5-C85B-5268-1C6F4C57B744}"/>
+      <p:sp>
+        <p:nvSpPr>
+          <p:cNvPr id="7" name="TextBox 6">
+            <a:extLst>
+              <a:ext uri="{FF2B5EF4-FFF2-40B4-BE49-F238E27FC236}">
+                <a16:creationId xmlns:a16="http://schemas.microsoft.com/office/drawing/2014/main" id="{751BB3E9-1B05-AFC9-C965-BF90F55A2AF9}"/>
               </a:ext>
             </a:extLst>
           </p:cNvPr>
@@ -7491,8 +9108,8 @@
         </p:nvSpPr>
         <p:spPr>
           <a:xfrm>
-            <a:off x="6615953" y="6052452"/>
-            <a:ext cx="4150658" cy="369332"/>
+            <a:off x="412377" y="71282"/>
+            <a:ext cx="11685494" cy="369332"/>
           </a:xfrm>
           <a:prstGeom prst="rect">
             <a:avLst/>
@@ -7500,22 +9117,91 @@
           <a:noFill/>
         </p:spPr>
         <p:txBody>
-          <a:bodyPr wrap="square" rtlCol="0">
+          <a:bodyPr wrap="square">
             <a:spAutoFit/>
           </a:bodyPr>
           <a:lstStyle/>
           <a:p>
             <a:r>
               <a:rPr lang="en-US" dirty="0"/>
-              <a:t>*Rotate the servo to align the bolts</a:t>
-            </a:r>
-          </a:p>
-        </p:txBody>
-      </p:sp>
+              <a:t>“</a:t>
+            </a:r>
+            <a:r>
+              <a:rPr lang="en-US" b="0" i="0" dirty="0">
+                <a:solidFill>
+                  <a:srgbClr val="0F1111"/>
+                </a:solidFill>
+                <a:effectLst/>
+                <a:latin typeface="Amazon Ember"/>
+              </a:rPr>
+              <a:t>5 Pack </a:t>
+            </a:r>
+            <a:r>
+              <a:rPr lang="en-US" b="0" i="0" dirty="0" err="1">
+                <a:solidFill>
+                  <a:srgbClr val="0F1111"/>
+                </a:solidFill>
+                <a:effectLst/>
+                <a:latin typeface="Amazon Ember"/>
+              </a:rPr>
+              <a:t>ShareGoo</a:t>
+            </a:r>
+            <a:r>
+              <a:rPr lang="en-US" b="0" i="0" dirty="0">
+                <a:solidFill>
+                  <a:srgbClr val="0F1111"/>
+                </a:solidFill>
+                <a:effectLst/>
+                <a:latin typeface="Amazon Ember"/>
+              </a:rPr>
+              <a:t> 25T Aluminum Servo Horns M3 Threads Metal Steering Arm for RC Car Truck Buggy Airplane-Black”</a:t>
+            </a:r>
+          </a:p>
+        </p:txBody>
+      </p:sp>
+      <p:cxnSp>
+        <p:nvCxnSpPr>
+          <p:cNvPr id="9" name="Straight Arrow Connector 8">
+            <a:extLst>
+              <a:ext uri="{FF2B5EF4-FFF2-40B4-BE49-F238E27FC236}">
+                <a16:creationId xmlns:a16="http://schemas.microsoft.com/office/drawing/2014/main" id="{8A75C1B0-FC49-FA5E-B78A-41DF846AE3DE}"/>
+              </a:ext>
+            </a:extLst>
+          </p:cNvPr>
+          <p:cNvCxnSpPr/>
+          <p:nvPr/>
+        </p:nvCxnSpPr>
+        <p:spPr>
+          <a:xfrm flipV="1">
+            <a:off x="6598024" y="3245224"/>
+            <a:ext cx="1559858" cy="1030941"/>
+          </a:xfrm>
+          <a:prstGeom prst="straightConnector1">
+            <a:avLst/>
+          </a:prstGeom>
+          <a:ln w="31750">
+            <a:tailEnd type="triangle"/>
+          </a:ln>
+        </p:spPr>
+        <p:style>
+          <a:lnRef idx="1">
+            <a:schemeClr val="dk1"/>
+          </a:lnRef>
+          <a:fillRef idx="0">
+            <a:schemeClr val="dk1"/>
+          </a:fillRef>
+          <a:effectRef idx="0">
+            <a:schemeClr val="dk1"/>
+          </a:effectRef>
+          <a:fontRef idx="minor">
+            <a:schemeClr val="tx1"/>
+          </a:fontRef>
+        </p:style>
+      </p:cxnSp>
     </p:spTree>
     <p:extLst>
       <p:ext uri="{BB962C8B-B14F-4D97-AF65-F5344CB8AC3E}">
-        <p14:creationId xmlns:p14="http://schemas.microsoft.com/office/powerpoint/2010/main" val="2271496560"/>
+        <p14:creationId xmlns:p14="http://schemas.microsoft.com/office/powerpoint/2010/main" val="3932926579"/>
       </p:ext>
     </p:extLst>
   </p:cSld>

--- a/TARS Instructions (WIP).pptx
+++ b/TARS Instructions (WIP).pptx
@@ -5,7 +5,7 @@
     <p:sldMasterId id="2147483648" r:id="rId1"/>
   </p:sldMasterIdLst>
   <p:notesMasterIdLst>
-    <p:notesMasterId r:id="rId15"/>
+    <p:notesMasterId r:id="rId23"/>
   </p:notesMasterIdLst>
   <p:sldIdLst>
     <p:sldId id="256" r:id="rId2"/>
@@ -19,8 +19,16 @@
     <p:sldId id="270" r:id="rId10"/>
     <p:sldId id="271" r:id="rId11"/>
     <p:sldId id="263" r:id="rId12"/>
-    <p:sldId id="264" r:id="rId13"/>
-    <p:sldId id="265" r:id="rId14"/>
+    <p:sldId id="273" r:id="rId13"/>
+    <p:sldId id="264" r:id="rId14"/>
+    <p:sldId id="265" r:id="rId15"/>
+    <p:sldId id="275" r:id="rId16"/>
+    <p:sldId id="274" r:id="rId17"/>
+    <p:sldId id="276" r:id="rId18"/>
+    <p:sldId id="277" r:id="rId19"/>
+    <p:sldId id="278" r:id="rId20"/>
+    <p:sldId id="279" r:id="rId21"/>
+    <p:sldId id="280" r:id="rId22"/>
   </p:sldIdLst>
   <p:sldSz cx="12192000" cy="6858000"/>
   <p:notesSz cx="6858000" cy="9144000"/>
@@ -568,6 +576,114 @@
         <p:cNvPr id="1" name="">
           <a:extLst>
             <a:ext uri="{FF2B5EF4-FFF2-40B4-BE49-F238E27FC236}">
+              <a16:creationId xmlns:a16="http://schemas.microsoft.com/office/drawing/2014/main" id="{84C3E7E2-C964-FF17-0C4B-1D2E3E26CE62}"/>
+            </a:ext>
+          </a:extLst>
+        </p:cNvPr>
+        <p:cNvGrpSpPr/>
+        <p:nvPr/>
+      </p:nvGrpSpPr>
+      <p:grpSpPr>
+        <a:xfrm>
+          <a:off x="0" y="0"/>
+          <a:ext cx="0" cy="0"/>
+          <a:chOff x="0" y="0"/>
+          <a:chExt cx="0" cy="0"/>
+        </a:xfrm>
+      </p:grpSpPr>
+      <p:sp>
+        <p:nvSpPr>
+          <p:cNvPr id="2" name="Slide Image Placeholder 1">
+            <a:extLst>
+              <a:ext uri="{FF2B5EF4-FFF2-40B4-BE49-F238E27FC236}">
+                <a16:creationId xmlns:a16="http://schemas.microsoft.com/office/drawing/2014/main" id="{D2CCA3AF-0B50-01F9-17FC-0CFCDDCB407E}"/>
+              </a:ext>
+            </a:extLst>
+          </p:cNvPr>
+          <p:cNvSpPr>
+            <a:spLocks noGrp="1" noRot="1" noChangeAspect="1"/>
+          </p:cNvSpPr>
+          <p:nvPr>
+            <p:ph type="sldImg"/>
+          </p:nvPr>
+        </p:nvSpPr>
+        <p:spPr/>
+      </p:sp>
+      <p:sp>
+        <p:nvSpPr>
+          <p:cNvPr id="3" name="Notes Placeholder 2">
+            <a:extLst>
+              <a:ext uri="{FF2B5EF4-FFF2-40B4-BE49-F238E27FC236}">
+                <a16:creationId xmlns:a16="http://schemas.microsoft.com/office/drawing/2014/main" id="{10E79EA1-67D2-76DD-F1A2-A4A2A153C482}"/>
+              </a:ext>
+            </a:extLst>
+          </p:cNvPr>
+          <p:cNvSpPr>
+            <a:spLocks noGrp="1"/>
+          </p:cNvSpPr>
+          <p:nvPr>
+            <p:ph type="body" idx="1"/>
+          </p:nvPr>
+        </p:nvSpPr>
+        <p:spPr/>
+        <p:txBody>
+          <a:bodyPr/>
+          <a:lstStyle/>
+          <a:p>
+            <a:endParaRPr lang="en-US" dirty="0"/>
+          </a:p>
+        </p:txBody>
+      </p:sp>
+      <p:sp>
+        <p:nvSpPr>
+          <p:cNvPr id="4" name="Slide Number Placeholder 3">
+            <a:extLst>
+              <a:ext uri="{FF2B5EF4-FFF2-40B4-BE49-F238E27FC236}">
+                <a16:creationId xmlns:a16="http://schemas.microsoft.com/office/drawing/2014/main" id="{C9C97CD3-FA8D-86BC-4BF6-99FFCE12C0E5}"/>
+              </a:ext>
+            </a:extLst>
+          </p:cNvPr>
+          <p:cNvSpPr>
+            <a:spLocks noGrp="1"/>
+          </p:cNvSpPr>
+          <p:nvPr>
+            <p:ph type="sldNum" sz="quarter" idx="5"/>
+          </p:nvPr>
+        </p:nvSpPr>
+        <p:spPr/>
+        <p:txBody>
+          <a:bodyPr/>
+          <a:lstStyle/>
+          <a:p>
+            <a:fld id="{4F9FBC38-293A-4128-8897-DC4F2AE6DC9E}" type="slidenum">
+              <a:rPr lang="en-US" smtClean="0"/>
+              <a:t>12</a:t>
+            </a:fld>
+            <a:endParaRPr lang="en-US"/>
+          </a:p>
+        </p:txBody>
+      </p:sp>
+    </p:spTree>
+    <p:extLst>
+      <p:ext uri="{BB962C8B-B14F-4D97-AF65-F5344CB8AC3E}">
+        <p14:creationId xmlns:p14="http://schemas.microsoft.com/office/powerpoint/2010/main" val="1307745206"/>
+      </p:ext>
+    </p:extLst>
+  </p:cSld>
+  <p:clrMapOvr>
+    <a:masterClrMapping/>
+  </p:clrMapOvr>
+</p:notes>
+</file>
+
+<file path=ppt/notesSlides/notesSlide11.xml><?xml version="1.0" encoding="utf-8"?>
+<p:notes xmlns:a="http://schemas.openxmlformats.org/drawingml/2006/main" xmlns:r="http://schemas.openxmlformats.org/officeDocument/2006/relationships" xmlns:p="http://schemas.openxmlformats.org/presentationml/2006/main">
+  <p:cSld>
+    <p:spTree>
+      <p:nvGrpSpPr>
+        <p:cNvPr id="1" name="">
+          <a:extLst>
+            <a:ext uri="{FF2B5EF4-FFF2-40B4-BE49-F238E27FC236}">
               <a16:creationId xmlns:a16="http://schemas.microsoft.com/office/drawing/2014/main" id="{83B0FD85-D835-411A-3B7D-72A1BDE1CA1E}"/>
             </a:ext>
           </a:extLst>
@@ -649,7 +765,7 @@
           <a:p>
             <a:fld id="{4F9FBC38-293A-4128-8897-DC4F2AE6DC9E}" type="slidenum">
               <a:rPr lang="en-US" smtClean="0"/>
-              <a:t>12</a:t>
+              <a:t>13</a:t>
             </a:fld>
             <a:endParaRPr lang="en-US"/>
           </a:p>
@@ -668,7 +784,7 @@
 </p:notes>
 </file>
 
-<file path=ppt/notesSlides/notesSlide11.xml><?xml version="1.0" encoding="utf-8"?>
+<file path=ppt/notesSlides/notesSlide12.xml><?xml version="1.0" encoding="utf-8"?>
 <p:notes xmlns:a="http://schemas.openxmlformats.org/drawingml/2006/main" xmlns:r="http://schemas.openxmlformats.org/officeDocument/2006/relationships" xmlns:p="http://schemas.openxmlformats.org/presentationml/2006/main">
   <p:cSld>
     <p:spTree>
@@ -757,7 +873,7 @@
           <a:p>
             <a:fld id="{4F9FBC38-293A-4128-8897-DC4F2AE6DC9E}" type="slidenum">
               <a:rPr lang="en-US" smtClean="0"/>
-              <a:t>13</a:t>
+              <a:t>14</a:t>
             </a:fld>
             <a:endParaRPr lang="en-US"/>
           </a:p>
@@ -767,6 +883,762 @@
     <p:extLst>
       <p:ext uri="{BB962C8B-B14F-4D97-AF65-F5344CB8AC3E}">
         <p14:creationId xmlns:p14="http://schemas.microsoft.com/office/powerpoint/2010/main" val="2658814446"/>
+      </p:ext>
+    </p:extLst>
+  </p:cSld>
+  <p:clrMapOvr>
+    <a:masterClrMapping/>
+  </p:clrMapOvr>
+</p:notes>
+</file>
+
+<file path=ppt/notesSlides/notesSlide13.xml><?xml version="1.0" encoding="utf-8"?>
+<p:notes xmlns:a="http://schemas.openxmlformats.org/drawingml/2006/main" xmlns:r="http://schemas.openxmlformats.org/officeDocument/2006/relationships" xmlns:p="http://schemas.openxmlformats.org/presentationml/2006/main">
+  <p:cSld>
+    <p:spTree>
+      <p:nvGrpSpPr>
+        <p:cNvPr id="1" name="">
+          <a:extLst>
+            <a:ext uri="{FF2B5EF4-FFF2-40B4-BE49-F238E27FC236}">
+              <a16:creationId xmlns:a16="http://schemas.microsoft.com/office/drawing/2014/main" id="{8850D0C2-AEC7-BAEA-E85A-9ABF217019F8}"/>
+            </a:ext>
+          </a:extLst>
+        </p:cNvPr>
+        <p:cNvGrpSpPr/>
+        <p:nvPr/>
+      </p:nvGrpSpPr>
+      <p:grpSpPr>
+        <a:xfrm>
+          <a:off x="0" y="0"/>
+          <a:ext cx="0" cy="0"/>
+          <a:chOff x="0" y="0"/>
+          <a:chExt cx="0" cy="0"/>
+        </a:xfrm>
+      </p:grpSpPr>
+      <p:sp>
+        <p:nvSpPr>
+          <p:cNvPr id="2" name="Slide Image Placeholder 1">
+            <a:extLst>
+              <a:ext uri="{FF2B5EF4-FFF2-40B4-BE49-F238E27FC236}">
+                <a16:creationId xmlns:a16="http://schemas.microsoft.com/office/drawing/2014/main" id="{48620084-3EC7-485C-9921-BF5A3C0FFC6E}"/>
+              </a:ext>
+            </a:extLst>
+          </p:cNvPr>
+          <p:cNvSpPr>
+            <a:spLocks noGrp="1" noRot="1" noChangeAspect="1"/>
+          </p:cNvSpPr>
+          <p:nvPr>
+            <p:ph type="sldImg"/>
+          </p:nvPr>
+        </p:nvSpPr>
+        <p:spPr/>
+      </p:sp>
+      <p:sp>
+        <p:nvSpPr>
+          <p:cNvPr id="3" name="Notes Placeholder 2">
+            <a:extLst>
+              <a:ext uri="{FF2B5EF4-FFF2-40B4-BE49-F238E27FC236}">
+                <a16:creationId xmlns:a16="http://schemas.microsoft.com/office/drawing/2014/main" id="{84659CD8-B910-26C5-8917-221EC844B964}"/>
+              </a:ext>
+            </a:extLst>
+          </p:cNvPr>
+          <p:cNvSpPr>
+            <a:spLocks noGrp="1"/>
+          </p:cNvSpPr>
+          <p:nvPr>
+            <p:ph type="body" idx="1"/>
+          </p:nvPr>
+        </p:nvSpPr>
+        <p:spPr/>
+        <p:txBody>
+          <a:bodyPr/>
+          <a:lstStyle/>
+          <a:p>
+            <a:endParaRPr lang="en-US" dirty="0"/>
+          </a:p>
+        </p:txBody>
+      </p:sp>
+      <p:sp>
+        <p:nvSpPr>
+          <p:cNvPr id="4" name="Slide Number Placeholder 3">
+            <a:extLst>
+              <a:ext uri="{FF2B5EF4-FFF2-40B4-BE49-F238E27FC236}">
+                <a16:creationId xmlns:a16="http://schemas.microsoft.com/office/drawing/2014/main" id="{D4F5C175-FCDC-8F34-9E51-0540ABB214F7}"/>
+              </a:ext>
+            </a:extLst>
+          </p:cNvPr>
+          <p:cNvSpPr>
+            <a:spLocks noGrp="1"/>
+          </p:cNvSpPr>
+          <p:nvPr>
+            <p:ph type="sldNum" sz="quarter" idx="5"/>
+          </p:nvPr>
+        </p:nvSpPr>
+        <p:spPr/>
+        <p:txBody>
+          <a:bodyPr/>
+          <a:lstStyle/>
+          <a:p>
+            <a:fld id="{4F9FBC38-293A-4128-8897-DC4F2AE6DC9E}" type="slidenum">
+              <a:rPr lang="en-US" smtClean="0"/>
+              <a:t>15</a:t>
+            </a:fld>
+            <a:endParaRPr lang="en-US"/>
+          </a:p>
+        </p:txBody>
+      </p:sp>
+    </p:spTree>
+    <p:extLst>
+      <p:ext uri="{BB962C8B-B14F-4D97-AF65-F5344CB8AC3E}">
+        <p14:creationId xmlns:p14="http://schemas.microsoft.com/office/powerpoint/2010/main" val="3053102624"/>
+      </p:ext>
+    </p:extLst>
+  </p:cSld>
+  <p:clrMapOvr>
+    <a:masterClrMapping/>
+  </p:clrMapOvr>
+</p:notes>
+</file>
+
+<file path=ppt/notesSlides/notesSlide14.xml><?xml version="1.0" encoding="utf-8"?>
+<p:notes xmlns:a="http://schemas.openxmlformats.org/drawingml/2006/main" xmlns:r="http://schemas.openxmlformats.org/officeDocument/2006/relationships" xmlns:p="http://schemas.openxmlformats.org/presentationml/2006/main">
+  <p:cSld>
+    <p:spTree>
+      <p:nvGrpSpPr>
+        <p:cNvPr id="1" name="">
+          <a:extLst>
+            <a:ext uri="{FF2B5EF4-FFF2-40B4-BE49-F238E27FC236}">
+              <a16:creationId xmlns:a16="http://schemas.microsoft.com/office/drawing/2014/main" id="{ED62941E-51A3-400E-EDDC-9A81F832BDB1}"/>
+            </a:ext>
+          </a:extLst>
+        </p:cNvPr>
+        <p:cNvGrpSpPr/>
+        <p:nvPr/>
+      </p:nvGrpSpPr>
+      <p:grpSpPr>
+        <a:xfrm>
+          <a:off x="0" y="0"/>
+          <a:ext cx="0" cy="0"/>
+          <a:chOff x="0" y="0"/>
+          <a:chExt cx="0" cy="0"/>
+        </a:xfrm>
+      </p:grpSpPr>
+      <p:sp>
+        <p:nvSpPr>
+          <p:cNvPr id="2" name="Slide Image Placeholder 1">
+            <a:extLst>
+              <a:ext uri="{FF2B5EF4-FFF2-40B4-BE49-F238E27FC236}">
+                <a16:creationId xmlns:a16="http://schemas.microsoft.com/office/drawing/2014/main" id="{F45D555C-B4A7-6EE7-8EAB-08B98F425C41}"/>
+              </a:ext>
+            </a:extLst>
+          </p:cNvPr>
+          <p:cNvSpPr>
+            <a:spLocks noGrp="1" noRot="1" noChangeAspect="1"/>
+          </p:cNvSpPr>
+          <p:nvPr>
+            <p:ph type="sldImg"/>
+          </p:nvPr>
+        </p:nvSpPr>
+        <p:spPr/>
+      </p:sp>
+      <p:sp>
+        <p:nvSpPr>
+          <p:cNvPr id="3" name="Notes Placeholder 2">
+            <a:extLst>
+              <a:ext uri="{FF2B5EF4-FFF2-40B4-BE49-F238E27FC236}">
+                <a16:creationId xmlns:a16="http://schemas.microsoft.com/office/drawing/2014/main" id="{DAC96480-BD4E-82EB-E400-B9F1C13796CF}"/>
+              </a:ext>
+            </a:extLst>
+          </p:cNvPr>
+          <p:cNvSpPr>
+            <a:spLocks noGrp="1"/>
+          </p:cNvSpPr>
+          <p:nvPr>
+            <p:ph type="body" idx="1"/>
+          </p:nvPr>
+        </p:nvSpPr>
+        <p:spPr/>
+        <p:txBody>
+          <a:bodyPr/>
+          <a:lstStyle/>
+          <a:p>
+            <a:endParaRPr lang="en-US" dirty="0"/>
+          </a:p>
+        </p:txBody>
+      </p:sp>
+      <p:sp>
+        <p:nvSpPr>
+          <p:cNvPr id="4" name="Slide Number Placeholder 3">
+            <a:extLst>
+              <a:ext uri="{FF2B5EF4-FFF2-40B4-BE49-F238E27FC236}">
+                <a16:creationId xmlns:a16="http://schemas.microsoft.com/office/drawing/2014/main" id="{3B324071-137F-9E24-8DD4-0E5A7AD11C19}"/>
+              </a:ext>
+            </a:extLst>
+          </p:cNvPr>
+          <p:cNvSpPr>
+            <a:spLocks noGrp="1"/>
+          </p:cNvSpPr>
+          <p:nvPr>
+            <p:ph type="sldNum" sz="quarter" idx="5"/>
+          </p:nvPr>
+        </p:nvSpPr>
+        <p:spPr/>
+        <p:txBody>
+          <a:bodyPr/>
+          <a:lstStyle/>
+          <a:p>
+            <a:fld id="{4F9FBC38-293A-4128-8897-DC4F2AE6DC9E}" type="slidenum">
+              <a:rPr lang="en-US" smtClean="0"/>
+              <a:t>16</a:t>
+            </a:fld>
+            <a:endParaRPr lang="en-US"/>
+          </a:p>
+        </p:txBody>
+      </p:sp>
+    </p:spTree>
+    <p:extLst>
+      <p:ext uri="{BB962C8B-B14F-4D97-AF65-F5344CB8AC3E}">
+        <p14:creationId xmlns:p14="http://schemas.microsoft.com/office/powerpoint/2010/main" val="2941340930"/>
+      </p:ext>
+    </p:extLst>
+  </p:cSld>
+  <p:clrMapOvr>
+    <a:masterClrMapping/>
+  </p:clrMapOvr>
+</p:notes>
+</file>
+
+<file path=ppt/notesSlides/notesSlide15.xml><?xml version="1.0" encoding="utf-8"?>
+<p:notes xmlns:a="http://schemas.openxmlformats.org/drawingml/2006/main" xmlns:r="http://schemas.openxmlformats.org/officeDocument/2006/relationships" xmlns:p="http://schemas.openxmlformats.org/presentationml/2006/main">
+  <p:cSld>
+    <p:spTree>
+      <p:nvGrpSpPr>
+        <p:cNvPr id="1" name="">
+          <a:extLst>
+            <a:ext uri="{FF2B5EF4-FFF2-40B4-BE49-F238E27FC236}">
+              <a16:creationId xmlns:a16="http://schemas.microsoft.com/office/drawing/2014/main" id="{5B36D138-9C3E-DACA-A2AF-DA33349166F2}"/>
+            </a:ext>
+          </a:extLst>
+        </p:cNvPr>
+        <p:cNvGrpSpPr/>
+        <p:nvPr/>
+      </p:nvGrpSpPr>
+      <p:grpSpPr>
+        <a:xfrm>
+          <a:off x="0" y="0"/>
+          <a:ext cx="0" cy="0"/>
+          <a:chOff x="0" y="0"/>
+          <a:chExt cx="0" cy="0"/>
+        </a:xfrm>
+      </p:grpSpPr>
+      <p:sp>
+        <p:nvSpPr>
+          <p:cNvPr id="2" name="Slide Image Placeholder 1">
+            <a:extLst>
+              <a:ext uri="{FF2B5EF4-FFF2-40B4-BE49-F238E27FC236}">
+                <a16:creationId xmlns:a16="http://schemas.microsoft.com/office/drawing/2014/main" id="{94647BC4-8544-E7DF-4C9B-5E5B8FD9460E}"/>
+              </a:ext>
+            </a:extLst>
+          </p:cNvPr>
+          <p:cNvSpPr>
+            <a:spLocks noGrp="1" noRot="1" noChangeAspect="1"/>
+          </p:cNvSpPr>
+          <p:nvPr>
+            <p:ph type="sldImg"/>
+          </p:nvPr>
+        </p:nvSpPr>
+        <p:spPr/>
+      </p:sp>
+      <p:sp>
+        <p:nvSpPr>
+          <p:cNvPr id="3" name="Notes Placeholder 2">
+            <a:extLst>
+              <a:ext uri="{FF2B5EF4-FFF2-40B4-BE49-F238E27FC236}">
+                <a16:creationId xmlns:a16="http://schemas.microsoft.com/office/drawing/2014/main" id="{9525BC0B-A86F-1A22-1FB4-5A1E1913B92F}"/>
+              </a:ext>
+            </a:extLst>
+          </p:cNvPr>
+          <p:cNvSpPr>
+            <a:spLocks noGrp="1"/>
+          </p:cNvSpPr>
+          <p:nvPr>
+            <p:ph type="body" idx="1"/>
+          </p:nvPr>
+        </p:nvSpPr>
+        <p:spPr/>
+        <p:txBody>
+          <a:bodyPr/>
+          <a:lstStyle/>
+          <a:p>
+            <a:endParaRPr lang="en-US" dirty="0"/>
+          </a:p>
+        </p:txBody>
+      </p:sp>
+      <p:sp>
+        <p:nvSpPr>
+          <p:cNvPr id="4" name="Slide Number Placeholder 3">
+            <a:extLst>
+              <a:ext uri="{FF2B5EF4-FFF2-40B4-BE49-F238E27FC236}">
+                <a16:creationId xmlns:a16="http://schemas.microsoft.com/office/drawing/2014/main" id="{3A2C5854-C21F-B19A-9DAE-6D9D8C470926}"/>
+              </a:ext>
+            </a:extLst>
+          </p:cNvPr>
+          <p:cNvSpPr>
+            <a:spLocks noGrp="1"/>
+          </p:cNvSpPr>
+          <p:nvPr>
+            <p:ph type="sldNum" sz="quarter" idx="5"/>
+          </p:nvPr>
+        </p:nvSpPr>
+        <p:spPr/>
+        <p:txBody>
+          <a:bodyPr/>
+          <a:lstStyle/>
+          <a:p>
+            <a:fld id="{4F9FBC38-293A-4128-8897-DC4F2AE6DC9E}" type="slidenum">
+              <a:rPr lang="en-US" smtClean="0"/>
+              <a:t>17</a:t>
+            </a:fld>
+            <a:endParaRPr lang="en-US"/>
+          </a:p>
+        </p:txBody>
+      </p:sp>
+    </p:spTree>
+    <p:extLst>
+      <p:ext uri="{BB962C8B-B14F-4D97-AF65-F5344CB8AC3E}">
+        <p14:creationId xmlns:p14="http://schemas.microsoft.com/office/powerpoint/2010/main" val="89796235"/>
+      </p:ext>
+    </p:extLst>
+  </p:cSld>
+  <p:clrMapOvr>
+    <a:masterClrMapping/>
+  </p:clrMapOvr>
+</p:notes>
+</file>
+
+<file path=ppt/notesSlides/notesSlide16.xml><?xml version="1.0" encoding="utf-8"?>
+<p:notes xmlns:a="http://schemas.openxmlformats.org/drawingml/2006/main" xmlns:r="http://schemas.openxmlformats.org/officeDocument/2006/relationships" xmlns:p="http://schemas.openxmlformats.org/presentationml/2006/main">
+  <p:cSld>
+    <p:spTree>
+      <p:nvGrpSpPr>
+        <p:cNvPr id="1" name="">
+          <a:extLst>
+            <a:ext uri="{FF2B5EF4-FFF2-40B4-BE49-F238E27FC236}">
+              <a16:creationId xmlns:a16="http://schemas.microsoft.com/office/drawing/2014/main" id="{7658F536-9650-CF64-8464-91591E41C89B}"/>
+            </a:ext>
+          </a:extLst>
+        </p:cNvPr>
+        <p:cNvGrpSpPr/>
+        <p:nvPr/>
+      </p:nvGrpSpPr>
+      <p:grpSpPr>
+        <a:xfrm>
+          <a:off x="0" y="0"/>
+          <a:ext cx="0" cy="0"/>
+          <a:chOff x="0" y="0"/>
+          <a:chExt cx="0" cy="0"/>
+        </a:xfrm>
+      </p:grpSpPr>
+      <p:sp>
+        <p:nvSpPr>
+          <p:cNvPr id="2" name="Slide Image Placeholder 1">
+            <a:extLst>
+              <a:ext uri="{FF2B5EF4-FFF2-40B4-BE49-F238E27FC236}">
+                <a16:creationId xmlns:a16="http://schemas.microsoft.com/office/drawing/2014/main" id="{3FFBD5E4-4D43-99AB-BE75-61615EADD528}"/>
+              </a:ext>
+            </a:extLst>
+          </p:cNvPr>
+          <p:cNvSpPr>
+            <a:spLocks noGrp="1" noRot="1" noChangeAspect="1"/>
+          </p:cNvSpPr>
+          <p:nvPr>
+            <p:ph type="sldImg"/>
+          </p:nvPr>
+        </p:nvSpPr>
+        <p:spPr/>
+      </p:sp>
+      <p:sp>
+        <p:nvSpPr>
+          <p:cNvPr id="3" name="Notes Placeholder 2">
+            <a:extLst>
+              <a:ext uri="{FF2B5EF4-FFF2-40B4-BE49-F238E27FC236}">
+                <a16:creationId xmlns:a16="http://schemas.microsoft.com/office/drawing/2014/main" id="{E93E8F5D-3AA3-73F4-1C35-2B128629E007}"/>
+              </a:ext>
+            </a:extLst>
+          </p:cNvPr>
+          <p:cNvSpPr>
+            <a:spLocks noGrp="1"/>
+          </p:cNvSpPr>
+          <p:nvPr>
+            <p:ph type="body" idx="1"/>
+          </p:nvPr>
+        </p:nvSpPr>
+        <p:spPr/>
+        <p:txBody>
+          <a:bodyPr/>
+          <a:lstStyle/>
+          <a:p>
+            <a:endParaRPr lang="en-US" dirty="0"/>
+          </a:p>
+        </p:txBody>
+      </p:sp>
+      <p:sp>
+        <p:nvSpPr>
+          <p:cNvPr id="4" name="Slide Number Placeholder 3">
+            <a:extLst>
+              <a:ext uri="{FF2B5EF4-FFF2-40B4-BE49-F238E27FC236}">
+                <a16:creationId xmlns:a16="http://schemas.microsoft.com/office/drawing/2014/main" id="{124E8664-DD16-330E-F355-164BE123DF57}"/>
+              </a:ext>
+            </a:extLst>
+          </p:cNvPr>
+          <p:cNvSpPr>
+            <a:spLocks noGrp="1"/>
+          </p:cNvSpPr>
+          <p:nvPr>
+            <p:ph type="sldNum" sz="quarter" idx="5"/>
+          </p:nvPr>
+        </p:nvSpPr>
+        <p:spPr/>
+        <p:txBody>
+          <a:bodyPr/>
+          <a:lstStyle/>
+          <a:p>
+            <a:fld id="{4F9FBC38-293A-4128-8897-DC4F2AE6DC9E}" type="slidenum">
+              <a:rPr lang="en-US" smtClean="0"/>
+              <a:t>18</a:t>
+            </a:fld>
+            <a:endParaRPr lang="en-US"/>
+          </a:p>
+        </p:txBody>
+      </p:sp>
+    </p:spTree>
+    <p:extLst>
+      <p:ext uri="{BB962C8B-B14F-4D97-AF65-F5344CB8AC3E}">
+        <p14:creationId xmlns:p14="http://schemas.microsoft.com/office/powerpoint/2010/main" val="1902816677"/>
+      </p:ext>
+    </p:extLst>
+  </p:cSld>
+  <p:clrMapOvr>
+    <a:masterClrMapping/>
+  </p:clrMapOvr>
+</p:notes>
+</file>
+
+<file path=ppt/notesSlides/notesSlide17.xml><?xml version="1.0" encoding="utf-8"?>
+<p:notes xmlns:a="http://schemas.openxmlformats.org/drawingml/2006/main" xmlns:r="http://schemas.openxmlformats.org/officeDocument/2006/relationships" xmlns:p="http://schemas.openxmlformats.org/presentationml/2006/main">
+  <p:cSld>
+    <p:spTree>
+      <p:nvGrpSpPr>
+        <p:cNvPr id="1" name="">
+          <a:extLst>
+            <a:ext uri="{FF2B5EF4-FFF2-40B4-BE49-F238E27FC236}">
+              <a16:creationId xmlns:a16="http://schemas.microsoft.com/office/drawing/2014/main" id="{F35E1D79-C164-5D8B-B32F-E73A4B9A9AD9}"/>
+            </a:ext>
+          </a:extLst>
+        </p:cNvPr>
+        <p:cNvGrpSpPr/>
+        <p:nvPr/>
+      </p:nvGrpSpPr>
+      <p:grpSpPr>
+        <a:xfrm>
+          <a:off x="0" y="0"/>
+          <a:ext cx="0" cy="0"/>
+          <a:chOff x="0" y="0"/>
+          <a:chExt cx="0" cy="0"/>
+        </a:xfrm>
+      </p:grpSpPr>
+      <p:sp>
+        <p:nvSpPr>
+          <p:cNvPr id="2" name="Slide Image Placeholder 1">
+            <a:extLst>
+              <a:ext uri="{FF2B5EF4-FFF2-40B4-BE49-F238E27FC236}">
+                <a16:creationId xmlns:a16="http://schemas.microsoft.com/office/drawing/2014/main" id="{2ABE6037-0DD8-5E7A-3638-090224FD273A}"/>
+              </a:ext>
+            </a:extLst>
+          </p:cNvPr>
+          <p:cNvSpPr>
+            <a:spLocks noGrp="1" noRot="1" noChangeAspect="1"/>
+          </p:cNvSpPr>
+          <p:nvPr>
+            <p:ph type="sldImg"/>
+          </p:nvPr>
+        </p:nvSpPr>
+        <p:spPr/>
+      </p:sp>
+      <p:sp>
+        <p:nvSpPr>
+          <p:cNvPr id="3" name="Notes Placeholder 2">
+            <a:extLst>
+              <a:ext uri="{FF2B5EF4-FFF2-40B4-BE49-F238E27FC236}">
+                <a16:creationId xmlns:a16="http://schemas.microsoft.com/office/drawing/2014/main" id="{53E0B767-545F-1606-6752-643BF6EE6BCA}"/>
+              </a:ext>
+            </a:extLst>
+          </p:cNvPr>
+          <p:cNvSpPr>
+            <a:spLocks noGrp="1"/>
+          </p:cNvSpPr>
+          <p:nvPr>
+            <p:ph type="body" idx="1"/>
+          </p:nvPr>
+        </p:nvSpPr>
+        <p:spPr/>
+        <p:txBody>
+          <a:bodyPr/>
+          <a:lstStyle/>
+          <a:p>
+            <a:endParaRPr lang="en-US" dirty="0"/>
+          </a:p>
+        </p:txBody>
+      </p:sp>
+      <p:sp>
+        <p:nvSpPr>
+          <p:cNvPr id="4" name="Slide Number Placeholder 3">
+            <a:extLst>
+              <a:ext uri="{FF2B5EF4-FFF2-40B4-BE49-F238E27FC236}">
+                <a16:creationId xmlns:a16="http://schemas.microsoft.com/office/drawing/2014/main" id="{0A7C27E1-19B7-922C-B2A1-044A7D04EA5A}"/>
+              </a:ext>
+            </a:extLst>
+          </p:cNvPr>
+          <p:cNvSpPr>
+            <a:spLocks noGrp="1"/>
+          </p:cNvSpPr>
+          <p:nvPr>
+            <p:ph type="sldNum" sz="quarter" idx="5"/>
+          </p:nvPr>
+        </p:nvSpPr>
+        <p:spPr/>
+        <p:txBody>
+          <a:bodyPr/>
+          <a:lstStyle/>
+          <a:p>
+            <a:fld id="{4F9FBC38-293A-4128-8897-DC4F2AE6DC9E}" type="slidenum">
+              <a:rPr lang="en-US" smtClean="0"/>
+              <a:t>19</a:t>
+            </a:fld>
+            <a:endParaRPr lang="en-US"/>
+          </a:p>
+        </p:txBody>
+      </p:sp>
+    </p:spTree>
+    <p:extLst>
+      <p:ext uri="{BB962C8B-B14F-4D97-AF65-F5344CB8AC3E}">
+        <p14:creationId xmlns:p14="http://schemas.microsoft.com/office/powerpoint/2010/main" val="288260083"/>
+      </p:ext>
+    </p:extLst>
+  </p:cSld>
+  <p:clrMapOvr>
+    <a:masterClrMapping/>
+  </p:clrMapOvr>
+</p:notes>
+</file>
+
+<file path=ppt/notesSlides/notesSlide18.xml><?xml version="1.0" encoding="utf-8"?>
+<p:notes xmlns:a="http://schemas.openxmlformats.org/drawingml/2006/main" xmlns:r="http://schemas.openxmlformats.org/officeDocument/2006/relationships" xmlns:p="http://schemas.openxmlformats.org/presentationml/2006/main">
+  <p:cSld>
+    <p:spTree>
+      <p:nvGrpSpPr>
+        <p:cNvPr id="1" name="">
+          <a:extLst>
+            <a:ext uri="{FF2B5EF4-FFF2-40B4-BE49-F238E27FC236}">
+              <a16:creationId xmlns:a16="http://schemas.microsoft.com/office/drawing/2014/main" id="{4DF6C6E2-4ED2-081B-B8B6-D532BE722164}"/>
+            </a:ext>
+          </a:extLst>
+        </p:cNvPr>
+        <p:cNvGrpSpPr/>
+        <p:nvPr/>
+      </p:nvGrpSpPr>
+      <p:grpSpPr>
+        <a:xfrm>
+          <a:off x="0" y="0"/>
+          <a:ext cx="0" cy="0"/>
+          <a:chOff x="0" y="0"/>
+          <a:chExt cx="0" cy="0"/>
+        </a:xfrm>
+      </p:grpSpPr>
+      <p:sp>
+        <p:nvSpPr>
+          <p:cNvPr id="2" name="Slide Image Placeholder 1">
+            <a:extLst>
+              <a:ext uri="{FF2B5EF4-FFF2-40B4-BE49-F238E27FC236}">
+                <a16:creationId xmlns:a16="http://schemas.microsoft.com/office/drawing/2014/main" id="{C58694F8-F1C6-0207-C0FB-68D829357724}"/>
+              </a:ext>
+            </a:extLst>
+          </p:cNvPr>
+          <p:cNvSpPr>
+            <a:spLocks noGrp="1" noRot="1" noChangeAspect="1"/>
+          </p:cNvSpPr>
+          <p:nvPr>
+            <p:ph type="sldImg"/>
+          </p:nvPr>
+        </p:nvSpPr>
+        <p:spPr/>
+      </p:sp>
+      <p:sp>
+        <p:nvSpPr>
+          <p:cNvPr id="3" name="Notes Placeholder 2">
+            <a:extLst>
+              <a:ext uri="{FF2B5EF4-FFF2-40B4-BE49-F238E27FC236}">
+                <a16:creationId xmlns:a16="http://schemas.microsoft.com/office/drawing/2014/main" id="{1CC0D16D-6350-70C7-3CC3-D9ACA0081CC1}"/>
+              </a:ext>
+            </a:extLst>
+          </p:cNvPr>
+          <p:cNvSpPr>
+            <a:spLocks noGrp="1"/>
+          </p:cNvSpPr>
+          <p:nvPr>
+            <p:ph type="body" idx="1"/>
+          </p:nvPr>
+        </p:nvSpPr>
+        <p:spPr/>
+        <p:txBody>
+          <a:bodyPr/>
+          <a:lstStyle/>
+          <a:p>
+            <a:endParaRPr lang="en-US" dirty="0"/>
+          </a:p>
+        </p:txBody>
+      </p:sp>
+      <p:sp>
+        <p:nvSpPr>
+          <p:cNvPr id="4" name="Slide Number Placeholder 3">
+            <a:extLst>
+              <a:ext uri="{FF2B5EF4-FFF2-40B4-BE49-F238E27FC236}">
+                <a16:creationId xmlns:a16="http://schemas.microsoft.com/office/drawing/2014/main" id="{6BA0C25E-5290-E12F-06BD-3EB947A3DCA1}"/>
+              </a:ext>
+            </a:extLst>
+          </p:cNvPr>
+          <p:cNvSpPr>
+            <a:spLocks noGrp="1"/>
+          </p:cNvSpPr>
+          <p:nvPr>
+            <p:ph type="sldNum" sz="quarter" idx="5"/>
+          </p:nvPr>
+        </p:nvSpPr>
+        <p:spPr/>
+        <p:txBody>
+          <a:bodyPr/>
+          <a:lstStyle/>
+          <a:p>
+            <a:fld id="{4F9FBC38-293A-4128-8897-DC4F2AE6DC9E}" type="slidenum">
+              <a:rPr lang="en-US" smtClean="0"/>
+              <a:t>20</a:t>
+            </a:fld>
+            <a:endParaRPr lang="en-US"/>
+          </a:p>
+        </p:txBody>
+      </p:sp>
+    </p:spTree>
+    <p:extLst>
+      <p:ext uri="{BB962C8B-B14F-4D97-AF65-F5344CB8AC3E}">
+        <p14:creationId xmlns:p14="http://schemas.microsoft.com/office/powerpoint/2010/main" val="2572480045"/>
+      </p:ext>
+    </p:extLst>
+  </p:cSld>
+  <p:clrMapOvr>
+    <a:masterClrMapping/>
+  </p:clrMapOvr>
+</p:notes>
+</file>
+
+<file path=ppt/notesSlides/notesSlide19.xml><?xml version="1.0" encoding="utf-8"?>
+<p:notes xmlns:a="http://schemas.openxmlformats.org/drawingml/2006/main" xmlns:r="http://schemas.openxmlformats.org/officeDocument/2006/relationships" xmlns:p="http://schemas.openxmlformats.org/presentationml/2006/main">
+  <p:cSld>
+    <p:spTree>
+      <p:nvGrpSpPr>
+        <p:cNvPr id="1" name="">
+          <a:extLst>
+            <a:ext uri="{FF2B5EF4-FFF2-40B4-BE49-F238E27FC236}">
+              <a16:creationId xmlns:a16="http://schemas.microsoft.com/office/drawing/2014/main" id="{40891FCE-8FE4-A174-525E-7FBBA33C9A71}"/>
+            </a:ext>
+          </a:extLst>
+        </p:cNvPr>
+        <p:cNvGrpSpPr/>
+        <p:nvPr/>
+      </p:nvGrpSpPr>
+      <p:grpSpPr>
+        <a:xfrm>
+          <a:off x="0" y="0"/>
+          <a:ext cx="0" cy="0"/>
+          <a:chOff x="0" y="0"/>
+          <a:chExt cx="0" cy="0"/>
+        </a:xfrm>
+      </p:grpSpPr>
+      <p:sp>
+        <p:nvSpPr>
+          <p:cNvPr id="2" name="Slide Image Placeholder 1">
+            <a:extLst>
+              <a:ext uri="{FF2B5EF4-FFF2-40B4-BE49-F238E27FC236}">
+                <a16:creationId xmlns:a16="http://schemas.microsoft.com/office/drawing/2014/main" id="{7C5B7ACD-94F2-BCB1-787B-F21F07CFB4B0}"/>
+              </a:ext>
+            </a:extLst>
+          </p:cNvPr>
+          <p:cNvSpPr>
+            <a:spLocks noGrp="1" noRot="1" noChangeAspect="1"/>
+          </p:cNvSpPr>
+          <p:nvPr>
+            <p:ph type="sldImg"/>
+          </p:nvPr>
+        </p:nvSpPr>
+        <p:spPr/>
+      </p:sp>
+      <p:sp>
+        <p:nvSpPr>
+          <p:cNvPr id="3" name="Notes Placeholder 2">
+            <a:extLst>
+              <a:ext uri="{FF2B5EF4-FFF2-40B4-BE49-F238E27FC236}">
+                <a16:creationId xmlns:a16="http://schemas.microsoft.com/office/drawing/2014/main" id="{0A80A554-8158-D019-6D6E-0D0EC5D26485}"/>
+              </a:ext>
+            </a:extLst>
+          </p:cNvPr>
+          <p:cNvSpPr>
+            <a:spLocks noGrp="1"/>
+          </p:cNvSpPr>
+          <p:nvPr>
+            <p:ph type="body" idx="1"/>
+          </p:nvPr>
+        </p:nvSpPr>
+        <p:spPr/>
+        <p:txBody>
+          <a:bodyPr/>
+          <a:lstStyle/>
+          <a:p>
+            <a:endParaRPr lang="en-US" dirty="0"/>
+          </a:p>
+        </p:txBody>
+      </p:sp>
+      <p:sp>
+        <p:nvSpPr>
+          <p:cNvPr id="4" name="Slide Number Placeholder 3">
+            <a:extLst>
+              <a:ext uri="{FF2B5EF4-FFF2-40B4-BE49-F238E27FC236}">
+                <a16:creationId xmlns:a16="http://schemas.microsoft.com/office/drawing/2014/main" id="{EAACF355-9166-1DB5-3BCB-C1CCA22998CA}"/>
+              </a:ext>
+            </a:extLst>
+          </p:cNvPr>
+          <p:cNvSpPr>
+            <a:spLocks noGrp="1"/>
+          </p:cNvSpPr>
+          <p:nvPr>
+            <p:ph type="sldNum" sz="quarter" idx="5"/>
+          </p:nvPr>
+        </p:nvSpPr>
+        <p:spPr/>
+        <p:txBody>
+          <a:bodyPr/>
+          <a:lstStyle/>
+          <a:p>
+            <a:fld id="{4F9FBC38-293A-4128-8897-DC4F2AE6DC9E}" type="slidenum">
+              <a:rPr lang="en-US" smtClean="0"/>
+              <a:t>21</a:t>
+            </a:fld>
+            <a:endParaRPr lang="en-US"/>
+          </a:p>
+        </p:txBody>
+      </p:sp>
+    </p:spTree>
+    <p:extLst>
+      <p:ext uri="{BB962C8B-B14F-4D97-AF65-F5344CB8AC3E}">
+        <p14:creationId xmlns:p14="http://schemas.microsoft.com/office/powerpoint/2010/main" val="2078016185"/>
       </p:ext>
     </p:extLst>
   </p:cSld>
@@ -5931,10 +6803,10 @@
       </p:pic>
       <p:pic>
         <p:nvPicPr>
-          <p:cNvPr id="8" name="Picture 7">
-            <a:extLst>
-              <a:ext uri="{FF2B5EF4-FFF2-40B4-BE49-F238E27FC236}">
-                <a16:creationId xmlns:a16="http://schemas.microsoft.com/office/drawing/2014/main" id="{174A0F44-0E3D-46EA-D710-85364EBD7C36}"/>
+          <p:cNvPr id="7" name="Picture 6">
+            <a:extLst>
+              <a:ext uri="{FF2B5EF4-FFF2-40B4-BE49-F238E27FC236}">
+                <a16:creationId xmlns:a16="http://schemas.microsoft.com/office/drawing/2014/main" id="{827BF666-5264-07D7-ECC4-8C27FA8D48FD}"/>
               </a:ext>
             </a:extLst>
           </p:cNvPr>
@@ -5951,144 +6823,8 @@
         </p:blipFill>
         <p:spPr>
           <a:xfrm>
-            <a:off x="45278" y="5855044"/>
-            <a:ext cx="1390844" cy="885949"/>
-          </a:xfrm>
-          <a:prstGeom prst="rect">
-            <a:avLst/>
-          </a:prstGeom>
-        </p:spPr>
-      </p:pic>
-      <p:sp>
-        <p:nvSpPr>
-          <p:cNvPr id="15" name="TextBox 14">
-            <a:extLst>
-              <a:ext uri="{FF2B5EF4-FFF2-40B4-BE49-F238E27FC236}">
-                <a16:creationId xmlns:a16="http://schemas.microsoft.com/office/drawing/2014/main" id="{9069BB49-60E8-18EB-5901-ACE63FA12F92}"/>
-              </a:ext>
-            </a:extLst>
-          </p:cNvPr>
-          <p:cNvSpPr txBox="1"/>
-          <p:nvPr/>
-        </p:nvSpPr>
-        <p:spPr>
-          <a:xfrm>
-            <a:off x="1107980" y="6000371"/>
-            <a:ext cx="1630343" cy="646331"/>
-          </a:xfrm>
-          <a:prstGeom prst="rect">
-            <a:avLst/>
-          </a:prstGeom>
-          <a:noFill/>
-        </p:spPr>
-        <p:txBody>
-          <a:bodyPr wrap="square" rtlCol="0">
-            <a:spAutoFit/>
-          </a:bodyPr>
-          <a:lstStyle/>
-          <a:p>
-            <a:pPr algn="ctr"/>
-            <a:r>
-              <a:rPr lang="en-US" dirty="0"/>
-              <a:t>Servo Horn Screw</a:t>
-            </a:r>
-          </a:p>
-        </p:txBody>
-      </p:sp>
-      <p:sp>
-        <p:nvSpPr>
-          <p:cNvPr id="20" name="TextBox 19">
-            <a:extLst>
-              <a:ext uri="{FF2B5EF4-FFF2-40B4-BE49-F238E27FC236}">
-                <a16:creationId xmlns:a16="http://schemas.microsoft.com/office/drawing/2014/main" id="{18052976-23FB-E72F-C1CC-2DBC68295054}"/>
-              </a:ext>
-            </a:extLst>
-          </p:cNvPr>
-          <p:cNvSpPr txBox="1"/>
-          <p:nvPr/>
-        </p:nvSpPr>
-        <p:spPr>
-          <a:xfrm>
-            <a:off x="1344239" y="5232991"/>
-            <a:ext cx="1630343" cy="646331"/>
-          </a:xfrm>
-          <a:prstGeom prst="rect">
-            <a:avLst/>
-          </a:prstGeom>
-          <a:noFill/>
-        </p:spPr>
-        <p:txBody>
-          <a:bodyPr wrap="square" rtlCol="0">
-            <a:spAutoFit/>
-          </a:bodyPr>
-          <a:lstStyle/>
-          <a:p>
-            <a:r>
-              <a:rPr lang="en-US" dirty="0"/>
-              <a:t>Arm Upper Servo Horn</a:t>
-            </a:r>
-          </a:p>
-        </p:txBody>
-      </p:sp>
-      <p:sp>
-        <p:nvSpPr>
-          <p:cNvPr id="21" name="TextBox 20">
-            <a:extLst>
-              <a:ext uri="{FF2B5EF4-FFF2-40B4-BE49-F238E27FC236}">
-                <a16:creationId xmlns:a16="http://schemas.microsoft.com/office/drawing/2014/main" id="{98A44E01-51E0-041B-4744-F5B2BC44A281}"/>
-              </a:ext>
-            </a:extLst>
-          </p:cNvPr>
-          <p:cNvSpPr txBox="1"/>
-          <p:nvPr/>
-        </p:nvSpPr>
-        <p:spPr>
-          <a:xfrm>
-            <a:off x="1403512" y="4206013"/>
-            <a:ext cx="1920576" cy="369332"/>
-          </a:xfrm>
-          <a:prstGeom prst="rect">
-            <a:avLst/>
-          </a:prstGeom>
-          <a:noFill/>
-        </p:spPr>
-        <p:txBody>
-          <a:bodyPr wrap="square" rtlCol="0">
-            <a:spAutoFit/>
-          </a:bodyPr>
-          <a:lstStyle/>
-          <a:p>
-            <a:r>
-              <a:rPr lang="en-US" dirty="0"/>
-              <a:t>Servo</a:t>
-            </a:r>
-          </a:p>
-        </p:txBody>
-      </p:sp>
-      <p:pic>
-        <p:nvPicPr>
-          <p:cNvPr id="3" name="Picture 2">
-            <a:extLst>
-              <a:ext uri="{FF2B5EF4-FFF2-40B4-BE49-F238E27FC236}">
-                <a16:creationId xmlns:a16="http://schemas.microsoft.com/office/drawing/2014/main" id="{2E733A0E-BE54-6562-13DE-09BD6A046F30}"/>
-              </a:ext>
-            </a:extLst>
-          </p:cNvPr>
-          <p:cNvPicPr>
-            <a:picLocks noChangeAspect="1"/>
-          </p:cNvPicPr>
-          <p:nvPr/>
-        </p:nvPicPr>
-        <p:blipFill>
-          <a:blip r:embed="rId5"/>
-          <a:stretch>
-            <a:fillRect/>
-          </a:stretch>
-        </p:blipFill>
-        <p:spPr>
-          <a:xfrm>
-            <a:off x="3909853" y="135328"/>
-            <a:ext cx="7346876" cy="6707547"/>
+            <a:off x="3628559" y="15125"/>
+            <a:ext cx="8340099" cy="6858000"/>
           </a:xfrm>
           <a:prstGeom prst="rect">
             <a:avLst/>
@@ -6153,66 +6889,6 @@
           </a:p>
         </p:txBody>
       </p:sp>
-      <p:pic>
-        <p:nvPicPr>
-          <p:cNvPr id="6" name="Picture 5">
-            <a:extLst>
-              <a:ext uri="{FF2B5EF4-FFF2-40B4-BE49-F238E27FC236}">
-                <a16:creationId xmlns:a16="http://schemas.microsoft.com/office/drawing/2014/main" id="{3A1705C8-D79D-8EC7-7972-124BDB00E075}"/>
-              </a:ext>
-            </a:extLst>
-          </p:cNvPr>
-          <p:cNvPicPr>
-            <a:picLocks noChangeAspect="1"/>
-          </p:cNvPicPr>
-          <p:nvPr/>
-        </p:nvPicPr>
-        <p:blipFill>
-          <a:blip r:embed="rId6"/>
-          <a:stretch>
-            <a:fillRect/>
-          </a:stretch>
-        </p:blipFill>
-        <p:spPr>
-          <a:xfrm>
-            <a:off x="223342" y="4923667"/>
-            <a:ext cx="884638" cy="982184"/>
-          </a:xfrm>
-          <a:prstGeom prst="rect">
-            <a:avLst/>
-          </a:prstGeom>
-        </p:spPr>
-      </p:pic>
-      <p:pic>
-        <p:nvPicPr>
-          <p:cNvPr id="11" name="Picture 10">
-            <a:extLst>
-              <a:ext uri="{FF2B5EF4-FFF2-40B4-BE49-F238E27FC236}">
-                <a16:creationId xmlns:a16="http://schemas.microsoft.com/office/drawing/2014/main" id="{6250E512-98A1-E009-5112-202D232BB758}"/>
-              </a:ext>
-            </a:extLst>
-          </p:cNvPr>
-          <p:cNvPicPr>
-            <a:picLocks noChangeAspect="1"/>
-          </p:cNvPicPr>
-          <p:nvPr/>
-        </p:nvPicPr>
-        <p:blipFill>
-          <a:blip r:embed="rId7"/>
-          <a:stretch>
-            <a:fillRect/>
-          </a:stretch>
-        </p:blipFill>
-        <p:spPr>
-          <a:xfrm>
-            <a:off x="21551" y="3863147"/>
-            <a:ext cx="1420368" cy="1018196"/>
-          </a:xfrm>
-          <a:prstGeom prst="rect">
-            <a:avLst/>
-          </a:prstGeom>
-        </p:spPr>
-      </p:pic>
       <p:sp>
         <p:nvSpPr>
           <p:cNvPr id="2" name="TextBox 1">
@@ -6244,7 +6920,7 @@
             <a:pPr algn="ctr"/>
             <a:r>
               <a:rPr lang="en-US" dirty="0"/>
-              <a:t>Connect servo to RPI first, the PORT and STARBOARD servos should go in pine 1 and 2 (the first pin is 0).</a:t>
+              <a:t>Press in the 608 bearing (metal or printed) in the Arm Left / Right Mount</a:t>
             </a:r>
             <a:endParaRPr lang="en-US" b="0" i="0" dirty="0">
               <a:solidFill>
@@ -6270,6 +6946,399 @@
 </file>
 
 <file path=ppt/slides/slide12.xml><?xml version="1.0" encoding="utf-8"?>
+<p:sld xmlns:a="http://schemas.openxmlformats.org/drawingml/2006/main" xmlns:r="http://schemas.openxmlformats.org/officeDocument/2006/relationships" xmlns:p="http://schemas.openxmlformats.org/presentationml/2006/main">
+  <p:cSld>
+    <p:spTree>
+      <p:nvGrpSpPr>
+        <p:cNvPr id="1" name="">
+          <a:extLst>
+            <a:ext uri="{FF2B5EF4-FFF2-40B4-BE49-F238E27FC236}">
+              <a16:creationId xmlns:a16="http://schemas.microsoft.com/office/drawing/2014/main" id="{F3AD3A0F-DEF1-1039-0AFD-7E52ECFA9E84}"/>
+            </a:ext>
+          </a:extLst>
+        </p:cNvPr>
+        <p:cNvGrpSpPr/>
+        <p:nvPr/>
+      </p:nvGrpSpPr>
+      <p:grpSpPr>
+        <a:xfrm>
+          <a:off x="0" y="0"/>
+          <a:ext cx="0" cy="0"/>
+          <a:chOff x="0" y="0"/>
+          <a:chExt cx="0" cy="0"/>
+        </a:xfrm>
+      </p:grpSpPr>
+      <p:pic>
+        <p:nvPicPr>
+          <p:cNvPr id="13" name="Picture 12">
+            <a:extLst>
+              <a:ext uri="{FF2B5EF4-FFF2-40B4-BE49-F238E27FC236}">
+                <a16:creationId xmlns:a16="http://schemas.microsoft.com/office/drawing/2014/main" id="{A4F33693-699C-5410-0B92-819CC76EED03}"/>
+              </a:ext>
+            </a:extLst>
+          </p:cNvPr>
+          <p:cNvPicPr>
+            <a:picLocks noChangeAspect="1"/>
+          </p:cNvPicPr>
+          <p:nvPr/>
+        </p:nvPicPr>
+        <p:blipFill>
+          <a:blip r:embed="rId3"/>
+          <a:stretch>
+            <a:fillRect/>
+          </a:stretch>
+        </p:blipFill>
+        <p:spPr>
+          <a:xfrm>
+            <a:off x="21551" y="15125"/>
+            <a:ext cx="12192000" cy="6858000"/>
+          </a:xfrm>
+          <a:prstGeom prst="rect">
+            <a:avLst/>
+          </a:prstGeom>
+        </p:spPr>
+      </p:pic>
+      <p:pic>
+        <p:nvPicPr>
+          <p:cNvPr id="8" name="Picture 7">
+            <a:extLst>
+              <a:ext uri="{FF2B5EF4-FFF2-40B4-BE49-F238E27FC236}">
+                <a16:creationId xmlns:a16="http://schemas.microsoft.com/office/drawing/2014/main" id="{18F63162-FCF9-3353-2878-13BAAFB1469B}"/>
+              </a:ext>
+            </a:extLst>
+          </p:cNvPr>
+          <p:cNvPicPr>
+            <a:picLocks noChangeAspect="1"/>
+          </p:cNvPicPr>
+          <p:nvPr/>
+        </p:nvPicPr>
+        <p:blipFill>
+          <a:blip r:embed="rId4"/>
+          <a:stretch>
+            <a:fillRect/>
+          </a:stretch>
+        </p:blipFill>
+        <p:spPr>
+          <a:xfrm>
+            <a:off x="45278" y="5855044"/>
+            <a:ext cx="1390844" cy="885949"/>
+          </a:xfrm>
+          <a:prstGeom prst="rect">
+            <a:avLst/>
+          </a:prstGeom>
+        </p:spPr>
+      </p:pic>
+      <p:sp>
+        <p:nvSpPr>
+          <p:cNvPr id="15" name="TextBox 14">
+            <a:extLst>
+              <a:ext uri="{FF2B5EF4-FFF2-40B4-BE49-F238E27FC236}">
+                <a16:creationId xmlns:a16="http://schemas.microsoft.com/office/drawing/2014/main" id="{18CECFC5-D0D6-8463-064A-4F3A53004C9D}"/>
+              </a:ext>
+            </a:extLst>
+          </p:cNvPr>
+          <p:cNvSpPr txBox="1"/>
+          <p:nvPr/>
+        </p:nvSpPr>
+        <p:spPr>
+          <a:xfrm>
+            <a:off x="1107980" y="6000371"/>
+            <a:ext cx="1630343" cy="646331"/>
+          </a:xfrm>
+          <a:prstGeom prst="rect">
+            <a:avLst/>
+          </a:prstGeom>
+          <a:noFill/>
+        </p:spPr>
+        <p:txBody>
+          <a:bodyPr wrap="square" rtlCol="0">
+            <a:spAutoFit/>
+          </a:bodyPr>
+          <a:lstStyle/>
+          <a:p>
+            <a:pPr algn="ctr"/>
+            <a:r>
+              <a:rPr lang="en-US" dirty="0"/>
+              <a:t>Servo Horn Screw</a:t>
+            </a:r>
+          </a:p>
+        </p:txBody>
+      </p:sp>
+      <p:sp>
+        <p:nvSpPr>
+          <p:cNvPr id="20" name="TextBox 19">
+            <a:extLst>
+              <a:ext uri="{FF2B5EF4-FFF2-40B4-BE49-F238E27FC236}">
+                <a16:creationId xmlns:a16="http://schemas.microsoft.com/office/drawing/2014/main" id="{61E8794E-FD93-A70A-950F-27DAE1F7F6B0}"/>
+              </a:ext>
+            </a:extLst>
+          </p:cNvPr>
+          <p:cNvSpPr txBox="1"/>
+          <p:nvPr/>
+        </p:nvSpPr>
+        <p:spPr>
+          <a:xfrm>
+            <a:off x="1344239" y="5232991"/>
+            <a:ext cx="1630343" cy="646331"/>
+          </a:xfrm>
+          <a:prstGeom prst="rect">
+            <a:avLst/>
+          </a:prstGeom>
+          <a:noFill/>
+        </p:spPr>
+        <p:txBody>
+          <a:bodyPr wrap="square" rtlCol="0">
+            <a:spAutoFit/>
+          </a:bodyPr>
+          <a:lstStyle/>
+          <a:p>
+            <a:r>
+              <a:rPr lang="en-US" dirty="0"/>
+              <a:t>Arm Upper Servo Horn</a:t>
+            </a:r>
+          </a:p>
+        </p:txBody>
+      </p:sp>
+      <p:sp>
+        <p:nvSpPr>
+          <p:cNvPr id="21" name="TextBox 20">
+            <a:extLst>
+              <a:ext uri="{FF2B5EF4-FFF2-40B4-BE49-F238E27FC236}">
+                <a16:creationId xmlns:a16="http://schemas.microsoft.com/office/drawing/2014/main" id="{C8BAE2B0-44E3-3EFD-59D3-B953591A8380}"/>
+              </a:ext>
+            </a:extLst>
+          </p:cNvPr>
+          <p:cNvSpPr txBox="1"/>
+          <p:nvPr/>
+        </p:nvSpPr>
+        <p:spPr>
+          <a:xfrm>
+            <a:off x="1403512" y="4206013"/>
+            <a:ext cx="1920576" cy="369332"/>
+          </a:xfrm>
+          <a:prstGeom prst="rect">
+            <a:avLst/>
+          </a:prstGeom>
+          <a:noFill/>
+        </p:spPr>
+        <p:txBody>
+          <a:bodyPr wrap="square" rtlCol="0">
+            <a:spAutoFit/>
+          </a:bodyPr>
+          <a:lstStyle/>
+          <a:p>
+            <a:r>
+              <a:rPr lang="en-US" dirty="0"/>
+              <a:t>Servo</a:t>
+            </a:r>
+          </a:p>
+        </p:txBody>
+      </p:sp>
+      <p:pic>
+        <p:nvPicPr>
+          <p:cNvPr id="3" name="Picture 2">
+            <a:extLst>
+              <a:ext uri="{FF2B5EF4-FFF2-40B4-BE49-F238E27FC236}">
+                <a16:creationId xmlns:a16="http://schemas.microsoft.com/office/drawing/2014/main" id="{F744BE84-C6DB-5972-E76A-13F115DEEF8C}"/>
+              </a:ext>
+            </a:extLst>
+          </p:cNvPr>
+          <p:cNvPicPr>
+            <a:picLocks noChangeAspect="1"/>
+          </p:cNvPicPr>
+          <p:nvPr/>
+        </p:nvPicPr>
+        <p:blipFill>
+          <a:blip r:embed="rId5"/>
+          <a:stretch>
+            <a:fillRect/>
+          </a:stretch>
+        </p:blipFill>
+        <p:spPr>
+          <a:xfrm>
+            <a:off x="3909853" y="135328"/>
+            <a:ext cx="7346876" cy="6707547"/>
+          </a:xfrm>
+          <a:prstGeom prst="rect">
+            <a:avLst/>
+          </a:prstGeom>
+        </p:spPr>
+      </p:pic>
+      <p:sp>
+        <p:nvSpPr>
+          <p:cNvPr id="4" name="Rectangle 3">
+            <a:extLst>
+              <a:ext uri="{FF2B5EF4-FFF2-40B4-BE49-F238E27FC236}">
+                <a16:creationId xmlns:a16="http://schemas.microsoft.com/office/drawing/2014/main" id="{060E164B-4D26-FC10-E029-14E294E02466}"/>
+              </a:ext>
+            </a:extLst>
+          </p:cNvPr>
+          <p:cNvSpPr/>
+          <p:nvPr/>
+        </p:nvSpPr>
+        <p:spPr>
+          <a:xfrm>
+            <a:off x="53759" y="-124391"/>
+            <a:ext cx="835485" cy="923330"/>
+          </a:xfrm>
+          <a:prstGeom prst="rect">
+            <a:avLst/>
+          </a:prstGeom>
+          <a:noFill/>
+        </p:spPr>
+        <p:txBody>
+          <a:bodyPr wrap="none" lIns="91440" tIns="45720" rIns="91440" bIns="45720">
+            <a:spAutoFit/>
+          </a:bodyPr>
+          <a:lstStyle/>
+          <a:p>
+            <a:pPr algn="ctr"/>
+            <a:r>
+              <a:rPr lang="en-US" sz="5400" dirty="0">
+                <a:ln w="0"/>
+                <a:effectLst>
+                  <a:outerShdw blurRad="38100" dist="19050" dir="2700000" algn="tl" rotWithShape="0">
+                    <a:schemeClr val="dk1">
+                      <a:alpha val="40000"/>
+                    </a:schemeClr>
+                  </a:outerShdw>
+                </a:effectLst>
+              </a:rPr>
+              <a:t>x2</a:t>
+            </a:r>
+            <a:endParaRPr lang="en-US" sz="5400" b="0" cap="none" spc="0" dirty="0">
+              <a:ln w="0"/>
+              <a:solidFill>
+                <a:schemeClr val="tx1"/>
+              </a:solidFill>
+              <a:effectLst>
+                <a:outerShdw blurRad="38100" dist="19050" dir="2700000" algn="tl" rotWithShape="0">
+                  <a:schemeClr val="dk1">
+                    <a:alpha val="40000"/>
+                  </a:schemeClr>
+                </a:outerShdw>
+              </a:effectLst>
+            </a:endParaRPr>
+          </a:p>
+        </p:txBody>
+      </p:sp>
+      <p:pic>
+        <p:nvPicPr>
+          <p:cNvPr id="6" name="Picture 5">
+            <a:extLst>
+              <a:ext uri="{FF2B5EF4-FFF2-40B4-BE49-F238E27FC236}">
+                <a16:creationId xmlns:a16="http://schemas.microsoft.com/office/drawing/2014/main" id="{E8EE0700-6D90-A30F-F20E-47FE8197F769}"/>
+              </a:ext>
+            </a:extLst>
+          </p:cNvPr>
+          <p:cNvPicPr>
+            <a:picLocks noChangeAspect="1"/>
+          </p:cNvPicPr>
+          <p:nvPr/>
+        </p:nvPicPr>
+        <p:blipFill>
+          <a:blip r:embed="rId6"/>
+          <a:stretch>
+            <a:fillRect/>
+          </a:stretch>
+        </p:blipFill>
+        <p:spPr>
+          <a:xfrm>
+            <a:off x="223342" y="4923667"/>
+            <a:ext cx="884638" cy="982184"/>
+          </a:xfrm>
+          <a:prstGeom prst="rect">
+            <a:avLst/>
+          </a:prstGeom>
+        </p:spPr>
+      </p:pic>
+      <p:pic>
+        <p:nvPicPr>
+          <p:cNvPr id="11" name="Picture 10">
+            <a:extLst>
+              <a:ext uri="{FF2B5EF4-FFF2-40B4-BE49-F238E27FC236}">
+                <a16:creationId xmlns:a16="http://schemas.microsoft.com/office/drawing/2014/main" id="{C38522B8-B1A1-9D98-99BC-3B32A9945386}"/>
+              </a:ext>
+            </a:extLst>
+          </p:cNvPr>
+          <p:cNvPicPr>
+            <a:picLocks noChangeAspect="1"/>
+          </p:cNvPicPr>
+          <p:nvPr/>
+        </p:nvPicPr>
+        <p:blipFill>
+          <a:blip r:embed="rId7"/>
+          <a:stretch>
+            <a:fillRect/>
+          </a:stretch>
+        </p:blipFill>
+        <p:spPr>
+          <a:xfrm>
+            <a:off x="21551" y="3863147"/>
+            <a:ext cx="1420368" cy="1018196"/>
+          </a:xfrm>
+          <a:prstGeom prst="rect">
+            <a:avLst/>
+          </a:prstGeom>
+        </p:spPr>
+      </p:pic>
+      <p:sp>
+        <p:nvSpPr>
+          <p:cNvPr id="2" name="TextBox 1">
+            <a:extLst>
+              <a:ext uri="{FF2B5EF4-FFF2-40B4-BE49-F238E27FC236}">
+                <a16:creationId xmlns:a16="http://schemas.microsoft.com/office/drawing/2014/main" id="{ECB28E13-06AA-DCE0-66FB-0340A2AFFF0B}"/>
+              </a:ext>
+            </a:extLst>
+          </p:cNvPr>
+          <p:cNvSpPr txBox="1"/>
+          <p:nvPr/>
+        </p:nvSpPr>
+        <p:spPr>
+          <a:xfrm>
+            <a:off x="471501" y="1141805"/>
+            <a:ext cx="3655963" cy="923330"/>
+          </a:xfrm>
+          <a:prstGeom prst="rect">
+            <a:avLst/>
+          </a:prstGeom>
+          <a:noFill/>
+        </p:spPr>
+        <p:txBody>
+          <a:bodyPr wrap="square" rtlCol="0">
+            <a:spAutoFit/>
+          </a:bodyPr>
+          <a:lstStyle/>
+          <a:p>
+            <a:pPr algn="ctr"/>
+            <a:r>
+              <a:rPr lang="en-US" dirty="0"/>
+              <a:t>Connect servo to RPI first, the PORT and STARBOARD servos should go in pine 1 and 2 (the first pin is 0).</a:t>
+            </a:r>
+            <a:endParaRPr lang="en-US" b="0" i="0" dirty="0">
+              <a:solidFill>
+                <a:srgbClr val="0F1111"/>
+              </a:solidFill>
+              <a:effectLst/>
+              <a:latin typeface="Amazon Ember"/>
+            </a:endParaRPr>
+          </a:p>
+        </p:txBody>
+      </p:sp>
+    </p:spTree>
+    <p:extLst>
+      <p:ext uri="{BB962C8B-B14F-4D97-AF65-F5344CB8AC3E}">
+        <p14:creationId xmlns:p14="http://schemas.microsoft.com/office/powerpoint/2010/main" val="993452311"/>
+      </p:ext>
+    </p:extLst>
+  </p:cSld>
+  <p:clrMapOvr>
+    <a:masterClrMapping/>
+  </p:clrMapOvr>
+</p:sld>
+</file>
+
+<file path=ppt/slides/slide13.xml><?xml version="1.0" encoding="utf-8"?>
 <p:sld xmlns:a="http://schemas.openxmlformats.org/drawingml/2006/main" xmlns:r="http://schemas.openxmlformats.org/officeDocument/2006/relationships" xmlns:p="http://schemas.openxmlformats.org/presentationml/2006/main">
   <p:cSld>
     <p:spTree>
@@ -6654,7 +7723,7 @@
 </p:sld>
 </file>
 
-<file path=ppt/slides/slide13.xml><?xml version="1.0" encoding="utf-8"?>
+<file path=ppt/slides/slide14.xml><?xml version="1.0" encoding="utf-8"?>
 <p:sld xmlns:a="http://schemas.openxmlformats.org/drawingml/2006/main" xmlns:r="http://schemas.openxmlformats.org/officeDocument/2006/relationships" xmlns:p="http://schemas.openxmlformats.org/presentationml/2006/main">
   <p:cSld>
     <p:spTree>
@@ -7030,6 +8099,987 @@
     <p:extLst>
       <p:ext uri="{BB962C8B-B14F-4D97-AF65-F5344CB8AC3E}">
         <p14:creationId xmlns:p14="http://schemas.microsoft.com/office/powerpoint/2010/main" val="2271496560"/>
+      </p:ext>
+    </p:extLst>
+  </p:cSld>
+  <p:clrMapOvr>
+    <a:masterClrMapping/>
+  </p:clrMapOvr>
+</p:sld>
+</file>
+
+<file path=ppt/slides/slide15.xml><?xml version="1.0" encoding="utf-8"?>
+<p:sld xmlns:a="http://schemas.openxmlformats.org/drawingml/2006/main" xmlns:r="http://schemas.openxmlformats.org/officeDocument/2006/relationships" xmlns:p="http://schemas.openxmlformats.org/presentationml/2006/main">
+  <p:cSld>
+    <p:spTree>
+      <p:nvGrpSpPr>
+        <p:cNvPr id="1" name="">
+          <a:extLst>
+            <a:ext uri="{FF2B5EF4-FFF2-40B4-BE49-F238E27FC236}">
+              <a16:creationId xmlns:a16="http://schemas.microsoft.com/office/drawing/2014/main" id="{E0961129-83C0-2FC0-9DD0-4842DEB20D81}"/>
+            </a:ext>
+          </a:extLst>
+        </p:cNvPr>
+        <p:cNvGrpSpPr/>
+        <p:nvPr/>
+      </p:nvGrpSpPr>
+      <p:grpSpPr>
+        <a:xfrm>
+          <a:off x="0" y="0"/>
+          <a:ext cx="0" cy="0"/>
+          <a:chOff x="0" y="0"/>
+          <a:chExt cx="0" cy="0"/>
+        </a:xfrm>
+      </p:grpSpPr>
+      <p:pic>
+        <p:nvPicPr>
+          <p:cNvPr id="13" name="Picture 12">
+            <a:extLst>
+              <a:ext uri="{FF2B5EF4-FFF2-40B4-BE49-F238E27FC236}">
+                <a16:creationId xmlns:a16="http://schemas.microsoft.com/office/drawing/2014/main" id="{63C06E52-C158-9089-F517-C7BFBAC05D21}"/>
+              </a:ext>
+            </a:extLst>
+          </p:cNvPr>
+          <p:cNvPicPr>
+            <a:picLocks noChangeAspect="1"/>
+          </p:cNvPicPr>
+          <p:nvPr/>
+        </p:nvPicPr>
+        <p:blipFill>
+          <a:blip r:embed="rId3"/>
+          <a:stretch>
+            <a:fillRect/>
+          </a:stretch>
+        </p:blipFill>
+        <p:spPr>
+          <a:xfrm>
+            <a:off x="21551" y="15125"/>
+            <a:ext cx="12192000" cy="6858000"/>
+          </a:xfrm>
+          <a:prstGeom prst="rect">
+            <a:avLst/>
+          </a:prstGeom>
+        </p:spPr>
+      </p:pic>
+      <p:pic>
+        <p:nvPicPr>
+          <p:cNvPr id="3" name="Picture 2">
+            <a:extLst>
+              <a:ext uri="{FF2B5EF4-FFF2-40B4-BE49-F238E27FC236}">
+                <a16:creationId xmlns:a16="http://schemas.microsoft.com/office/drawing/2014/main" id="{2AE7D5C8-188F-4BF2-F295-24FF4FE2B2FA}"/>
+              </a:ext>
+            </a:extLst>
+          </p:cNvPr>
+          <p:cNvPicPr>
+            <a:picLocks noChangeAspect="1"/>
+          </p:cNvPicPr>
+          <p:nvPr/>
+        </p:nvPicPr>
+        <p:blipFill>
+          <a:blip r:embed="rId4"/>
+          <a:stretch>
+            <a:fillRect/>
+          </a:stretch>
+        </p:blipFill>
+        <p:spPr>
+          <a:xfrm>
+            <a:off x="4887067" y="1445589"/>
+            <a:ext cx="5430008" cy="3572374"/>
+          </a:xfrm>
+          <a:prstGeom prst="rect">
+            <a:avLst/>
+          </a:prstGeom>
+        </p:spPr>
+      </p:pic>
+      <p:sp>
+        <p:nvSpPr>
+          <p:cNvPr id="6" name="TextBox 5">
+            <a:extLst>
+              <a:ext uri="{FF2B5EF4-FFF2-40B4-BE49-F238E27FC236}">
+                <a16:creationId xmlns:a16="http://schemas.microsoft.com/office/drawing/2014/main" id="{EF0F1DAB-F509-4FBA-C9B8-15A3A2508FCD}"/>
+              </a:ext>
+            </a:extLst>
+          </p:cNvPr>
+          <p:cNvSpPr txBox="1"/>
+          <p:nvPr/>
+        </p:nvSpPr>
+        <p:spPr>
+          <a:xfrm>
+            <a:off x="471501" y="1141805"/>
+            <a:ext cx="3655963" cy="646331"/>
+          </a:xfrm>
+          <a:prstGeom prst="rect">
+            <a:avLst/>
+          </a:prstGeom>
+          <a:noFill/>
+        </p:spPr>
+        <p:txBody>
+          <a:bodyPr wrap="square" rtlCol="0">
+            <a:spAutoFit/>
+          </a:bodyPr>
+          <a:lstStyle/>
+          <a:p>
+            <a:pPr algn="ctr"/>
+            <a:r>
+              <a:rPr lang="en-US" dirty="0"/>
+              <a:t>Insert secondary Axle main lifting rod into center servo.</a:t>
+            </a:r>
+            <a:endParaRPr lang="en-US" b="0" i="0" dirty="0">
+              <a:solidFill>
+                <a:srgbClr val="0F1111"/>
+              </a:solidFill>
+              <a:effectLst/>
+              <a:latin typeface="Amazon Ember"/>
+            </a:endParaRPr>
+          </a:p>
+        </p:txBody>
+      </p:sp>
+    </p:spTree>
+    <p:extLst>
+      <p:ext uri="{BB962C8B-B14F-4D97-AF65-F5344CB8AC3E}">
+        <p14:creationId xmlns:p14="http://schemas.microsoft.com/office/powerpoint/2010/main" val="657512318"/>
+      </p:ext>
+    </p:extLst>
+  </p:cSld>
+  <p:clrMapOvr>
+    <a:masterClrMapping/>
+  </p:clrMapOvr>
+</p:sld>
+</file>
+
+<file path=ppt/slides/slide16.xml><?xml version="1.0" encoding="utf-8"?>
+<p:sld xmlns:a="http://schemas.openxmlformats.org/drawingml/2006/main" xmlns:r="http://schemas.openxmlformats.org/officeDocument/2006/relationships" xmlns:p="http://schemas.openxmlformats.org/presentationml/2006/main">
+  <p:cSld>
+    <p:spTree>
+      <p:nvGrpSpPr>
+        <p:cNvPr id="1" name="">
+          <a:extLst>
+            <a:ext uri="{FF2B5EF4-FFF2-40B4-BE49-F238E27FC236}">
+              <a16:creationId xmlns:a16="http://schemas.microsoft.com/office/drawing/2014/main" id="{DEC77A47-64A4-AB26-0BF7-88DDF58EFACA}"/>
+            </a:ext>
+          </a:extLst>
+        </p:cNvPr>
+        <p:cNvGrpSpPr/>
+        <p:nvPr/>
+      </p:nvGrpSpPr>
+      <p:grpSpPr>
+        <a:xfrm>
+          <a:off x="0" y="0"/>
+          <a:ext cx="0" cy="0"/>
+          <a:chOff x="0" y="0"/>
+          <a:chExt cx="0" cy="0"/>
+        </a:xfrm>
+      </p:grpSpPr>
+      <p:pic>
+        <p:nvPicPr>
+          <p:cNvPr id="13" name="Picture 12">
+            <a:extLst>
+              <a:ext uri="{FF2B5EF4-FFF2-40B4-BE49-F238E27FC236}">
+                <a16:creationId xmlns:a16="http://schemas.microsoft.com/office/drawing/2014/main" id="{19612EE8-7B66-0386-EB2A-5CFA208870BA}"/>
+              </a:ext>
+            </a:extLst>
+          </p:cNvPr>
+          <p:cNvPicPr>
+            <a:picLocks noChangeAspect="1"/>
+          </p:cNvPicPr>
+          <p:nvPr/>
+        </p:nvPicPr>
+        <p:blipFill>
+          <a:blip r:embed="rId3"/>
+          <a:stretch>
+            <a:fillRect/>
+          </a:stretch>
+        </p:blipFill>
+        <p:spPr>
+          <a:xfrm>
+            <a:off x="21551" y="15125"/>
+            <a:ext cx="12192000" cy="6858000"/>
+          </a:xfrm>
+          <a:prstGeom prst="rect">
+            <a:avLst/>
+          </a:prstGeom>
+        </p:spPr>
+      </p:pic>
+      <p:pic>
+        <p:nvPicPr>
+          <p:cNvPr id="3" name="Picture 2">
+            <a:extLst>
+              <a:ext uri="{FF2B5EF4-FFF2-40B4-BE49-F238E27FC236}">
+                <a16:creationId xmlns:a16="http://schemas.microsoft.com/office/drawing/2014/main" id="{1D0BBBC3-AD83-E395-1766-1F45D2CB7402}"/>
+              </a:ext>
+            </a:extLst>
+          </p:cNvPr>
+          <p:cNvPicPr>
+            <a:picLocks noChangeAspect="1"/>
+          </p:cNvPicPr>
+          <p:nvPr/>
+        </p:nvPicPr>
+        <p:blipFill>
+          <a:blip r:embed="rId4"/>
+          <a:stretch>
+            <a:fillRect/>
+          </a:stretch>
+        </p:blipFill>
+        <p:spPr>
+          <a:xfrm>
+            <a:off x="1995508" y="15125"/>
+            <a:ext cx="10174941" cy="6858000"/>
+          </a:xfrm>
+          <a:prstGeom prst="rect">
+            <a:avLst/>
+          </a:prstGeom>
+        </p:spPr>
+      </p:pic>
+      <p:sp>
+        <p:nvSpPr>
+          <p:cNvPr id="6" name="TextBox 5">
+            <a:extLst>
+              <a:ext uri="{FF2B5EF4-FFF2-40B4-BE49-F238E27FC236}">
+                <a16:creationId xmlns:a16="http://schemas.microsoft.com/office/drawing/2014/main" id="{4D8D0FAC-498C-0467-BEBE-802484700E47}"/>
+              </a:ext>
+            </a:extLst>
+          </p:cNvPr>
+          <p:cNvSpPr txBox="1"/>
+          <p:nvPr/>
+        </p:nvSpPr>
+        <p:spPr>
+          <a:xfrm>
+            <a:off x="21551" y="774252"/>
+            <a:ext cx="3655963" cy="2031325"/>
+          </a:xfrm>
+          <a:prstGeom prst="rect">
+            <a:avLst/>
+          </a:prstGeom>
+          <a:noFill/>
+        </p:spPr>
+        <p:txBody>
+          <a:bodyPr wrap="square" rtlCol="0">
+            <a:spAutoFit/>
+          </a:bodyPr>
+          <a:lstStyle/>
+          <a:p>
+            <a:pPr algn="ctr"/>
+            <a:r>
+              <a:rPr lang="en-US" dirty="0"/>
+              <a:t>Slide the Left arm mount in </a:t>
+            </a:r>
+          </a:p>
+          <a:p>
+            <a:pPr algn="ctr"/>
+            <a:endParaRPr lang="en-US" dirty="0"/>
+          </a:p>
+          <a:p>
+            <a:pPr algn="ctr"/>
+            <a:r>
+              <a:rPr lang="en-US" b="0" i="0" dirty="0">
+                <a:solidFill>
+                  <a:srgbClr val="0F1111"/>
+                </a:solidFill>
+                <a:effectLst/>
+                <a:latin typeface="Amazon Ember"/>
+              </a:rPr>
+              <a:t>Slid</a:t>
+            </a:r>
+            <a:r>
+              <a:rPr lang="en-US" dirty="0">
+                <a:solidFill>
+                  <a:srgbClr val="0F1111"/>
+                </a:solidFill>
+                <a:latin typeface="Amazon Ember"/>
+              </a:rPr>
+              <a:t>e in upper rod and screw into place.</a:t>
+            </a:r>
+          </a:p>
+          <a:p>
+            <a:pPr algn="ctr"/>
+            <a:endParaRPr lang="en-US" b="0" i="0" dirty="0">
+              <a:solidFill>
+                <a:srgbClr val="0F1111"/>
+              </a:solidFill>
+              <a:effectLst/>
+              <a:latin typeface="Amazon Ember"/>
+            </a:endParaRPr>
+          </a:p>
+          <a:p>
+            <a:pPr algn="ctr"/>
+            <a:r>
+              <a:rPr lang="en-US" dirty="0">
+                <a:solidFill>
+                  <a:srgbClr val="0F1111"/>
+                </a:solidFill>
+                <a:latin typeface="Amazon Ember"/>
+              </a:rPr>
+              <a:t>Repeat process on </a:t>
+            </a:r>
+          </a:p>
+          <a:p>
+            <a:pPr algn="ctr"/>
+            <a:r>
+              <a:rPr lang="en-US" dirty="0">
+                <a:solidFill>
+                  <a:srgbClr val="0F1111"/>
+                </a:solidFill>
+                <a:latin typeface="Amazon Ember"/>
+              </a:rPr>
+              <a:t>right side</a:t>
+            </a:r>
+            <a:endParaRPr lang="en-US" b="0" i="0" dirty="0">
+              <a:solidFill>
+                <a:srgbClr val="0F1111"/>
+              </a:solidFill>
+              <a:effectLst/>
+              <a:latin typeface="Amazon Ember"/>
+            </a:endParaRPr>
+          </a:p>
+        </p:txBody>
+      </p:sp>
+      <p:cxnSp>
+        <p:nvCxnSpPr>
+          <p:cNvPr id="8" name="Straight Arrow Connector 7">
+            <a:extLst>
+              <a:ext uri="{FF2B5EF4-FFF2-40B4-BE49-F238E27FC236}">
+                <a16:creationId xmlns:a16="http://schemas.microsoft.com/office/drawing/2014/main" id="{176E3147-E36D-806F-BDB6-9F374AF59912}"/>
+              </a:ext>
+            </a:extLst>
+          </p:cNvPr>
+          <p:cNvCxnSpPr/>
+          <p:nvPr/>
+        </p:nvCxnSpPr>
+        <p:spPr>
+          <a:xfrm>
+            <a:off x="4867835" y="1488142"/>
+            <a:ext cx="0" cy="394447"/>
+          </a:xfrm>
+          <a:prstGeom prst="straightConnector1">
+            <a:avLst/>
+          </a:prstGeom>
+          <a:ln>
+            <a:tailEnd type="triangle"/>
+          </a:ln>
+        </p:spPr>
+        <p:style>
+          <a:lnRef idx="1">
+            <a:schemeClr val="dk1"/>
+          </a:lnRef>
+          <a:fillRef idx="0">
+            <a:schemeClr val="dk1"/>
+          </a:fillRef>
+          <a:effectRef idx="0">
+            <a:schemeClr val="dk1"/>
+          </a:effectRef>
+          <a:fontRef idx="minor">
+            <a:schemeClr val="tx1"/>
+          </a:fontRef>
+        </p:style>
+      </p:cxnSp>
+      <p:cxnSp>
+        <p:nvCxnSpPr>
+          <p:cNvPr id="10" name="Straight Arrow Connector 9">
+            <a:extLst>
+              <a:ext uri="{FF2B5EF4-FFF2-40B4-BE49-F238E27FC236}">
+                <a16:creationId xmlns:a16="http://schemas.microsoft.com/office/drawing/2014/main" id="{C3A54043-0FBD-A3E8-CA64-33A867804212}"/>
+              </a:ext>
+            </a:extLst>
+          </p:cNvPr>
+          <p:cNvCxnSpPr/>
+          <p:nvPr/>
+        </p:nvCxnSpPr>
+        <p:spPr>
+          <a:xfrm>
+            <a:off x="5163670" y="1479177"/>
+            <a:ext cx="0" cy="394447"/>
+          </a:xfrm>
+          <a:prstGeom prst="straightConnector1">
+            <a:avLst/>
+          </a:prstGeom>
+          <a:ln>
+            <a:tailEnd type="triangle"/>
+          </a:ln>
+        </p:spPr>
+        <p:style>
+          <a:lnRef idx="1">
+            <a:schemeClr val="dk1"/>
+          </a:lnRef>
+          <a:fillRef idx="0">
+            <a:schemeClr val="dk1"/>
+          </a:fillRef>
+          <a:effectRef idx="0">
+            <a:schemeClr val="dk1"/>
+          </a:effectRef>
+          <a:fontRef idx="minor">
+            <a:schemeClr val="tx1"/>
+          </a:fontRef>
+        </p:style>
+      </p:cxnSp>
+    </p:spTree>
+    <p:extLst>
+      <p:ext uri="{BB962C8B-B14F-4D97-AF65-F5344CB8AC3E}">
+        <p14:creationId xmlns:p14="http://schemas.microsoft.com/office/powerpoint/2010/main" val="3645881239"/>
+      </p:ext>
+    </p:extLst>
+  </p:cSld>
+  <p:clrMapOvr>
+    <a:masterClrMapping/>
+  </p:clrMapOvr>
+</p:sld>
+</file>
+
+<file path=ppt/slides/slide17.xml><?xml version="1.0" encoding="utf-8"?>
+<p:sld xmlns:a="http://schemas.openxmlformats.org/drawingml/2006/main" xmlns:r="http://schemas.openxmlformats.org/officeDocument/2006/relationships" xmlns:p="http://schemas.openxmlformats.org/presentationml/2006/main">
+  <p:cSld>
+    <p:spTree>
+      <p:nvGrpSpPr>
+        <p:cNvPr id="1" name="">
+          <a:extLst>
+            <a:ext uri="{FF2B5EF4-FFF2-40B4-BE49-F238E27FC236}">
+              <a16:creationId xmlns:a16="http://schemas.microsoft.com/office/drawing/2014/main" id="{65EA4B15-1CA8-039B-4A88-E51A1B7F75E8}"/>
+            </a:ext>
+          </a:extLst>
+        </p:cNvPr>
+        <p:cNvGrpSpPr/>
+        <p:nvPr/>
+      </p:nvGrpSpPr>
+      <p:grpSpPr>
+        <a:xfrm>
+          <a:off x="0" y="0"/>
+          <a:ext cx="0" cy="0"/>
+          <a:chOff x="0" y="0"/>
+          <a:chExt cx="0" cy="0"/>
+        </a:xfrm>
+      </p:grpSpPr>
+      <p:pic>
+        <p:nvPicPr>
+          <p:cNvPr id="13" name="Picture 12">
+            <a:extLst>
+              <a:ext uri="{FF2B5EF4-FFF2-40B4-BE49-F238E27FC236}">
+                <a16:creationId xmlns:a16="http://schemas.microsoft.com/office/drawing/2014/main" id="{2BE26BCC-C0A6-CFA2-D948-B6FA60707BBE}"/>
+              </a:ext>
+            </a:extLst>
+          </p:cNvPr>
+          <p:cNvPicPr>
+            <a:picLocks noChangeAspect="1"/>
+          </p:cNvPicPr>
+          <p:nvPr/>
+        </p:nvPicPr>
+        <p:blipFill>
+          <a:blip r:embed="rId3"/>
+          <a:stretch>
+            <a:fillRect/>
+          </a:stretch>
+        </p:blipFill>
+        <p:spPr>
+          <a:xfrm>
+            <a:off x="21551" y="15125"/>
+            <a:ext cx="12192000" cy="6858000"/>
+          </a:xfrm>
+          <a:prstGeom prst="rect">
+            <a:avLst/>
+          </a:prstGeom>
+        </p:spPr>
+      </p:pic>
+      <p:cxnSp>
+        <p:nvCxnSpPr>
+          <p:cNvPr id="8" name="Straight Arrow Connector 7">
+            <a:extLst>
+              <a:ext uri="{FF2B5EF4-FFF2-40B4-BE49-F238E27FC236}">
+                <a16:creationId xmlns:a16="http://schemas.microsoft.com/office/drawing/2014/main" id="{9FCC086E-C47F-9AD7-A405-351A84B759CF}"/>
+              </a:ext>
+            </a:extLst>
+          </p:cNvPr>
+          <p:cNvCxnSpPr/>
+          <p:nvPr/>
+        </p:nvCxnSpPr>
+        <p:spPr>
+          <a:xfrm>
+            <a:off x="4867835" y="1488142"/>
+            <a:ext cx="0" cy="394447"/>
+          </a:xfrm>
+          <a:prstGeom prst="straightConnector1">
+            <a:avLst/>
+          </a:prstGeom>
+          <a:ln>
+            <a:tailEnd type="triangle"/>
+          </a:ln>
+        </p:spPr>
+        <p:style>
+          <a:lnRef idx="1">
+            <a:schemeClr val="dk1"/>
+          </a:lnRef>
+          <a:fillRef idx="0">
+            <a:schemeClr val="dk1"/>
+          </a:fillRef>
+          <a:effectRef idx="0">
+            <a:schemeClr val="dk1"/>
+          </a:effectRef>
+          <a:fontRef idx="minor">
+            <a:schemeClr val="tx1"/>
+          </a:fontRef>
+        </p:style>
+      </p:cxnSp>
+      <p:cxnSp>
+        <p:nvCxnSpPr>
+          <p:cNvPr id="10" name="Straight Arrow Connector 9">
+            <a:extLst>
+              <a:ext uri="{FF2B5EF4-FFF2-40B4-BE49-F238E27FC236}">
+                <a16:creationId xmlns:a16="http://schemas.microsoft.com/office/drawing/2014/main" id="{AA1C3029-1645-6795-FC5A-DB2E0AA6DBB9}"/>
+              </a:ext>
+            </a:extLst>
+          </p:cNvPr>
+          <p:cNvCxnSpPr/>
+          <p:nvPr/>
+        </p:nvCxnSpPr>
+        <p:spPr>
+          <a:xfrm>
+            <a:off x="5163670" y="1479177"/>
+            <a:ext cx="0" cy="394447"/>
+          </a:xfrm>
+          <a:prstGeom prst="straightConnector1">
+            <a:avLst/>
+          </a:prstGeom>
+          <a:ln>
+            <a:tailEnd type="triangle"/>
+          </a:ln>
+        </p:spPr>
+        <p:style>
+          <a:lnRef idx="1">
+            <a:schemeClr val="dk1"/>
+          </a:lnRef>
+          <a:fillRef idx="0">
+            <a:schemeClr val="dk1"/>
+          </a:fillRef>
+          <a:effectRef idx="0">
+            <a:schemeClr val="dk1"/>
+          </a:effectRef>
+          <a:fontRef idx="minor">
+            <a:schemeClr val="tx1"/>
+          </a:fontRef>
+        </p:style>
+      </p:cxnSp>
+      <p:pic>
+        <p:nvPicPr>
+          <p:cNvPr id="4" name="Picture 3">
+            <a:extLst>
+              <a:ext uri="{FF2B5EF4-FFF2-40B4-BE49-F238E27FC236}">
+                <a16:creationId xmlns:a16="http://schemas.microsoft.com/office/drawing/2014/main" id="{A879584B-4F67-7415-DF5D-7811223814D9}"/>
+              </a:ext>
+            </a:extLst>
+          </p:cNvPr>
+          <p:cNvPicPr>
+            <a:picLocks noChangeAspect="1"/>
+          </p:cNvPicPr>
+          <p:nvPr/>
+        </p:nvPicPr>
+        <p:blipFill>
+          <a:blip r:embed="rId4"/>
+          <a:stretch>
+            <a:fillRect/>
+          </a:stretch>
+        </p:blipFill>
+        <p:spPr>
+          <a:xfrm>
+            <a:off x="2860035" y="15125"/>
+            <a:ext cx="9310414" cy="6858000"/>
+          </a:xfrm>
+          <a:prstGeom prst="rect">
+            <a:avLst/>
+          </a:prstGeom>
+        </p:spPr>
+      </p:pic>
+      <p:sp>
+        <p:nvSpPr>
+          <p:cNvPr id="6" name="TextBox 5">
+            <a:extLst>
+              <a:ext uri="{FF2B5EF4-FFF2-40B4-BE49-F238E27FC236}">
+                <a16:creationId xmlns:a16="http://schemas.microsoft.com/office/drawing/2014/main" id="{60966C45-99EC-BE27-018A-910C535FCDAD}"/>
+              </a:ext>
+            </a:extLst>
+          </p:cNvPr>
+          <p:cNvSpPr txBox="1"/>
+          <p:nvPr/>
+        </p:nvSpPr>
+        <p:spPr>
+          <a:xfrm>
+            <a:off x="21551" y="774252"/>
+            <a:ext cx="3655963" cy="646331"/>
+          </a:xfrm>
+          <a:prstGeom prst="rect">
+            <a:avLst/>
+          </a:prstGeom>
+          <a:noFill/>
+        </p:spPr>
+        <p:txBody>
+          <a:bodyPr wrap="square" rtlCol="0">
+            <a:spAutoFit/>
+          </a:bodyPr>
+          <a:lstStyle/>
+          <a:p>
+            <a:pPr algn="ctr"/>
+            <a:r>
+              <a:rPr lang="en-US" dirty="0"/>
+              <a:t>Rotate main arms and slide in center servo rod assembly.</a:t>
+            </a:r>
+          </a:p>
+        </p:txBody>
+      </p:sp>
+    </p:spTree>
+    <p:extLst>
+      <p:ext uri="{BB962C8B-B14F-4D97-AF65-F5344CB8AC3E}">
+        <p14:creationId xmlns:p14="http://schemas.microsoft.com/office/powerpoint/2010/main" val="94351655"/>
+      </p:ext>
+    </p:extLst>
+  </p:cSld>
+  <p:clrMapOvr>
+    <a:masterClrMapping/>
+  </p:clrMapOvr>
+</p:sld>
+</file>
+
+<file path=ppt/slides/slide18.xml><?xml version="1.0" encoding="utf-8"?>
+<p:sld xmlns:a="http://schemas.openxmlformats.org/drawingml/2006/main" xmlns:r="http://schemas.openxmlformats.org/officeDocument/2006/relationships" xmlns:p="http://schemas.openxmlformats.org/presentationml/2006/main">
+  <p:cSld>
+    <p:spTree>
+      <p:nvGrpSpPr>
+        <p:cNvPr id="1" name="">
+          <a:extLst>
+            <a:ext uri="{FF2B5EF4-FFF2-40B4-BE49-F238E27FC236}">
+              <a16:creationId xmlns:a16="http://schemas.microsoft.com/office/drawing/2014/main" id="{C9829520-10E3-298B-1413-89388ACEF997}"/>
+            </a:ext>
+          </a:extLst>
+        </p:cNvPr>
+        <p:cNvGrpSpPr/>
+        <p:nvPr/>
+      </p:nvGrpSpPr>
+      <p:grpSpPr>
+        <a:xfrm>
+          <a:off x="0" y="0"/>
+          <a:ext cx="0" cy="0"/>
+          <a:chOff x="0" y="0"/>
+          <a:chExt cx="0" cy="0"/>
+        </a:xfrm>
+      </p:grpSpPr>
+      <p:pic>
+        <p:nvPicPr>
+          <p:cNvPr id="13" name="Picture 12">
+            <a:extLst>
+              <a:ext uri="{FF2B5EF4-FFF2-40B4-BE49-F238E27FC236}">
+                <a16:creationId xmlns:a16="http://schemas.microsoft.com/office/drawing/2014/main" id="{0B713A9C-7404-25D1-114A-1F1CDE862585}"/>
+              </a:ext>
+            </a:extLst>
+          </p:cNvPr>
+          <p:cNvPicPr>
+            <a:picLocks noChangeAspect="1"/>
+          </p:cNvPicPr>
+          <p:nvPr/>
+        </p:nvPicPr>
+        <p:blipFill>
+          <a:blip r:embed="rId3"/>
+          <a:stretch>
+            <a:fillRect/>
+          </a:stretch>
+        </p:blipFill>
+        <p:spPr>
+          <a:xfrm>
+            <a:off x="21551" y="15125"/>
+            <a:ext cx="12192000" cy="6858000"/>
+          </a:xfrm>
+          <a:prstGeom prst="rect">
+            <a:avLst/>
+          </a:prstGeom>
+        </p:spPr>
+      </p:pic>
+      <p:pic>
+        <p:nvPicPr>
+          <p:cNvPr id="3" name="Picture 2">
+            <a:extLst>
+              <a:ext uri="{FF2B5EF4-FFF2-40B4-BE49-F238E27FC236}">
+                <a16:creationId xmlns:a16="http://schemas.microsoft.com/office/drawing/2014/main" id="{E54DED4D-B0A9-7A13-35C5-175970AC9C9A}"/>
+              </a:ext>
+            </a:extLst>
+          </p:cNvPr>
+          <p:cNvPicPr>
+            <a:picLocks noChangeAspect="1"/>
+          </p:cNvPicPr>
+          <p:nvPr/>
+        </p:nvPicPr>
+        <p:blipFill>
+          <a:blip r:embed="rId4"/>
+          <a:stretch>
+            <a:fillRect/>
+          </a:stretch>
+        </p:blipFill>
+        <p:spPr>
+          <a:xfrm>
+            <a:off x="1779904" y="395221"/>
+            <a:ext cx="10174120" cy="6477904"/>
+          </a:xfrm>
+          <a:prstGeom prst="rect">
+            <a:avLst/>
+          </a:prstGeom>
+        </p:spPr>
+      </p:pic>
+      <p:cxnSp>
+        <p:nvCxnSpPr>
+          <p:cNvPr id="8" name="Straight Arrow Connector 7">
+            <a:extLst>
+              <a:ext uri="{FF2B5EF4-FFF2-40B4-BE49-F238E27FC236}">
+                <a16:creationId xmlns:a16="http://schemas.microsoft.com/office/drawing/2014/main" id="{48EA7408-CFA5-7A68-40DE-7C49725B6A3E}"/>
+              </a:ext>
+            </a:extLst>
+          </p:cNvPr>
+          <p:cNvCxnSpPr/>
+          <p:nvPr/>
+        </p:nvCxnSpPr>
+        <p:spPr>
+          <a:xfrm>
+            <a:off x="5056093" y="865679"/>
+            <a:ext cx="0" cy="394447"/>
+          </a:xfrm>
+          <a:prstGeom prst="straightConnector1">
+            <a:avLst/>
+          </a:prstGeom>
+          <a:ln>
+            <a:tailEnd type="triangle"/>
+          </a:ln>
+        </p:spPr>
+        <p:style>
+          <a:lnRef idx="1">
+            <a:schemeClr val="dk1"/>
+          </a:lnRef>
+          <a:fillRef idx="0">
+            <a:schemeClr val="dk1"/>
+          </a:fillRef>
+          <a:effectRef idx="0">
+            <a:schemeClr val="dk1"/>
+          </a:effectRef>
+          <a:fontRef idx="minor">
+            <a:schemeClr val="tx1"/>
+          </a:fontRef>
+        </p:style>
+      </p:cxnSp>
+      <p:cxnSp>
+        <p:nvCxnSpPr>
+          <p:cNvPr id="10" name="Straight Arrow Connector 9">
+            <a:extLst>
+              <a:ext uri="{FF2B5EF4-FFF2-40B4-BE49-F238E27FC236}">
+                <a16:creationId xmlns:a16="http://schemas.microsoft.com/office/drawing/2014/main" id="{BE367062-4360-42BD-25C2-83444F01C798}"/>
+              </a:ext>
+            </a:extLst>
+          </p:cNvPr>
+          <p:cNvCxnSpPr>
+            <a:cxnSpLocks/>
+          </p:cNvCxnSpPr>
+          <p:nvPr/>
+        </p:nvCxnSpPr>
+        <p:spPr>
+          <a:xfrm>
+            <a:off x="8408893" y="690282"/>
+            <a:ext cx="0" cy="964291"/>
+          </a:xfrm>
+          <a:prstGeom prst="straightConnector1">
+            <a:avLst/>
+          </a:prstGeom>
+          <a:ln>
+            <a:tailEnd type="triangle"/>
+          </a:ln>
+        </p:spPr>
+        <p:style>
+          <a:lnRef idx="1">
+            <a:schemeClr val="dk1"/>
+          </a:lnRef>
+          <a:fillRef idx="0">
+            <a:schemeClr val="dk1"/>
+          </a:fillRef>
+          <a:effectRef idx="0">
+            <a:schemeClr val="dk1"/>
+          </a:effectRef>
+          <a:fontRef idx="minor">
+            <a:schemeClr val="tx1"/>
+          </a:fontRef>
+        </p:style>
+      </p:cxnSp>
+      <p:sp>
+        <p:nvSpPr>
+          <p:cNvPr id="6" name="TextBox 5">
+            <a:extLst>
+              <a:ext uri="{FF2B5EF4-FFF2-40B4-BE49-F238E27FC236}">
+                <a16:creationId xmlns:a16="http://schemas.microsoft.com/office/drawing/2014/main" id="{AE282EC0-FBE9-517C-B775-96EA60D069BE}"/>
+              </a:ext>
+            </a:extLst>
+          </p:cNvPr>
+          <p:cNvSpPr txBox="1"/>
+          <p:nvPr/>
+        </p:nvSpPr>
+        <p:spPr>
+          <a:xfrm>
+            <a:off x="21551" y="774252"/>
+            <a:ext cx="3655963" cy="369332"/>
+          </a:xfrm>
+          <a:prstGeom prst="rect">
+            <a:avLst/>
+          </a:prstGeom>
+          <a:noFill/>
+        </p:spPr>
+        <p:txBody>
+          <a:bodyPr wrap="square" rtlCol="0">
+            <a:spAutoFit/>
+          </a:bodyPr>
+          <a:lstStyle/>
+          <a:p>
+            <a:pPr algn="ctr"/>
+            <a:r>
+              <a:rPr lang="en-US" dirty="0"/>
+              <a:t>Slide on main body mounts</a:t>
+            </a:r>
+          </a:p>
+        </p:txBody>
+      </p:sp>
+    </p:spTree>
+    <p:extLst>
+      <p:ext uri="{BB962C8B-B14F-4D97-AF65-F5344CB8AC3E}">
+        <p14:creationId xmlns:p14="http://schemas.microsoft.com/office/powerpoint/2010/main" val="3030264259"/>
+      </p:ext>
+    </p:extLst>
+  </p:cSld>
+  <p:clrMapOvr>
+    <a:masterClrMapping/>
+  </p:clrMapOvr>
+</p:sld>
+</file>
+
+<file path=ppt/slides/slide19.xml><?xml version="1.0" encoding="utf-8"?>
+<p:sld xmlns:a="http://schemas.openxmlformats.org/drawingml/2006/main" xmlns:r="http://schemas.openxmlformats.org/officeDocument/2006/relationships" xmlns:p="http://schemas.openxmlformats.org/presentationml/2006/main">
+  <p:cSld>
+    <p:spTree>
+      <p:nvGrpSpPr>
+        <p:cNvPr id="1" name="">
+          <a:extLst>
+            <a:ext uri="{FF2B5EF4-FFF2-40B4-BE49-F238E27FC236}">
+              <a16:creationId xmlns:a16="http://schemas.microsoft.com/office/drawing/2014/main" id="{0F4D41B3-D8BE-CBFD-B641-BF8556DF0739}"/>
+            </a:ext>
+          </a:extLst>
+        </p:cNvPr>
+        <p:cNvGrpSpPr/>
+        <p:nvPr/>
+      </p:nvGrpSpPr>
+      <p:grpSpPr>
+        <a:xfrm>
+          <a:off x="0" y="0"/>
+          <a:ext cx="0" cy="0"/>
+          <a:chOff x="0" y="0"/>
+          <a:chExt cx="0" cy="0"/>
+        </a:xfrm>
+      </p:grpSpPr>
+      <p:pic>
+        <p:nvPicPr>
+          <p:cNvPr id="13" name="Picture 12">
+            <a:extLst>
+              <a:ext uri="{FF2B5EF4-FFF2-40B4-BE49-F238E27FC236}">
+                <a16:creationId xmlns:a16="http://schemas.microsoft.com/office/drawing/2014/main" id="{1C728B8B-8A9D-1007-B2E6-1C8BB37C08AD}"/>
+              </a:ext>
+            </a:extLst>
+          </p:cNvPr>
+          <p:cNvPicPr>
+            <a:picLocks noChangeAspect="1"/>
+          </p:cNvPicPr>
+          <p:nvPr/>
+        </p:nvPicPr>
+        <p:blipFill>
+          <a:blip r:embed="rId3"/>
+          <a:stretch>
+            <a:fillRect/>
+          </a:stretch>
+        </p:blipFill>
+        <p:spPr>
+          <a:xfrm>
+            <a:off x="21551" y="15125"/>
+            <a:ext cx="12192000" cy="6858000"/>
+          </a:xfrm>
+          <a:prstGeom prst="rect">
+            <a:avLst/>
+          </a:prstGeom>
+        </p:spPr>
+      </p:pic>
+      <p:sp>
+        <p:nvSpPr>
+          <p:cNvPr id="6" name="TextBox 5">
+            <a:extLst>
+              <a:ext uri="{FF2B5EF4-FFF2-40B4-BE49-F238E27FC236}">
+                <a16:creationId xmlns:a16="http://schemas.microsoft.com/office/drawing/2014/main" id="{067B2A41-E757-8DF2-C3DA-8DDF7E0BAB55}"/>
+              </a:ext>
+            </a:extLst>
+          </p:cNvPr>
+          <p:cNvSpPr txBox="1"/>
+          <p:nvPr/>
+        </p:nvSpPr>
+        <p:spPr>
+          <a:xfrm>
+            <a:off x="21551" y="774252"/>
+            <a:ext cx="3655963" cy="923330"/>
+          </a:xfrm>
+          <a:prstGeom prst="rect">
+            <a:avLst/>
+          </a:prstGeom>
+          <a:noFill/>
+        </p:spPr>
+        <p:txBody>
+          <a:bodyPr wrap="square" rtlCol="0">
+            <a:spAutoFit/>
+          </a:bodyPr>
+          <a:lstStyle/>
+          <a:p>
+            <a:pPr algn="ctr"/>
+            <a:r>
+              <a:rPr lang="en-US" dirty="0"/>
+              <a:t>Rotate entire assembly into place</a:t>
+            </a:r>
+          </a:p>
+          <a:p>
+            <a:pPr algn="ctr"/>
+            <a:endParaRPr lang="en-US" dirty="0"/>
+          </a:p>
+          <a:p>
+            <a:pPr algn="ctr"/>
+            <a:r>
+              <a:rPr lang="en-US" dirty="0"/>
+              <a:t>Secure sides with m4*10 screws</a:t>
+            </a:r>
+          </a:p>
+        </p:txBody>
+      </p:sp>
+      <p:pic>
+        <p:nvPicPr>
+          <p:cNvPr id="4" name="Picture 3">
+            <a:extLst>
+              <a:ext uri="{FF2B5EF4-FFF2-40B4-BE49-F238E27FC236}">
+                <a16:creationId xmlns:a16="http://schemas.microsoft.com/office/drawing/2014/main" id="{DC0D830D-2CF2-61EC-23D6-53D7B333A0D2}"/>
+              </a:ext>
+            </a:extLst>
+          </p:cNvPr>
+          <p:cNvPicPr>
+            <a:picLocks noChangeAspect="1"/>
+          </p:cNvPicPr>
+          <p:nvPr/>
+        </p:nvPicPr>
+        <p:blipFill>
+          <a:blip r:embed="rId4"/>
+          <a:stretch>
+            <a:fillRect/>
+          </a:stretch>
+        </p:blipFill>
+        <p:spPr>
+          <a:xfrm>
+            <a:off x="4427153" y="15125"/>
+            <a:ext cx="6547058" cy="6858000"/>
+          </a:xfrm>
+          <a:prstGeom prst="rect">
+            <a:avLst/>
+          </a:prstGeom>
+        </p:spPr>
+      </p:pic>
+    </p:spTree>
+    <p:extLst>
+      <p:ext uri="{BB962C8B-B14F-4D97-AF65-F5344CB8AC3E}">
+        <p14:creationId xmlns:p14="http://schemas.microsoft.com/office/powerpoint/2010/main" val="3466219972"/>
       </p:ext>
     </p:extLst>
   </p:cSld>
@@ -7382,6 +9432,417 @@
     <p:extLst>
       <p:ext uri="{BB962C8B-B14F-4D97-AF65-F5344CB8AC3E}">
         <p14:creationId xmlns:p14="http://schemas.microsoft.com/office/powerpoint/2010/main" val="993230337"/>
+      </p:ext>
+    </p:extLst>
+  </p:cSld>
+  <p:clrMapOvr>
+    <a:masterClrMapping/>
+  </p:clrMapOvr>
+</p:sld>
+</file>
+
+<file path=ppt/slides/slide20.xml><?xml version="1.0" encoding="utf-8"?>
+<p:sld xmlns:a="http://schemas.openxmlformats.org/drawingml/2006/main" xmlns:r="http://schemas.openxmlformats.org/officeDocument/2006/relationships" xmlns:p="http://schemas.openxmlformats.org/presentationml/2006/main">
+  <p:cSld>
+    <p:spTree>
+      <p:nvGrpSpPr>
+        <p:cNvPr id="1" name="">
+          <a:extLst>
+            <a:ext uri="{FF2B5EF4-FFF2-40B4-BE49-F238E27FC236}">
+              <a16:creationId xmlns:a16="http://schemas.microsoft.com/office/drawing/2014/main" id="{F2B3B6B6-7391-BC38-E97C-9FC4470FE529}"/>
+            </a:ext>
+          </a:extLst>
+        </p:cNvPr>
+        <p:cNvGrpSpPr/>
+        <p:nvPr/>
+      </p:nvGrpSpPr>
+      <p:grpSpPr>
+        <a:xfrm>
+          <a:off x="0" y="0"/>
+          <a:ext cx="0" cy="0"/>
+          <a:chOff x="0" y="0"/>
+          <a:chExt cx="0" cy="0"/>
+        </a:xfrm>
+      </p:grpSpPr>
+      <p:pic>
+        <p:nvPicPr>
+          <p:cNvPr id="13" name="Picture 12">
+            <a:extLst>
+              <a:ext uri="{FF2B5EF4-FFF2-40B4-BE49-F238E27FC236}">
+                <a16:creationId xmlns:a16="http://schemas.microsoft.com/office/drawing/2014/main" id="{BDAD41C5-FCE9-836B-0832-BCFE1450E9C8}"/>
+              </a:ext>
+            </a:extLst>
+          </p:cNvPr>
+          <p:cNvPicPr>
+            <a:picLocks noChangeAspect="1"/>
+          </p:cNvPicPr>
+          <p:nvPr/>
+        </p:nvPicPr>
+        <p:blipFill>
+          <a:blip r:embed="rId3"/>
+          <a:stretch>
+            <a:fillRect/>
+          </a:stretch>
+        </p:blipFill>
+        <p:spPr>
+          <a:xfrm>
+            <a:off x="21551" y="15125"/>
+            <a:ext cx="12192000" cy="6858000"/>
+          </a:xfrm>
+          <a:prstGeom prst="rect">
+            <a:avLst/>
+          </a:prstGeom>
+        </p:spPr>
+      </p:pic>
+      <p:sp>
+        <p:nvSpPr>
+          <p:cNvPr id="6" name="TextBox 5">
+            <a:extLst>
+              <a:ext uri="{FF2B5EF4-FFF2-40B4-BE49-F238E27FC236}">
+                <a16:creationId xmlns:a16="http://schemas.microsoft.com/office/drawing/2014/main" id="{3B9F01EE-BA77-B6A9-A3FF-6587E4DA67DB}"/>
+              </a:ext>
+            </a:extLst>
+          </p:cNvPr>
+          <p:cNvSpPr txBox="1"/>
+          <p:nvPr/>
+        </p:nvSpPr>
+        <p:spPr>
+          <a:xfrm>
+            <a:off x="21551" y="774252"/>
+            <a:ext cx="3655963" cy="646331"/>
+          </a:xfrm>
+          <a:prstGeom prst="rect">
+            <a:avLst/>
+          </a:prstGeom>
+          <a:noFill/>
+        </p:spPr>
+        <p:txBody>
+          <a:bodyPr wrap="square" rtlCol="0">
+            <a:spAutoFit/>
+          </a:bodyPr>
+          <a:lstStyle/>
+          <a:p>
+            <a:pPr algn="ctr"/>
+            <a:r>
+              <a:rPr lang="en-US" dirty="0"/>
+              <a:t>Slide Arm assembly up and attach</a:t>
+            </a:r>
+          </a:p>
+          <a:p>
+            <a:pPr algn="ctr"/>
+            <a:r>
+              <a:rPr lang="en-US" dirty="0"/>
+              <a:t>Center servo bracket.</a:t>
+            </a:r>
+          </a:p>
+        </p:txBody>
+      </p:sp>
+      <p:pic>
+        <p:nvPicPr>
+          <p:cNvPr id="3" name="Picture 2">
+            <a:extLst>
+              <a:ext uri="{FF2B5EF4-FFF2-40B4-BE49-F238E27FC236}">
+                <a16:creationId xmlns:a16="http://schemas.microsoft.com/office/drawing/2014/main" id="{AB9147B0-C4AA-68A0-559A-7F63856CF1F7}"/>
+              </a:ext>
+            </a:extLst>
+          </p:cNvPr>
+          <p:cNvPicPr>
+            <a:picLocks noChangeAspect="1"/>
+          </p:cNvPicPr>
+          <p:nvPr/>
+        </p:nvPicPr>
+        <p:blipFill>
+          <a:blip r:embed="rId4"/>
+          <a:stretch>
+            <a:fillRect/>
+          </a:stretch>
+        </p:blipFill>
+        <p:spPr>
+          <a:xfrm>
+            <a:off x="3805245" y="0"/>
+            <a:ext cx="7916380" cy="6487430"/>
+          </a:xfrm>
+          <a:prstGeom prst="rect">
+            <a:avLst/>
+          </a:prstGeom>
+        </p:spPr>
+      </p:pic>
+      <p:cxnSp>
+        <p:nvCxnSpPr>
+          <p:cNvPr id="5" name="Straight Arrow Connector 4">
+            <a:extLst>
+              <a:ext uri="{FF2B5EF4-FFF2-40B4-BE49-F238E27FC236}">
+                <a16:creationId xmlns:a16="http://schemas.microsoft.com/office/drawing/2014/main" id="{501A8F98-C99D-83E1-9144-EB50894AF773}"/>
+              </a:ext>
+            </a:extLst>
+          </p:cNvPr>
+          <p:cNvCxnSpPr>
+            <a:cxnSpLocks/>
+          </p:cNvCxnSpPr>
+          <p:nvPr/>
+        </p:nvCxnSpPr>
+        <p:spPr>
+          <a:xfrm flipH="1">
+            <a:off x="8157881" y="1595718"/>
+            <a:ext cx="1532966" cy="1009114"/>
+          </a:xfrm>
+          <a:prstGeom prst="straightConnector1">
+            <a:avLst/>
+          </a:prstGeom>
+          <a:ln>
+            <a:tailEnd type="triangle"/>
+          </a:ln>
+        </p:spPr>
+        <p:style>
+          <a:lnRef idx="1">
+            <a:schemeClr val="dk1"/>
+          </a:lnRef>
+          <a:fillRef idx="0">
+            <a:schemeClr val="dk1"/>
+          </a:fillRef>
+          <a:effectRef idx="0">
+            <a:schemeClr val="dk1"/>
+          </a:effectRef>
+          <a:fontRef idx="minor">
+            <a:schemeClr val="tx1"/>
+          </a:fontRef>
+        </p:style>
+      </p:cxnSp>
+      <p:cxnSp>
+        <p:nvCxnSpPr>
+          <p:cNvPr id="9" name="Straight Arrow Connector 8">
+            <a:extLst>
+              <a:ext uri="{FF2B5EF4-FFF2-40B4-BE49-F238E27FC236}">
+                <a16:creationId xmlns:a16="http://schemas.microsoft.com/office/drawing/2014/main" id="{1B2DC106-05D2-1FF6-1B9C-E77F4661E1E5}"/>
+              </a:ext>
+            </a:extLst>
+          </p:cNvPr>
+          <p:cNvCxnSpPr>
+            <a:cxnSpLocks/>
+          </p:cNvCxnSpPr>
+          <p:nvPr/>
+        </p:nvCxnSpPr>
+        <p:spPr>
+          <a:xfrm flipH="1">
+            <a:off x="8901953" y="1748118"/>
+            <a:ext cx="941294" cy="1882588"/>
+          </a:xfrm>
+          <a:prstGeom prst="straightConnector1">
+            <a:avLst/>
+          </a:prstGeom>
+          <a:ln>
+            <a:tailEnd type="triangle"/>
+          </a:ln>
+        </p:spPr>
+        <p:style>
+          <a:lnRef idx="1">
+            <a:schemeClr val="dk1"/>
+          </a:lnRef>
+          <a:fillRef idx="0">
+            <a:schemeClr val="dk1"/>
+          </a:fillRef>
+          <a:effectRef idx="0">
+            <a:schemeClr val="dk1"/>
+          </a:effectRef>
+          <a:fontRef idx="minor">
+            <a:schemeClr val="tx1"/>
+          </a:fontRef>
+        </p:style>
+      </p:cxnSp>
+    </p:spTree>
+    <p:extLst>
+      <p:ext uri="{BB962C8B-B14F-4D97-AF65-F5344CB8AC3E}">
+        <p14:creationId xmlns:p14="http://schemas.microsoft.com/office/powerpoint/2010/main" val="1201537915"/>
+      </p:ext>
+    </p:extLst>
+  </p:cSld>
+  <p:clrMapOvr>
+    <a:masterClrMapping/>
+  </p:clrMapOvr>
+</p:sld>
+</file>
+
+<file path=ppt/slides/slide21.xml><?xml version="1.0" encoding="utf-8"?>
+<p:sld xmlns:a="http://schemas.openxmlformats.org/drawingml/2006/main" xmlns:r="http://schemas.openxmlformats.org/officeDocument/2006/relationships" xmlns:p="http://schemas.openxmlformats.org/presentationml/2006/main">
+  <p:cSld>
+    <p:spTree>
+      <p:nvGrpSpPr>
+        <p:cNvPr id="1" name="">
+          <a:extLst>
+            <a:ext uri="{FF2B5EF4-FFF2-40B4-BE49-F238E27FC236}">
+              <a16:creationId xmlns:a16="http://schemas.microsoft.com/office/drawing/2014/main" id="{CEE86E40-7D3B-2458-C30A-E65D8C40DAF0}"/>
+            </a:ext>
+          </a:extLst>
+        </p:cNvPr>
+        <p:cNvGrpSpPr/>
+        <p:nvPr/>
+      </p:nvGrpSpPr>
+      <p:grpSpPr>
+        <a:xfrm>
+          <a:off x="0" y="0"/>
+          <a:ext cx="0" cy="0"/>
+          <a:chOff x="0" y="0"/>
+          <a:chExt cx="0" cy="0"/>
+        </a:xfrm>
+      </p:grpSpPr>
+      <p:pic>
+        <p:nvPicPr>
+          <p:cNvPr id="13" name="Picture 12">
+            <a:extLst>
+              <a:ext uri="{FF2B5EF4-FFF2-40B4-BE49-F238E27FC236}">
+                <a16:creationId xmlns:a16="http://schemas.microsoft.com/office/drawing/2014/main" id="{7C648FAF-4054-16FF-8D61-9F0C58D22440}"/>
+              </a:ext>
+            </a:extLst>
+          </p:cNvPr>
+          <p:cNvPicPr>
+            <a:picLocks noChangeAspect="1"/>
+          </p:cNvPicPr>
+          <p:nvPr/>
+        </p:nvPicPr>
+        <p:blipFill>
+          <a:blip r:embed="rId3"/>
+          <a:stretch>
+            <a:fillRect/>
+          </a:stretch>
+        </p:blipFill>
+        <p:spPr>
+          <a:xfrm>
+            <a:off x="21551" y="0"/>
+            <a:ext cx="12192000" cy="6858000"/>
+          </a:xfrm>
+          <a:prstGeom prst="rect">
+            <a:avLst/>
+          </a:prstGeom>
+        </p:spPr>
+      </p:pic>
+      <p:sp>
+        <p:nvSpPr>
+          <p:cNvPr id="6" name="TextBox 5">
+            <a:extLst>
+              <a:ext uri="{FF2B5EF4-FFF2-40B4-BE49-F238E27FC236}">
+                <a16:creationId xmlns:a16="http://schemas.microsoft.com/office/drawing/2014/main" id="{8D3F45AF-C1D1-834A-DCA6-3EFE25FD1B48}"/>
+              </a:ext>
+            </a:extLst>
+          </p:cNvPr>
+          <p:cNvSpPr txBox="1"/>
+          <p:nvPr/>
+        </p:nvSpPr>
+        <p:spPr>
+          <a:xfrm>
+            <a:off x="21551" y="774252"/>
+            <a:ext cx="3655963" cy="369332"/>
+          </a:xfrm>
+          <a:prstGeom prst="rect">
+            <a:avLst/>
+          </a:prstGeom>
+          <a:noFill/>
+        </p:spPr>
+        <p:txBody>
+          <a:bodyPr wrap="square" rtlCol="0">
+            <a:spAutoFit/>
+          </a:bodyPr>
+          <a:lstStyle/>
+          <a:p>
+            <a:pPr algn="ctr"/>
+            <a:r>
+              <a:rPr lang="en-US" dirty="0"/>
+              <a:t>Each arm is assembly like the picture</a:t>
+            </a:r>
+          </a:p>
+        </p:txBody>
+      </p:sp>
+      <p:pic>
+        <p:nvPicPr>
+          <p:cNvPr id="4" name="Picture 3">
+            <a:extLst>
+              <a:ext uri="{FF2B5EF4-FFF2-40B4-BE49-F238E27FC236}">
+                <a16:creationId xmlns:a16="http://schemas.microsoft.com/office/drawing/2014/main" id="{CEA1D5E7-80F4-2214-933E-4C3915AF370B}"/>
+              </a:ext>
+            </a:extLst>
+          </p:cNvPr>
+          <p:cNvPicPr>
+            <a:picLocks noChangeAspect="1"/>
+          </p:cNvPicPr>
+          <p:nvPr/>
+        </p:nvPicPr>
+        <p:blipFill>
+          <a:blip r:embed="rId4"/>
+          <a:stretch>
+            <a:fillRect/>
+          </a:stretch>
+        </p:blipFill>
+        <p:spPr>
+          <a:xfrm>
+            <a:off x="5444871" y="161469"/>
+            <a:ext cx="5001323" cy="6535062"/>
+          </a:xfrm>
+          <a:prstGeom prst="rect">
+            <a:avLst/>
+          </a:prstGeom>
+        </p:spPr>
+      </p:pic>
+      <p:sp>
+        <p:nvSpPr>
+          <p:cNvPr id="7" name="Rectangle 6">
+            <a:extLst>
+              <a:ext uri="{FF2B5EF4-FFF2-40B4-BE49-F238E27FC236}">
+                <a16:creationId xmlns:a16="http://schemas.microsoft.com/office/drawing/2014/main" id="{80A35CC3-9497-8160-C0B5-471E69C0F393}"/>
+              </a:ext>
+            </a:extLst>
+          </p:cNvPr>
+          <p:cNvSpPr/>
+          <p:nvPr/>
+        </p:nvSpPr>
+        <p:spPr>
+          <a:xfrm>
+            <a:off x="53759" y="-124391"/>
+            <a:ext cx="835485" cy="923330"/>
+          </a:xfrm>
+          <a:prstGeom prst="rect">
+            <a:avLst/>
+          </a:prstGeom>
+          <a:noFill/>
+        </p:spPr>
+        <p:txBody>
+          <a:bodyPr wrap="none" lIns="91440" tIns="45720" rIns="91440" bIns="45720">
+            <a:spAutoFit/>
+          </a:bodyPr>
+          <a:lstStyle/>
+          <a:p>
+            <a:pPr algn="ctr"/>
+            <a:r>
+              <a:rPr lang="en-US" sz="5400" dirty="0">
+                <a:ln w="0"/>
+                <a:effectLst>
+                  <a:outerShdw blurRad="38100" dist="19050" dir="2700000" algn="tl" rotWithShape="0">
+                    <a:schemeClr val="dk1">
+                      <a:alpha val="40000"/>
+                    </a:schemeClr>
+                  </a:outerShdw>
+                </a:effectLst>
+              </a:rPr>
+              <a:t>x2</a:t>
+            </a:r>
+            <a:endParaRPr lang="en-US" sz="5400" b="0" cap="none" spc="0" dirty="0">
+              <a:ln w="0"/>
+              <a:solidFill>
+                <a:schemeClr val="tx1"/>
+              </a:solidFill>
+              <a:effectLst>
+                <a:outerShdw blurRad="38100" dist="19050" dir="2700000" algn="tl" rotWithShape="0">
+                  <a:schemeClr val="dk1">
+                    <a:alpha val="40000"/>
+                  </a:schemeClr>
+                </a:outerShdw>
+              </a:effectLst>
+            </a:endParaRPr>
+          </a:p>
+        </p:txBody>
+      </p:sp>
+    </p:spTree>
+    <p:extLst>
+      <p:ext uri="{BB962C8B-B14F-4D97-AF65-F5344CB8AC3E}">
+        <p14:creationId xmlns:p14="http://schemas.microsoft.com/office/powerpoint/2010/main" val="3754979084"/>
       </p:ext>
     </p:extLst>
   </p:cSld>

--- a/TARS Instructions (WIP).pptx
+++ b/TARS Instructions (WIP).pptx
@@ -7313,7 +7313,15 @@
             <a:pPr algn="ctr"/>
             <a:r>
               <a:rPr lang="en-US" dirty="0"/>
-              <a:t>Connect servo to RPI first, the PORT and STARBOARD servos should go in pine 1 and 2 (the first pin is 0).</a:t>
+              <a:t>Connect servo to RPI first, the PORT and STARBOARD servos should go </a:t>
+            </a:r>
+            <a:r>
+              <a:rPr lang="en-US"/>
+              <a:t>in pin </a:t>
+            </a:r>
+            <a:r>
+              <a:rPr lang="en-US" dirty="0"/>
+              <a:t>1 and 2 (the first pin is 0).</a:t>
             </a:r>
             <a:endParaRPr lang="en-US" b="0" i="0" dirty="0">
               <a:solidFill>
